--- a/documents/Slide Đồ án tốt nghiệp_Nguyễn Tuấn Anh_REV1.pptx
+++ b/documents/Slide Đồ án tốt nghiệp_Nguyễn Tuấn Anh_REV1.pptx
@@ -31566,12 +31566,6 @@
 </file>
 
 <file path=customXml/item1.xml><?xml version="1.0" encoding="utf-8"?>
-<p:properties xmlns:p="http://schemas.microsoft.com/office/2006/metadata/properties" xmlns:xsi="http://www.w3.org/2001/XMLSchema-instance" xmlns:pc="http://schemas.microsoft.com/office/infopath/2007/PartnerControls">
-  <documentManagement/>
-</p:properties>
-</file>
-
-<file path=customXml/item2.xml><?xml version="1.0" encoding="utf-8"?>
 <ct:contentTypeSchema xmlns:ct="http://schemas.microsoft.com/office/2006/metadata/contentType" xmlns:ma="http://schemas.microsoft.com/office/2006/metadata/properties/metaAttributes" ct:_="" ma:_="" ma:contentTypeName="Document" ma:contentTypeID="0x01010029FB87B201BB164AA8F0D7E07FC18253" ma:contentTypeVersion="12" ma:contentTypeDescription="Create a new document." ma:contentTypeScope="" ma:versionID="ec75d641dd128f4ad30853614c3b4998">
   <xsd:schema xmlns:xsd="http://www.w3.org/2001/XMLSchema" xmlns:xs="http://www.w3.org/2001/XMLSchema" xmlns:p="http://schemas.microsoft.com/office/2006/metadata/properties" xmlns:ns2="c070d92c-e005-4177-a1a8-b2208be38bba" xmlns:ns3="c72df4cc-d2de-4b7e-8388-06b9b73bb217" targetNamespace="http://schemas.microsoft.com/office/2006/metadata/properties" ma:root="true" ma:fieldsID="0bd5079f3866d8fa0d2cfeac6b7a2082" ns2:_="" ns3:_="">
     <xsd:import namespace="c070d92c-e005-4177-a1a8-b2208be38bba"/>
@@ -31788,6 +31782,12 @@
 </ct:contentTypeSchema>
 </file>
 
+<file path=customXml/item2.xml><?xml version="1.0" encoding="utf-8"?>
+<p:properties xmlns:p="http://schemas.microsoft.com/office/2006/metadata/properties" xmlns:xsi="http://www.w3.org/2001/XMLSchema-instance" xmlns:pc="http://schemas.microsoft.com/office/infopath/2007/PartnerControls">
+  <documentManagement/>
+</p:properties>
+</file>
+
 <file path=customXml/item3.xml><?xml version="1.0" encoding="utf-8"?>
 <?mso-contentType ?>
 <FormTemplates xmlns="http://schemas.microsoft.com/sharepoint/v3/contenttype/forms">
@@ -31798,15 +31798,6 @@
 </file>
 
 <file path=customXml/itemProps1.xml><?xml version="1.0" encoding="utf-8"?>
-<ds:datastoreItem xmlns:ds="http://schemas.openxmlformats.org/officeDocument/2006/customXml" ds:itemID="{5666771F-238C-409E-B1DF-70481BFDE8AE}">
-  <ds:schemaRefs>
-    <ds:schemaRef ds:uri="http://schemas.microsoft.com/office/2006/metadata/properties"/>
-    <ds:schemaRef ds:uri="http://schemas.microsoft.com/office/infopath/2007/PartnerControls"/>
-  </ds:schemaRefs>
-</ds:datastoreItem>
-</file>
-
-<file path=customXml/itemProps2.xml><?xml version="1.0" encoding="utf-8"?>
 <ds:datastoreItem xmlns:ds="http://schemas.openxmlformats.org/officeDocument/2006/customXml" ds:itemID="{D2294227-C537-4C56-90F1-0A24B92707E6}">
   <ds:schemaRefs>
     <ds:schemaRef ds:uri="http://schemas.microsoft.com/office/2006/metadata/contentType"/>
@@ -31825,6 +31816,15 @@
 </ds:datastoreItem>
 </file>
 
+<file path=customXml/itemProps2.xml><?xml version="1.0" encoding="utf-8"?>
+<ds:datastoreItem xmlns:ds="http://schemas.openxmlformats.org/officeDocument/2006/customXml" ds:itemID="{5666771F-238C-409E-B1DF-70481BFDE8AE}">
+  <ds:schemaRefs>
+    <ds:schemaRef ds:uri="http://schemas.microsoft.com/office/2006/metadata/properties"/>
+    <ds:schemaRef ds:uri="http://schemas.microsoft.com/office/infopath/2007/PartnerControls"/>
+  </ds:schemaRefs>
+</ds:datastoreItem>
+</file>
+
 <file path=customXml/itemProps3.xml><?xml version="1.0" encoding="utf-8"?>
 <ds:datastoreItem xmlns:ds="http://schemas.openxmlformats.org/officeDocument/2006/customXml" ds:itemID="{69128D4C-6F8B-42B2-A3A4-DC1405FCC7A7}">
   <ds:schemaRefs>

--- a/documents/Slide Đồ án tốt nghiệp_Nguyễn Tuấn Anh_REV1.pptx
+++ b/documents/Slide Đồ án tốt nghiệp_Nguyễn Tuấn Anh_REV1.pptx
@@ -258,7 +258,7 @@
           <a:p>
             <a:fld id="{C8EC4C12-44DC-4AF1-91BC-D6BFF5E34312}" type="datetimeFigureOut">
               <a:rPr lang="vi-VN" smtClean="0"/>
-              <a:t>27/01/2021</a:t>
+              <a:t>28/01/2021</a:t>
             </a:fld>
             <a:endParaRPr lang="vi-VN"/>
           </a:p>
@@ -570,7 +570,41 @@
           <a:bodyPr/>
           <a:lstStyle/>
           <a:p>
-            <a:endParaRPr lang="en-US" dirty="0"/>
+            <a:pPr marL="171450" indent="-171450">
+              <a:buFontTx/>
+              <a:buChar char="-"/>
+            </a:pPr>
+            <a:r>
+              <a:rPr lang="en-US"/>
+              <a:t>Chào thầy cô và các bạn, đến với buổi bảo vệ tốt nghiêp</a:t>
+            </a:r>
+          </a:p>
+          <a:p>
+            <a:pPr marL="171450" indent="-171450">
+              <a:buFontTx/>
+              <a:buChar char="-"/>
+            </a:pPr>
+            <a:r>
+              <a:rPr lang="en-US"/>
+              <a:t>Tên, mssv, lớp</a:t>
+            </a:r>
+          </a:p>
+          <a:p>
+            <a:pPr marL="171450" indent="-171450">
+              <a:buFontTx/>
+              <a:buChar char="-"/>
+            </a:pPr>
+            <a:r>
+              <a:rPr lang="en-US"/>
+              <a:t>dưới sự hướng dẫn của thầy Nguyễn Văn Ánh thực hiện đề tài: </a:t>
+            </a:r>
+          </a:p>
+          <a:p>
+            <a:pPr marL="171450" indent="-171450">
+              <a:buFontTx/>
+              <a:buChar char="-"/>
+            </a:pPr>
+            <a:endParaRPr lang="vi-VN"/>
           </a:p>
         </p:txBody>
       </p:sp>
@@ -591,7 +625,7 @@
           <a:p>
             <a:fld id="{E2C07920-3A74-449B-970D-FA3232CC8EC0}" type="slidenum">
               <a:rPr lang="vi-VN" smtClean="0"/>
-              <a:t>9</a:t>
+              <a:t>2</a:t>
             </a:fld>
             <a:endParaRPr lang="vi-VN"/>
           </a:p>
@@ -600,7 +634,7 @@
     </p:spTree>
     <p:extLst>
       <p:ext uri="{BB962C8B-B14F-4D97-AF65-F5344CB8AC3E}">
-        <p14:creationId xmlns:p14="http://schemas.microsoft.com/office/powerpoint/2010/main" val="4104785786"/>
+        <p14:creationId xmlns:p14="http://schemas.microsoft.com/office/powerpoint/2010/main" val="2962263286"/>
       </p:ext>
     </p:extLst>
   </p:cSld>
@@ -610,7 +644,273 @@
 </p:notes>
 </file>
 
-<file path=ppt/notesSlides/notesSlide2.xml><?xml version="1.0" encoding="utf-8"?>
+<file path=ppt/notesSlides/notesSlide10.xml><?xml version="1.0" encoding="utf-8"?>
+<p:notes xmlns:a="http://schemas.openxmlformats.org/drawingml/2006/main" xmlns:r="http://schemas.openxmlformats.org/officeDocument/2006/relationships" xmlns:p="http://schemas.openxmlformats.org/presentationml/2006/main">
+  <p:cSld>
+    <p:spTree>
+      <p:nvGrpSpPr>
+        <p:cNvPr id="1" name=""/>
+        <p:cNvGrpSpPr/>
+        <p:nvPr/>
+      </p:nvGrpSpPr>
+      <p:grpSpPr>
+        <a:xfrm>
+          <a:off x="0" y="0"/>
+          <a:ext cx="0" cy="0"/>
+          <a:chOff x="0" y="0"/>
+          <a:chExt cx="0" cy="0"/>
+        </a:xfrm>
+      </p:grpSpPr>
+      <p:sp>
+        <p:nvSpPr>
+          <p:cNvPr id="2" name="Slide Image Placeholder 1"/>
+          <p:cNvSpPr>
+            <a:spLocks noGrp="1" noRot="1" noChangeAspect="1"/>
+          </p:cNvSpPr>
+          <p:nvPr>
+            <p:ph type="sldImg"/>
+          </p:nvPr>
+        </p:nvSpPr>
+        <p:spPr/>
+      </p:sp>
+      <p:sp>
+        <p:nvSpPr>
+          <p:cNvPr id="3" name="Notes Placeholder 2"/>
+          <p:cNvSpPr>
+            <a:spLocks noGrp="1"/>
+          </p:cNvSpPr>
+          <p:nvPr>
+            <p:ph type="body" idx="1"/>
+          </p:nvPr>
+        </p:nvSpPr>
+        <p:spPr/>
+        <p:txBody>
+          <a:bodyPr/>
+          <a:lstStyle/>
+          <a:p>
+            <a:endParaRPr lang="vi-VN"/>
+          </a:p>
+        </p:txBody>
+      </p:sp>
+      <p:sp>
+        <p:nvSpPr>
+          <p:cNvPr id="4" name="Slide Number Placeholder 3"/>
+          <p:cNvSpPr>
+            <a:spLocks noGrp="1"/>
+          </p:cNvSpPr>
+          <p:nvPr>
+            <p:ph type="sldNum" sz="quarter" idx="5"/>
+          </p:nvPr>
+        </p:nvSpPr>
+        <p:spPr/>
+        <p:txBody>
+          <a:bodyPr/>
+          <a:lstStyle/>
+          <a:p>
+            <a:fld id="{E2C07920-3A74-449B-970D-FA3232CC8EC0}" type="slidenum">
+              <a:rPr lang="vi-VN" smtClean="0"/>
+              <a:t>11</a:t>
+            </a:fld>
+            <a:endParaRPr lang="vi-VN"/>
+          </a:p>
+        </p:txBody>
+      </p:sp>
+    </p:spTree>
+    <p:extLst>
+      <p:ext uri="{BB962C8B-B14F-4D97-AF65-F5344CB8AC3E}">
+        <p14:creationId xmlns:p14="http://schemas.microsoft.com/office/powerpoint/2010/main" val="548883278"/>
+      </p:ext>
+    </p:extLst>
+  </p:cSld>
+  <p:clrMapOvr>
+    <a:masterClrMapping/>
+  </p:clrMapOvr>
+</p:notes>
+</file>
+
+<file path=ppt/notesSlides/notesSlide11.xml><?xml version="1.0" encoding="utf-8"?>
+<p:notes xmlns:a="http://schemas.openxmlformats.org/drawingml/2006/main" xmlns:r="http://schemas.openxmlformats.org/officeDocument/2006/relationships" xmlns:p="http://schemas.openxmlformats.org/presentationml/2006/main">
+  <p:cSld>
+    <p:spTree>
+      <p:nvGrpSpPr>
+        <p:cNvPr id="1" name=""/>
+        <p:cNvGrpSpPr/>
+        <p:nvPr/>
+      </p:nvGrpSpPr>
+      <p:grpSpPr>
+        <a:xfrm>
+          <a:off x="0" y="0"/>
+          <a:ext cx="0" cy="0"/>
+          <a:chOff x="0" y="0"/>
+          <a:chExt cx="0" cy="0"/>
+        </a:xfrm>
+      </p:grpSpPr>
+      <p:sp>
+        <p:nvSpPr>
+          <p:cNvPr id="2" name="Slide Image Placeholder 1"/>
+          <p:cNvSpPr>
+            <a:spLocks noGrp="1" noRot="1" noChangeAspect="1"/>
+          </p:cNvSpPr>
+          <p:nvPr>
+            <p:ph type="sldImg"/>
+          </p:nvPr>
+        </p:nvSpPr>
+        <p:spPr/>
+      </p:sp>
+      <p:sp>
+        <p:nvSpPr>
+          <p:cNvPr id="3" name="Notes Placeholder 2"/>
+          <p:cNvSpPr>
+            <a:spLocks noGrp="1"/>
+          </p:cNvSpPr>
+          <p:nvPr>
+            <p:ph type="body" idx="1"/>
+          </p:nvPr>
+        </p:nvSpPr>
+        <p:spPr/>
+        <p:txBody>
+          <a:bodyPr/>
+          <a:lstStyle/>
+          <a:p>
+            <a:r>
+              <a:rPr lang="en-US"/>
+              <a:t>Khối đóng cắt gồm 2 linh kiện chính moc, bta</a:t>
+            </a:r>
+          </a:p>
+          <a:p>
+            <a:r>
+              <a:rPr lang="en-US"/>
+              <a:t>Điều khiển đóng cắt thông qua chân vi điều khiển. Khi tín hiệu điều khiển ở mức cao, có dòng điện chảy qua …</a:t>
+            </a:r>
+            <a:endParaRPr lang="vi-VN"/>
+          </a:p>
+        </p:txBody>
+      </p:sp>
+      <p:sp>
+        <p:nvSpPr>
+          <p:cNvPr id="4" name="Slide Number Placeholder 3"/>
+          <p:cNvSpPr>
+            <a:spLocks noGrp="1"/>
+          </p:cNvSpPr>
+          <p:nvPr>
+            <p:ph type="sldNum" sz="quarter" idx="5"/>
+          </p:nvPr>
+        </p:nvSpPr>
+        <p:spPr/>
+        <p:txBody>
+          <a:bodyPr/>
+          <a:lstStyle/>
+          <a:p>
+            <a:fld id="{E2C07920-3A74-449B-970D-FA3232CC8EC0}" type="slidenum">
+              <a:rPr lang="vi-VN" smtClean="0"/>
+              <a:t>12</a:t>
+            </a:fld>
+            <a:endParaRPr lang="vi-VN"/>
+          </a:p>
+        </p:txBody>
+      </p:sp>
+    </p:spTree>
+    <p:extLst>
+      <p:ext uri="{BB962C8B-B14F-4D97-AF65-F5344CB8AC3E}">
+        <p14:creationId xmlns:p14="http://schemas.microsoft.com/office/powerpoint/2010/main" val="641138283"/>
+      </p:ext>
+    </p:extLst>
+  </p:cSld>
+  <p:clrMapOvr>
+    <a:masterClrMapping/>
+  </p:clrMapOvr>
+</p:notes>
+</file>
+
+<file path=ppt/notesSlides/notesSlide12.xml><?xml version="1.0" encoding="utf-8"?>
+<p:notes xmlns:a="http://schemas.openxmlformats.org/drawingml/2006/main" xmlns:r="http://schemas.openxmlformats.org/officeDocument/2006/relationships" xmlns:p="http://schemas.openxmlformats.org/presentationml/2006/main">
+  <p:cSld>
+    <p:spTree>
+      <p:nvGrpSpPr>
+        <p:cNvPr id="1" name=""/>
+        <p:cNvGrpSpPr/>
+        <p:nvPr/>
+      </p:nvGrpSpPr>
+      <p:grpSpPr>
+        <a:xfrm>
+          <a:off x="0" y="0"/>
+          <a:ext cx="0" cy="0"/>
+          <a:chOff x="0" y="0"/>
+          <a:chExt cx="0" cy="0"/>
+        </a:xfrm>
+      </p:grpSpPr>
+      <p:sp>
+        <p:nvSpPr>
+          <p:cNvPr id="2" name="Slide Image Placeholder 1"/>
+          <p:cNvSpPr>
+            <a:spLocks noGrp="1" noRot="1" noChangeAspect="1"/>
+          </p:cNvSpPr>
+          <p:nvPr>
+            <p:ph type="sldImg"/>
+          </p:nvPr>
+        </p:nvSpPr>
+        <p:spPr/>
+      </p:sp>
+      <p:sp>
+        <p:nvSpPr>
+          <p:cNvPr id="3" name="Notes Placeholder 2"/>
+          <p:cNvSpPr>
+            <a:spLocks noGrp="1"/>
+          </p:cNvSpPr>
+          <p:nvPr>
+            <p:ph type="body" idx="1"/>
+          </p:nvPr>
+        </p:nvSpPr>
+        <p:spPr/>
+        <p:txBody>
+          <a:bodyPr/>
+          <a:lstStyle/>
+          <a:p>
+            <a:r>
+              <a:rPr lang="en-US"/>
+              <a:t>Khối nút nhấn gồm </a:t>
+            </a:r>
+            <a:endParaRPr lang="vi-VN"/>
+          </a:p>
+        </p:txBody>
+      </p:sp>
+      <p:sp>
+        <p:nvSpPr>
+          <p:cNvPr id="4" name="Slide Number Placeholder 3"/>
+          <p:cNvSpPr>
+            <a:spLocks noGrp="1"/>
+          </p:cNvSpPr>
+          <p:nvPr>
+            <p:ph type="sldNum" sz="quarter" idx="5"/>
+          </p:nvPr>
+        </p:nvSpPr>
+        <p:spPr/>
+        <p:txBody>
+          <a:bodyPr/>
+          <a:lstStyle/>
+          <a:p>
+            <a:fld id="{E2C07920-3A74-449B-970D-FA3232CC8EC0}" type="slidenum">
+              <a:rPr lang="vi-VN" smtClean="0"/>
+              <a:t>13</a:t>
+            </a:fld>
+            <a:endParaRPr lang="vi-VN"/>
+          </a:p>
+        </p:txBody>
+      </p:sp>
+    </p:spTree>
+    <p:extLst>
+      <p:ext uri="{BB962C8B-B14F-4D97-AF65-F5344CB8AC3E}">
+        <p14:creationId xmlns:p14="http://schemas.microsoft.com/office/powerpoint/2010/main" val="3396904474"/>
+      </p:ext>
+    </p:extLst>
+  </p:cSld>
+  <p:clrMapOvr>
+    <a:masterClrMapping/>
+  </p:clrMapOvr>
+</p:notes>
+</file>
+
+<file path=ppt/notesSlides/notesSlide13.xml><?xml version="1.0" encoding="utf-8"?>
 <p:notes xmlns:a="http://schemas.openxmlformats.org/drawingml/2006/main" xmlns:r="http://schemas.openxmlformats.org/officeDocument/2006/relationships" xmlns:p="http://schemas.openxmlformats.org/presentationml/2006/main">
   <p:cSld>
     <p:spTree>
@@ -694,7 +994,7 @@
 </p:notes>
 </file>
 
-<file path=ppt/notesSlides/notesSlide3.xml><?xml version="1.0" encoding="utf-8"?>
+<file path=ppt/notesSlides/notesSlide14.xml><?xml version="1.0" encoding="utf-8"?>
 <p:notes xmlns:a="http://schemas.openxmlformats.org/drawingml/2006/main" xmlns:r="http://schemas.openxmlformats.org/officeDocument/2006/relationships" xmlns:p="http://schemas.openxmlformats.org/presentationml/2006/main">
   <p:cSld>
     <p:spTree>
@@ -738,6 +1038,10 @@
           <a:bodyPr/>
           <a:lstStyle/>
           <a:p>
+            <a:r>
+              <a:rPr lang="en-US"/>
+              <a:t>Thêm màn hình cấu hình wifi</a:t>
+            </a:r>
             <a:endParaRPr lang="vi-VN"/>
           </a:p>
         </p:txBody>
@@ -778,7 +1082,7 @@
 </p:notes>
 </file>
 
-<file path=ppt/notesSlides/notesSlide4.xml><?xml version="1.0" encoding="utf-8"?>
+<file path=ppt/notesSlides/notesSlide15.xml><?xml version="1.0" encoding="utf-8"?>
 <p:notes xmlns:a="http://schemas.openxmlformats.org/drawingml/2006/main" xmlns:r="http://schemas.openxmlformats.org/officeDocument/2006/relationships" xmlns:p="http://schemas.openxmlformats.org/presentationml/2006/main">
   <p:cSld>
     <p:spTree>
@@ -862,7 +1166,7 @@
 </p:notes>
 </file>
 
-<file path=ppt/notesSlides/notesSlide5.xml><?xml version="1.0" encoding="utf-8"?>
+<file path=ppt/notesSlides/notesSlide16.xml><?xml version="1.0" encoding="utf-8"?>
 <p:notes xmlns:a="http://schemas.openxmlformats.org/drawingml/2006/main" xmlns:r="http://schemas.openxmlformats.org/officeDocument/2006/relationships" xmlns:p="http://schemas.openxmlformats.org/presentationml/2006/main">
   <p:cSld>
     <p:spTree>
@@ -937,6 +1241,858 @@
     <p:extLst>
       <p:ext uri="{BB962C8B-B14F-4D97-AF65-F5344CB8AC3E}">
         <p14:creationId xmlns:p14="http://schemas.microsoft.com/office/powerpoint/2010/main" val="555518452"/>
+      </p:ext>
+    </p:extLst>
+  </p:cSld>
+  <p:clrMapOvr>
+    <a:masterClrMapping/>
+  </p:clrMapOvr>
+</p:notes>
+</file>
+
+<file path=ppt/notesSlides/notesSlide2.xml><?xml version="1.0" encoding="utf-8"?>
+<p:notes xmlns:a="http://schemas.openxmlformats.org/drawingml/2006/main" xmlns:r="http://schemas.openxmlformats.org/officeDocument/2006/relationships" xmlns:p="http://schemas.openxmlformats.org/presentationml/2006/main">
+  <p:cSld>
+    <p:spTree>
+      <p:nvGrpSpPr>
+        <p:cNvPr id="1" name=""/>
+        <p:cNvGrpSpPr/>
+        <p:nvPr/>
+      </p:nvGrpSpPr>
+      <p:grpSpPr>
+        <a:xfrm>
+          <a:off x="0" y="0"/>
+          <a:ext cx="0" cy="0"/>
+          <a:chOff x="0" y="0"/>
+          <a:chExt cx="0" cy="0"/>
+        </a:xfrm>
+      </p:grpSpPr>
+      <p:sp>
+        <p:nvSpPr>
+          <p:cNvPr id="2" name="Slide Image Placeholder 1"/>
+          <p:cNvSpPr>
+            <a:spLocks noGrp="1" noRot="1" noChangeAspect="1"/>
+          </p:cNvSpPr>
+          <p:nvPr>
+            <p:ph type="sldImg"/>
+          </p:nvPr>
+        </p:nvSpPr>
+        <p:spPr/>
+      </p:sp>
+      <p:sp>
+        <p:nvSpPr>
+          <p:cNvPr id="3" name="Notes Placeholder 2"/>
+          <p:cNvSpPr>
+            <a:spLocks noGrp="1"/>
+          </p:cNvSpPr>
+          <p:nvPr>
+            <p:ph type="body" idx="1"/>
+          </p:nvPr>
+        </p:nvSpPr>
+        <p:spPr/>
+        <p:txBody>
+          <a:bodyPr/>
+          <a:lstStyle/>
+          <a:p>
+            <a:pPr marL="171450" indent="-171450">
+              <a:buFontTx/>
+              <a:buChar char="-"/>
+            </a:pPr>
+            <a:r>
+              <a:rPr lang="en-US"/>
+              <a:t>Trong báo cáo ngày hôm nay em xin trình bày những nội dung sau</a:t>
+            </a:r>
+          </a:p>
+          <a:p>
+            <a:pPr marL="171450" indent="-171450">
+              <a:buFontTx/>
+              <a:buChar char="-"/>
+            </a:pPr>
+            <a:r>
+              <a:rPr lang="en-US"/>
+              <a:t>Đầu tiên</a:t>
+            </a:r>
+          </a:p>
+          <a:p>
+            <a:pPr marL="171450" indent="-171450">
+              <a:buFontTx/>
+              <a:buChar char="-"/>
+            </a:pPr>
+            <a:r>
+              <a:rPr lang="en-US"/>
+              <a:t>Tiếp theo</a:t>
+            </a:r>
+          </a:p>
+          <a:p>
+            <a:pPr marL="171450" indent="-171450">
+              <a:buFontTx/>
+              <a:buChar char="-"/>
+            </a:pPr>
+            <a:r>
+              <a:rPr lang="en-US"/>
+              <a:t>Từ thiết kế trên</a:t>
+            </a:r>
+          </a:p>
+          <a:p>
+            <a:pPr marL="171450" indent="-171450">
+              <a:buFontTx/>
+              <a:buChar char="-"/>
+            </a:pPr>
+            <a:r>
+              <a:rPr lang="en-US"/>
+              <a:t>Cuối cùng</a:t>
+            </a:r>
+            <a:endParaRPr lang="vi-VN"/>
+          </a:p>
+        </p:txBody>
+      </p:sp>
+      <p:sp>
+        <p:nvSpPr>
+          <p:cNvPr id="4" name="Slide Number Placeholder 3"/>
+          <p:cNvSpPr>
+            <a:spLocks noGrp="1"/>
+          </p:cNvSpPr>
+          <p:nvPr>
+            <p:ph type="sldNum" sz="quarter" idx="5"/>
+          </p:nvPr>
+        </p:nvSpPr>
+        <p:spPr/>
+        <p:txBody>
+          <a:bodyPr/>
+          <a:lstStyle/>
+          <a:p>
+            <a:fld id="{E2C07920-3A74-449B-970D-FA3232CC8EC0}" type="slidenum">
+              <a:rPr lang="vi-VN" smtClean="0"/>
+              <a:t>3</a:t>
+            </a:fld>
+            <a:endParaRPr lang="vi-VN"/>
+          </a:p>
+        </p:txBody>
+      </p:sp>
+    </p:spTree>
+    <p:extLst>
+      <p:ext uri="{BB962C8B-B14F-4D97-AF65-F5344CB8AC3E}">
+        <p14:creationId xmlns:p14="http://schemas.microsoft.com/office/powerpoint/2010/main" val="2768355779"/>
+      </p:ext>
+    </p:extLst>
+  </p:cSld>
+  <p:clrMapOvr>
+    <a:masterClrMapping/>
+  </p:clrMapOvr>
+</p:notes>
+</file>
+
+<file path=ppt/notesSlides/notesSlide3.xml><?xml version="1.0" encoding="utf-8"?>
+<p:notes xmlns:a="http://schemas.openxmlformats.org/drawingml/2006/main" xmlns:r="http://schemas.openxmlformats.org/officeDocument/2006/relationships" xmlns:p="http://schemas.openxmlformats.org/presentationml/2006/main">
+  <p:cSld>
+    <p:spTree>
+      <p:nvGrpSpPr>
+        <p:cNvPr id="1" name=""/>
+        <p:cNvGrpSpPr/>
+        <p:nvPr/>
+      </p:nvGrpSpPr>
+      <p:grpSpPr>
+        <a:xfrm>
+          <a:off x="0" y="0"/>
+          <a:ext cx="0" cy="0"/>
+          <a:chOff x="0" y="0"/>
+          <a:chExt cx="0" cy="0"/>
+        </a:xfrm>
+      </p:grpSpPr>
+      <p:sp>
+        <p:nvSpPr>
+          <p:cNvPr id="2" name="Slide Image Placeholder 1"/>
+          <p:cNvSpPr>
+            <a:spLocks noGrp="1" noRot="1" noChangeAspect="1"/>
+          </p:cNvSpPr>
+          <p:nvPr>
+            <p:ph type="sldImg"/>
+          </p:nvPr>
+        </p:nvSpPr>
+        <p:spPr/>
+      </p:sp>
+      <p:sp>
+        <p:nvSpPr>
+          <p:cNvPr id="3" name="Notes Placeholder 2"/>
+          <p:cNvSpPr>
+            <a:spLocks noGrp="1"/>
+          </p:cNvSpPr>
+          <p:nvPr>
+            <p:ph type="body" idx="1"/>
+          </p:nvPr>
+        </p:nvSpPr>
+        <p:spPr/>
+        <p:txBody>
+          <a:bodyPr/>
+          <a:lstStyle/>
+          <a:p>
+            <a:pPr marL="171450" indent="-171450">
+              <a:buFontTx/>
+              <a:buChar char="-"/>
+            </a:pPr>
+            <a:r>
+              <a:rPr lang="en-US"/>
+              <a:t>Lý do chọn đề tài: sử dụng thiết bị điện hang ngày. </a:t>
+            </a:r>
+          </a:p>
+          <a:p>
+            <a:pPr marL="171450" indent="-171450">
+              <a:buFontTx/>
+              <a:buChar char="-"/>
+            </a:pPr>
+            <a:r>
+              <a:rPr lang="en-US"/>
+              <a:t>Các cách đóng cắt trực tiếp</a:t>
+            </a:r>
+          </a:p>
+          <a:p>
+            <a:pPr marL="171450" indent="-171450">
+              <a:buFontTx/>
+              <a:buChar char="-"/>
+            </a:pPr>
+            <a:r>
+              <a:rPr lang="en-US"/>
+              <a:t>Các cách đóng cắt từ xa hiện nay: RF, hồng ngoại, zigbee, Bluetooth</a:t>
+            </a:r>
+          </a:p>
+          <a:p>
+            <a:pPr marL="171450" indent="-171450">
+              <a:buFontTx/>
+              <a:buChar char="-"/>
+            </a:pPr>
+            <a:r>
+              <a:rPr lang="en-US"/>
+              <a:t>Với sự phát triển của mạng internet mở ra cơ hội cho IoT</a:t>
+            </a:r>
+          </a:p>
+          <a:p>
+            <a:pPr marL="0" indent="0">
+              <a:buFontTx/>
+              <a:buNone/>
+            </a:pPr>
+            <a:r>
+              <a:rPr lang="en-US"/>
+              <a:t>-  nhiệm vụ: đóng cắt, truyền thông, ứng dụng điều khiển</a:t>
+            </a:r>
+          </a:p>
+        </p:txBody>
+      </p:sp>
+      <p:sp>
+        <p:nvSpPr>
+          <p:cNvPr id="4" name="Slide Number Placeholder 3"/>
+          <p:cNvSpPr>
+            <a:spLocks noGrp="1"/>
+          </p:cNvSpPr>
+          <p:nvPr>
+            <p:ph type="sldNum" sz="quarter" idx="5"/>
+          </p:nvPr>
+        </p:nvSpPr>
+        <p:spPr/>
+        <p:txBody>
+          <a:bodyPr/>
+          <a:lstStyle/>
+          <a:p>
+            <a:fld id="{E2C07920-3A74-449B-970D-FA3232CC8EC0}" type="slidenum">
+              <a:rPr lang="vi-VN" smtClean="0"/>
+              <a:t>4</a:t>
+            </a:fld>
+            <a:endParaRPr lang="vi-VN"/>
+          </a:p>
+        </p:txBody>
+      </p:sp>
+    </p:spTree>
+    <p:extLst>
+      <p:ext uri="{BB962C8B-B14F-4D97-AF65-F5344CB8AC3E}">
+        <p14:creationId xmlns:p14="http://schemas.microsoft.com/office/powerpoint/2010/main" val="2697840368"/>
+      </p:ext>
+    </p:extLst>
+  </p:cSld>
+  <p:clrMapOvr>
+    <a:masterClrMapping/>
+  </p:clrMapOvr>
+</p:notes>
+</file>
+
+<file path=ppt/notesSlides/notesSlide4.xml><?xml version="1.0" encoding="utf-8"?>
+<p:notes xmlns:a="http://schemas.openxmlformats.org/drawingml/2006/main" xmlns:r="http://schemas.openxmlformats.org/officeDocument/2006/relationships" xmlns:p="http://schemas.openxmlformats.org/presentationml/2006/main">
+  <p:cSld>
+    <p:spTree>
+      <p:nvGrpSpPr>
+        <p:cNvPr id="1" name=""/>
+        <p:cNvGrpSpPr/>
+        <p:nvPr/>
+      </p:nvGrpSpPr>
+      <p:grpSpPr>
+        <a:xfrm>
+          <a:off x="0" y="0"/>
+          <a:ext cx="0" cy="0"/>
+          <a:chOff x="0" y="0"/>
+          <a:chExt cx="0" cy="0"/>
+        </a:xfrm>
+      </p:grpSpPr>
+      <p:sp>
+        <p:nvSpPr>
+          <p:cNvPr id="2" name="Slide Image Placeholder 1"/>
+          <p:cNvSpPr>
+            <a:spLocks noGrp="1" noRot="1" noChangeAspect="1"/>
+          </p:cNvSpPr>
+          <p:nvPr>
+            <p:ph type="sldImg"/>
+          </p:nvPr>
+        </p:nvSpPr>
+        <p:spPr/>
+      </p:sp>
+      <p:sp>
+        <p:nvSpPr>
+          <p:cNvPr id="3" name="Notes Placeholder 2"/>
+          <p:cNvSpPr>
+            <a:spLocks noGrp="1"/>
+          </p:cNvSpPr>
+          <p:nvPr>
+            <p:ph type="body" idx="1"/>
+          </p:nvPr>
+        </p:nvSpPr>
+        <p:spPr/>
+        <p:txBody>
+          <a:bodyPr/>
+          <a:lstStyle/>
+          <a:p>
+            <a:pPr marL="171450" indent="-171450">
+              <a:buFontTx/>
+              <a:buChar char="-"/>
+            </a:pPr>
+            <a:r>
+              <a:rPr lang="en-US"/>
+              <a:t>từ những yêu cầu trên</a:t>
+            </a:r>
+          </a:p>
+          <a:p>
+            <a:pPr marL="171450" indent="-171450">
+              <a:buFontTx/>
+              <a:buChar char="-"/>
+            </a:pPr>
+            <a:r>
+              <a:rPr lang="en-US"/>
+              <a:t>Bộ điều khiển gồm: vi điều khiển làm nv đọc nút, điều khiển đóng cắt, hiển thị, truyền thông</a:t>
+            </a:r>
+          </a:p>
+          <a:p>
+            <a:pPr marL="171450" indent="-171450">
+              <a:buFontTx/>
+              <a:buChar char="-"/>
+            </a:pPr>
+            <a:r>
+              <a:rPr lang="en-US"/>
+              <a:t>Ứng dụng làm nv hiển thị, gửi bản tin đk</a:t>
+            </a:r>
+            <a:endParaRPr lang="vi-VN"/>
+          </a:p>
+        </p:txBody>
+      </p:sp>
+      <p:sp>
+        <p:nvSpPr>
+          <p:cNvPr id="4" name="Slide Number Placeholder 3"/>
+          <p:cNvSpPr>
+            <a:spLocks noGrp="1"/>
+          </p:cNvSpPr>
+          <p:nvPr>
+            <p:ph type="sldNum" sz="quarter" idx="5"/>
+          </p:nvPr>
+        </p:nvSpPr>
+        <p:spPr/>
+        <p:txBody>
+          <a:bodyPr/>
+          <a:lstStyle/>
+          <a:p>
+            <a:fld id="{E2C07920-3A74-449B-970D-FA3232CC8EC0}" type="slidenum">
+              <a:rPr lang="vi-VN" smtClean="0"/>
+              <a:t>5</a:t>
+            </a:fld>
+            <a:endParaRPr lang="vi-VN"/>
+          </a:p>
+        </p:txBody>
+      </p:sp>
+    </p:spTree>
+    <p:extLst>
+      <p:ext uri="{BB962C8B-B14F-4D97-AF65-F5344CB8AC3E}">
+        <p14:creationId xmlns:p14="http://schemas.microsoft.com/office/powerpoint/2010/main" val="2893799357"/>
+      </p:ext>
+    </p:extLst>
+  </p:cSld>
+  <p:clrMapOvr>
+    <a:masterClrMapping/>
+  </p:clrMapOvr>
+</p:notes>
+</file>
+
+<file path=ppt/notesSlides/notesSlide5.xml><?xml version="1.0" encoding="utf-8"?>
+<p:notes xmlns:a="http://schemas.openxmlformats.org/drawingml/2006/main" xmlns:r="http://schemas.openxmlformats.org/officeDocument/2006/relationships" xmlns:p="http://schemas.openxmlformats.org/presentationml/2006/main">
+  <p:cSld>
+    <p:spTree>
+      <p:nvGrpSpPr>
+        <p:cNvPr id="1" name=""/>
+        <p:cNvGrpSpPr/>
+        <p:nvPr/>
+      </p:nvGrpSpPr>
+      <p:grpSpPr>
+        <a:xfrm>
+          <a:off x="0" y="0"/>
+          <a:ext cx="0" cy="0"/>
+          <a:chOff x="0" y="0"/>
+          <a:chExt cx="0" cy="0"/>
+        </a:xfrm>
+      </p:grpSpPr>
+      <p:sp>
+        <p:nvSpPr>
+          <p:cNvPr id="2" name="Slide Image Placeholder 1"/>
+          <p:cNvSpPr>
+            <a:spLocks noGrp="1" noRot="1" noChangeAspect="1"/>
+          </p:cNvSpPr>
+          <p:nvPr>
+            <p:ph type="sldImg"/>
+          </p:nvPr>
+        </p:nvSpPr>
+        <p:spPr/>
+      </p:sp>
+      <p:sp>
+        <p:nvSpPr>
+          <p:cNvPr id="3" name="Notes Placeholder 2"/>
+          <p:cNvSpPr>
+            <a:spLocks noGrp="1"/>
+          </p:cNvSpPr>
+          <p:nvPr>
+            <p:ph type="body" idx="1"/>
+          </p:nvPr>
+        </p:nvSpPr>
+        <p:spPr/>
+        <p:txBody>
+          <a:bodyPr/>
+          <a:lstStyle/>
+          <a:p>
+            <a:r>
+              <a:rPr lang="en-US"/>
+              <a:t>Lựa chọn mô đun esp8266 v12 có lõi là vđk esp8266ex. Có sẵn antenna, kết nối với wifi 2.4, có số chân gpio phù hợp</a:t>
+            </a:r>
+            <a:endParaRPr lang="vi-VN"/>
+          </a:p>
+        </p:txBody>
+      </p:sp>
+      <p:sp>
+        <p:nvSpPr>
+          <p:cNvPr id="4" name="Slide Number Placeholder 3"/>
+          <p:cNvSpPr>
+            <a:spLocks noGrp="1"/>
+          </p:cNvSpPr>
+          <p:nvPr>
+            <p:ph type="sldNum" sz="quarter" idx="5"/>
+          </p:nvPr>
+        </p:nvSpPr>
+        <p:spPr/>
+        <p:txBody>
+          <a:bodyPr/>
+          <a:lstStyle/>
+          <a:p>
+            <a:fld id="{E2C07920-3A74-449B-970D-FA3232CC8EC0}" type="slidenum">
+              <a:rPr lang="vi-VN" smtClean="0"/>
+              <a:t>6</a:t>
+            </a:fld>
+            <a:endParaRPr lang="vi-VN"/>
+          </a:p>
+        </p:txBody>
+      </p:sp>
+    </p:spTree>
+    <p:extLst>
+      <p:ext uri="{BB962C8B-B14F-4D97-AF65-F5344CB8AC3E}">
+        <p14:creationId xmlns:p14="http://schemas.microsoft.com/office/powerpoint/2010/main" val="1893162986"/>
+      </p:ext>
+    </p:extLst>
+  </p:cSld>
+  <p:clrMapOvr>
+    <a:masterClrMapping/>
+  </p:clrMapOvr>
+</p:notes>
+</file>
+
+<file path=ppt/notesSlides/notesSlide6.xml><?xml version="1.0" encoding="utf-8"?>
+<p:notes xmlns:a="http://schemas.openxmlformats.org/drawingml/2006/main" xmlns:r="http://schemas.openxmlformats.org/officeDocument/2006/relationships" xmlns:p="http://schemas.openxmlformats.org/presentationml/2006/main">
+  <p:cSld>
+    <p:spTree>
+      <p:nvGrpSpPr>
+        <p:cNvPr id="1" name=""/>
+        <p:cNvGrpSpPr/>
+        <p:nvPr/>
+      </p:nvGrpSpPr>
+      <p:grpSpPr>
+        <a:xfrm>
+          <a:off x="0" y="0"/>
+          <a:ext cx="0" cy="0"/>
+          <a:chOff x="0" y="0"/>
+          <a:chExt cx="0" cy="0"/>
+        </a:xfrm>
+      </p:grpSpPr>
+      <p:sp>
+        <p:nvSpPr>
+          <p:cNvPr id="2" name="Slide Image Placeholder 1"/>
+          <p:cNvSpPr>
+            <a:spLocks noGrp="1" noRot="1" noChangeAspect="1"/>
+          </p:cNvSpPr>
+          <p:nvPr>
+            <p:ph type="sldImg"/>
+          </p:nvPr>
+        </p:nvSpPr>
+        <p:spPr/>
+      </p:sp>
+      <p:sp>
+        <p:nvSpPr>
+          <p:cNvPr id="3" name="Notes Placeholder 2"/>
+          <p:cNvSpPr>
+            <a:spLocks noGrp="1"/>
+          </p:cNvSpPr>
+          <p:nvPr>
+            <p:ph type="body" idx="1"/>
+          </p:nvPr>
+        </p:nvSpPr>
+        <p:spPr/>
+        <p:txBody>
+          <a:bodyPr/>
+          <a:lstStyle/>
+          <a:p>
+            <a:r>
+              <a:rPr lang="en-US"/>
+              <a:t>Ở phần đóng cắt sử dụng triac: van bán dẫn cho phép dẫn dòng theo cả 2 chiều, đièu khiển thông qua xung dòng điện ở cực cổng</a:t>
+            </a:r>
+          </a:p>
+          <a:p>
+            <a:r>
+              <a:rPr lang="en-US"/>
+              <a:t>Ic lái triac: gồm 1 điốt phát quang và 1 triac với cực cổng nhạy sáng. Cho phép cách ly mạch điều khiển với mạch lực đóng cắt, nâng cao mức độ an toàn cho người sử dụng</a:t>
+            </a:r>
+            <a:endParaRPr lang="vi-VN"/>
+          </a:p>
+        </p:txBody>
+      </p:sp>
+      <p:sp>
+        <p:nvSpPr>
+          <p:cNvPr id="4" name="Slide Number Placeholder 3"/>
+          <p:cNvSpPr>
+            <a:spLocks noGrp="1"/>
+          </p:cNvSpPr>
+          <p:nvPr>
+            <p:ph type="sldNum" sz="quarter" idx="5"/>
+          </p:nvPr>
+        </p:nvSpPr>
+        <p:spPr/>
+        <p:txBody>
+          <a:bodyPr/>
+          <a:lstStyle/>
+          <a:p>
+            <a:fld id="{E2C07920-3A74-449B-970D-FA3232CC8EC0}" type="slidenum">
+              <a:rPr lang="vi-VN" smtClean="0"/>
+              <a:t>7</a:t>
+            </a:fld>
+            <a:endParaRPr lang="vi-VN"/>
+          </a:p>
+        </p:txBody>
+      </p:sp>
+    </p:spTree>
+    <p:extLst>
+      <p:ext uri="{BB962C8B-B14F-4D97-AF65-F5344CB8AC3E}">
+        <p14:creationId xmlns:p14="http://schemas.microsoft.com/office/powerpoint/2010/main" val="1355585525"/>
+      </p:ext>
+    </p:extLst>
+  </p:cSld>
+  <p:clrMapOvr>
+    <a:masterClrMapping/>
+  </p:clrMapOvr>
+</p:notes>
+</file>
+
+<file path=ppt/notesSlides/notesSlide7.xml><?xml version="1.0" encoding="utf-8"?>
+<p:notes xmlns:a="http://schemas.openxmlformats.org/drawingml/2006/main" xmlns:r="http://schemas.openxmlformats.org/officeDocument/2006/relationships" xmlns:p="http://schemas.openxmlformats.org/presentationml/2006/main">
+  <p:cSld>
+    <p:spTree>
+      <p:nvGrpSpPr>
+        <p:cNvPr id="1" name=""/>
+        <p:cNvGrpSpPr/>
+        <p:nvPr/>
+      </p:nvGrpSpPr>
+      <p:grpSpPr>
+        <a:xfrm>
+          <a:off x="0" y="0"/>
+          <a:ext cx="0" cy="0"/>
+          <a:chOff x="0" y="0"/>
+          <a:chExt cx="0" cy="0"/>
+        </a:xfrm>
+      </p:grpSpPr>
+      <p:sp>
+        <p:nvSpPr>
+          <p:cNvPr id="2" name="Slide Image Placeholder 1"/>
+          <p:cNvSpPr>
+            <a:spLocks noGrp="1" noRot="1" noChangeAspect="1"/>
+          </p:cNvSpPr>
+          <p:nvPr>
+            <p:ph type="sldImg"/>
+          </p:nvPr>
+        </p:nvSpPr>
+        <p:spPr/>
+      </p:sp>
+      <p:sp>
+        <p:nvSpPr>
+          <p:cNvPr id="3" name="Notes Placeholder 2"/>
+          <p:cNvSpPr>
+            <a:spLocks noGrp="1"/>
+          </p:cNvSpPr>
+          <p:nvPr>
+            <p:ph type="body" idx="1"/>
+          </p:nvPr>
+        </p:nvSpPr>
+        <p:spPr/>
+        <p:txBody>
+          <a:bodyPr/>
+          <a:lstStyle/>
+          <a:p>
+            <a:r>
+              <a:rPr lang="en-US"/>
+              <a:t>Để truyền thông giữa thiết bị đóng cắt và thiết bị điều khiển từ xa: dung giao thức mqtt</a:t>
+            </a:r>
+          </a:p>
+          <a:p>
+            <a:r>
+              <a:rPr lang="en-US"/>
+              <a:t>Hoạt động trên mô hình máy chủ và máy khách. Các bản tin sẽ được gửi và nhận thông qua máy chủ</a:t>
+            </a:r>
+          </a:p>
+          <a:p>
+            <a:r>
+              <a:rPr lang="en-US"/>
+              <a:t>Các máy khách nhận bản tin dựa theo topic</a:t>
+            </a:r>
+          </a:p>
+          <a:p>
+            <a:r>
+              <a:rPr lang="en-US"/>
+              <a:t>Để nhận bản tin trong 1 chủ đề, các máy khách sẽ đăng kí chủ đề đó với máy chủ</a:t>
+            </a:r>
+          </a:p>
+          <a:p>
+            <a:r>
+              <a:rPr lang="en-US"/>
+              <a:t>Để gửi bản tin trong 1 chủ đề, các máy khách sẽ xuất bản đến chủ đề đó và máy chủ sẽ phân phối bản tin tới các máy khách đã đăng kí</a:t>
+            </a:r>
+          </a:p>
+        </p:txBody>
+      </p:sp>
+      <p:sp>
+        <p:nvSpPr>
+          <p:cNvPr id="4" name="Slide Number Placeholder 3"/>
+          <p:cNvSpPr>
+            <a:spLocks noGrp="1"/>
+          </p:cNvSpPr>
+          <p:nvPr>
+            <p:ph type="sldNum" sz="quarter" idx="5"/>
+          </p:nvPr>
+        </p:nvSpPr>
+        <p:spPr/>
+        <p:txBody>
+          <a:bodyPr/>
+          <a:lstStyle/>
+          <a:p>
+            <a:fld id="{E2C07920-3A74-449B-970D-FA3232CC8EC0}" type="slidenum">
+              <a:rPr lang="vi-VN" smtClean="0"/>
+              <a:t>8</a:t>
+            </a:fld>
+            <a:endParaRPr lang="vi-VN"/>
+          </a:p>
+        </p:txBody>
+      </p:sp>
+    </p:spTree>
+    <p:extLst>
+      <p:ext uri="{BB962C8B-B14F-4D97-AF65-F5344CB8AC3E}">
+        <p14:creationId xmlns:p14="http://schemas.microsoft.com/office/powerpoint/2010/main" val="2617391368"/>
+      </p:ext>
+    </p:extLst>
+  </p:cSld>
+  <p:clrMapOvr>
+    <a:masterClrMapping/>
+  </p:clrMapOvr>
+</p:notes>
+</file>
+
+<file path=ppt/notesSlides/notesSlide8.xml><?xml version="1.0" encoding="utf-8"?>
+<p:notes xmlns:a="http://schemas.openxmlformats.org/drawingml/2006/main" xmlns:r="http://schemas.openxmlformats.org/officeDocument/2006/relationships" xmlns:p="http://schemas.openxmlformats.org/presentationml/2006/main">
+  <p:cSld>
+    <p:spTree>
+      <p:nvGrpSpPr>
+        <p:cNvPr id="1" name=""/>
+        <p:cNvGrpSpPr/>
+        <p:nvPr/>
+      </p:nvGrpSpPr>
+      <p:grpSpPr>
+        <a:xfrm>
+          <a:off x="0" y="0"/>
+          <a:ext cx="0" cy="0"/>
+          <a:chOff x="0" y="0"/>
+          <a:chExt cx="0" cy="0"/>
+        </a:xfrm>
+      </p:grpSpPr>
+      <p:sp>
+        <p:nvSpPr>
+          <p:cNvPr id="2" name="Slide Image Placeholder 1"/>
+          <p:cNvSpPr>
+            <a:spLocks noGrp="1" noRot="1" noChangeAspect="1"/>
+          </p:cNvSpPr>
+          <p:nvPr>
+            <p:ph type="sldImg"/>
+          </p:nvPr>
+        </p:nvSpPr>
+        <p:spPr/>
+      </p:sp>
+      <p:sp>
+        <p:nvSpPr>
+          <p:cNvPr id="3" name="Notes Placeholder 2"/>
+          <p:cNvSpPr>
+            <a:spLocks noGrp="1"/>
+          </p:cNvSpPr>
+          <p:nvPr>
+            <p:ph type="body" idx="1"/>
+          </p:nvPr>
+        </p:nvSpPr>
+        <p:spPr/>
+        <p:txBody>
+          <a:bodyPr/>
+          <a:lstStyle/>
+          <a:p>
+            <a:r>
+              <a:rPr lang="en-US"/>
+              <a:t>Để xây dựng ứng dụng điều khiển cho mô hình quyết định sử dụng python do em có được tiếp xúc với ngôn ngữ này khi thực tập kĩ thuật với thầy sơn kì hè vừa qua</a:t>
+            </a:r>
+          </a:p>
+          <a:p>
+            <a:r>
+              <a:rPr lang="en-US"/>
+              <a:t>Ngôn ngữ python: giới thiệu ngắn</a:t>
+            </a:r>
+          </a:p>
+          <a:p>
+            <a:r>
+              <a:rPr lang="en-US"/>
+              <a:t>Thư viện kv: cho phép xây dựng ứng dụng đa nền tảng</a:t>
+            </a:r>
+            <a:endParaRPr lang="en-US" dirty="0"/>
+          </a:p>
+        </p:txBody>
+      </p:sp>
+      <p:sp>
+        <p:nvSpPr>
+          <p:cNvPr id="4" name="Slide Number Placeholder 3"/>
+          <p:cNvSpPr>
+            <a:spLocks noGrp="1"/>
+          </p:cNvSpPr>
+          <p:nvPr>
+            <p:ph type="sldNum" sz="quarter" idx="5"/>
+          </p:nvPr>
+        </p:nvSpPr>
+        <p:spPr/>
+        <p:txBody>
+          <a:bodyPr/>
+          <a:lstStyle/>
+          <a:p>
+            <a:fld id="{E2C07920-3A74-449B-970D-FA3232CC8EC0}" type="slidenum">
+              <a:rPr lang="vi-VN" smtClean="0"/>
+              <a:t>9</a:t>
+            </a:fld>
+            <a:endParaRPr lang="vi-VN"/>
+          </a:p>
+        </p:txBody>
+      </p:sp>
+    </p:spTree>
+    <p:extLst>
+      <p:ext uri="{BB962C8B-B14F-4D97-AF65-F5344CB8AC3E}">
+        <p14:creationId xmlns:p14="http://schemas.microsoft.com/office/powerpoint/2010/main" val="4104785786"/>
+      </p:ext>
+    </p:extLst>
+  </p:cSld>
+  <p:clrMapOvr>
+    <a:masterClrMapping/>
+  </p:clrMapOvr>
+</p:notes>
+</file>
+
+<file path=ppt/notesSlides/notesSlide9.xml><?xml version="1.0" encoding="utf-8"?>
+<p:notes xmlns:a="http://schemas.openxmlformats.org/drawingml/2006/main" xmlns:r="http://schemas.openxmlformats.org/officeDocument/2006/relationships" xmlns:p="http://schemas.openxmlformats.org/presentationml/2006/main">
+  <p:cSld>
+    <p:spTree>
+      <p:nvGrpSpPr>
+        <p:cNvPr id="1" name=""/>
+        <p:cNvGrpSpPr/>
+        <p:nvPr/>
+      </p:nvGrpSpPr>
+      <p:grpSpPr>
+        <a:xfrm>
+          <a:off x="0" y="0"/>
+          <a:ext cx="0" cy="0"/>
+          <a:chOff x="0" y="0"/>
+          <a:chExt cx="0" cy="0"/>
+        </a:xfrm>
+      </p:grpSpPr>
+      <p:sp>
+        <p:nvSpPr>
+          <p:cNvPr id="2" name="Slide Image Placeholder 1"/>
+          <p:cNvSpPr>
+            <a:spLocks noGrp="1" noRot="1" noChangeAspect="1"/>
+          </p:cNvSpPr>
+          <p:nvPr>
+            <p:ph type="sldImg"/>
+          </p:nvPr>
+        </p:nvSpPr>
+        <p:spPr/>
+      </p:sp>
+      <p:sp>
+        <p:nvSpPr>
+          <p:cNvPr id="3" name="Notes Placeholder 2"/>
+          <p:cNvSpPr>
+            <a:spLocks noGrp="1"/>
+          </p:cNvSpPr>
+          <p:nvPr>
+            <p:ph type="body" idx="1"/>
+          </p:nvPr>
+        </p:nvSpPr>
+        <p:spPr/>
+        <p:txBody>
+          <a:bodyPr/>
+          <a:lstStyle/>
+          <a:p>
+            <a:endParaRPr lang="vi-VN"/>
+          </a:p>
+        </p:txBody>
+      </p:sp>
+      <p:sp>
+        <p:nvSpPr>
+          <p:cNvPr id="4" name="Slide Number Placeholder 3"/>
+          <p:cNvSpPr>
+            <a:spLocks noGrp="1"/>
+          </p:cNvSpPr>
+          <p:nvPr>
+            <p:ph type="sldNum" sz="quarter" idx="5"/>
+          </p:nvPr>
+        </p:nvSpPr>
+        <p:spPr/>
+        <p:txBody>
+          <a:bodyPr/>
+          <a:lstStyle/>
+          <a:p>
+            <a:fld id="{E2C07920-3A74-449B-970D-FA3232CC8EC0}" type="slidenum">
+              <a:rPr lang="vi-VN" smtClean="0"/>
+              <a:t>10</a:t>
+            </a:fld>
+            <a:endParaRPr lang="vi-VN"/>
+          </a:p>
+        </p:txBody>
+      </p:sp>
+    </p:spTree>
+    <p:extLst>
+      <p:ext uri="{BB962C8B-B14F-4D97-AF65-F5344CB8AC3E}">
+        <p14:creationId xmlns:p14="http://schemas.microsoft.com/office/powerpoint/2010/main" val="1436665962"/>
       </p:ext>
     </p:extLst>
   </p:cSld>
@@ -4239,7 +5395,7 @@
           <p:nvPr/>
         </p:nvPicPr>
         <p:blipFill>
-          <a:blip r:embed="rId2">
+          <a:blip r:embed="rId3">
             <a:extLst>
               <a:ext uri="{28A0092B-C50C-407E-A947-70E740481C1C}">
                 <a14:useLocalDpi xmlns:a14="http://schemas.microsoft.com/office/drawing/2010/main" val="0"/>
@@ -4803,7 +5959,7 @@
           <p:nvPr/>
         </p:nvPicPr>
         <p:blipFill>
-          <a:blip r:embed="rId2">
+          <a:blip r:embed="rId3">
             <a:extLst>
               <a:ext uri="{28A0092B-C50C-407E-A947-70E740481C1C}">
                 <a14:useLocalDpi xmlns:a14="http://schemas.microsoft.com/office/drawing/2010/main" val="0"/>
@@ -10991,7 +12147,14 @@
                 <a:latin typeface="+mn-lt"/>
                 <a:cs typeface="Times New Roman" panose="02020603050405020304" pitchFamily="18" charset="0"/>
               </a:rPr>
-              <a:t>ĐỒ ÁN TỐT NGHIỆP ĐẠI HỌC</a:t>
+              <a:t>ĐỒ ÁN </a:t>
+            </a:r>
+            <a:r>
+              <a:rPr lang="en-US" sz="3600">
+                <a:latin typeface="+mn-lt"/>
+                <a:cs typeface="Times New Roman" panose="02020603050405020304" pitchFamily="18" charset="0"/>
+              </a:rPr>
+              <a:t>TỐT NGHIỆP</a:t>
             </a:r>
             <a:br>
               <a:rPr lang="en-US" sz="3200" dirty="0">
@@ -22470,7 +23633,7 @@
           <p:nvPr/>
         </p:nvPicPr>
         <p:blipFill>
-          <a:blip r:embed="rId2">
+          <a:blip r:embed="rId3">
             <a:extLst>
               <a:ext uri="{28A0092B-C50C-407E-A947-70E740481C1C}">
                 <a14:useLocalDpi xmlns:a14="http://schemas.microsoft.com/office/drawing/2010/main" val="0"/>
@@ -23830,221 +24993,11 @@
               <a:buChar char="o"/>
             </a:pPr>
             <a:r>
-              <a:rPr lang="en-US" sz="2000" dirty="0" err="1">
-                <a:latin typeface="+mn-lt"/>
-                <a:cs typeface="Times New Roman" panose="02020603050405020304" pitchFamily="18" charset="0"/>
-              </a:rPr>
-              <a:t>Các</a:t>
-            </a:r>
-            <a:r>
-              <a:rPr lang="en-US" sz="2000" dirty="0">
-                <a:latin typeface="+mn-lt"/>
-                <a:cs typeface="Times New Roman" panose="02020603050405020304" pitchFamily="18" charset="0"/>
-              </a:rPr>
-              <a:t> </a:t>
-            </a:r>
-            <a:r>
-              <a:rPr lang="en-US" sz="2000" dirty="0" err="1">
-                <a:latin typeface="+mn-lt"/>
-                <a:cs typeface="Times New Roman" panose="02020603050405020304" pitchFamily="18" charset="0"/>
-              </a:rPr>
-              <a:t>thiết</a:t>
-            </a:r>
-            <a:r>
-              <a:rPr lang="en-US" sz="2000" dirty="0">
-                <a:latin typeface="+mn-lt"/>
-                <a:cs typeface="Times New Roman" panose="02020603050405020304" pitchFamily="18" charset="0"/>
-              </a:rPr>
-              <a:t> </a:t>
-            </a:r>
-            <a:r>
-              <a:rPr lang="en-US" sz="2000" dirty="0" err="1">
-                <a:latin typeface="+mn-lt"/>
-                <a:cs typeface="Times New Roman" panose="02020603050405020304" pitchFamily="18" charset="0"/>
-              </a:rPr>
-              <a:t>bị</a:t>
-            </a:r>
-            <a:r>
-              <a:rPr lang="en-US" sz="2000" dirty="0">
-                <a:latin typeface="+mn-lt"/>
-                <a:cs typeface="Times New Roman" panose="02020603050405020304" pitchFamily="18" charset="0"/>
-              </a:rPr>
-              <a:t> </a:t>
-            </a:r>
-            <a:r>
-              <a:rPr lang="en-US" sz="2000" dirty="0" err="1">
-                <a:latin typeface="+mn-lt"/>
-                <a:cs typeface="Times New Roman" panose="02020603050405020304" pitchFamily="18" charset="0"/>
-              </a:rPr>
-              <a:t>đóng</a:t>
-            </a:r>
-            <a:r>
-              <a:rPr lang="en-US" sz="2000" dirty="0">
-                <a:latin typeface="+mn-lt"/>
-                <a:cs typeface="Times New Roman" panose="02020603050405020304" pitchFamily="18" charset="0"/>
-              </a:rPr>
-              <a:t> </a:t>
-            </a:r>
-            <a:r>
-              <a:rPr lang="en-US" sz="2000" dirty="0" err="1">
-                <a:latin typeface="+mn-lt"/>
-                <a:cs typeface="Times New Roman" panose="02020603050405020304" pitchFamily="18" charset="0"/>
-              </a:rPr>
-              <a:t>cắt</a:t>
-            </a:r>
-            <a:r>
-              <a:rPr lang="en-US" sz="2000" dirty="0">
-                <a:latin typeface="+mn-lt"/>
-                <a:cs typeface="Times New Roman" panose="02020603050405020304" pitchFamily="18" charset="0"/>
-              </a:rPr>
-              <a:t> </a:t>
-            </a:r>
-            <a:r>
-              <a:rPr lang="en-US" sz="2000" dirty="0" err="1">
-                <a:latin typeface="+mn-lt"/>
-                <a:cs typeface="Times New Roman" panose="02020603050405020304" pitchFamily="18" charset="0"/>
-              </a:rPr>
-              <a:t>từ</a:t>
-            </a:r>
-            <a:r>
-              <a:rPr lang="en-US" sz="2000" dirty="0">
-                <a:latin typeface="+mn-lt"/>
-                <a:cs typeface="Times New Roman" panose="02020603050405020304" pitchFamily="18" charset="0"/>
-              </a:rPr>
-              <a:t> </a:t>
-            </a:r>
-            <a:r>
-              <a:rPr lang="en-US" sz="2000" dirty="0" err="1">
-                <a:latin typeface="+mn-lt"/>
-                <a:cs typeface="Times New Roman" panose="02020603050405020304" pitchFamily="18" charset="0"/>
-              </a:rPr>
-              <a:t>xa</a:t>
-            </a:r>
-            <a:r>
-              <a:rPr lang="en-US" sz="2000" dirty="0">
-                <a:latin typeface="+mn-lt"/>
-                <a:cs typeface="Times New Roman" panose="02020603050405020304" pitchFamily="18" charset="0"/>
-              </a:rPr>
-              <a:t> </a:t>
-            </a:r>
-            <a:r>
-              <a:rPr lang="en-US" sz="2000" dirty="0" err="1">
-                <a:latin typeface="+mn-lt"/>
-                <a:cs typeface="Times New Roman" panose="02020603050405020304" pitchFamily="18" charset="0"/>
-              </a:rPr>
-              <a:t>hiện</a:t>
-            </a:r>
-            <a:r>
-              <a:rPr lang="en-US" sz="2000" dirty="0">
-                <a:latin typeface="+mn-lt"/>
-                <a:cs typeface="Times New Roman" panose="02020603050405020304" pitchFamily="18" charset="0"/>
-              </a:rPr>
-              <a:t> nay </a:t>
-            </a:r>
-            <a:r>
-              <a:rPr lang="en-US" sz="2000" dirty="0" err="1">
-                <a:latin typeface="+mn-lt"/>
-                <a:cs typeface="Times New Roman" panose="02020603050405020304" pitchFamily="18" charset="0"/>
-              </a:rPr>
-              <a:t>đang</a:t>
-            </a:r>
-            <a:r>
-              <a:rPr lang="en-US" sz="2000" dirty="0">
-                <a:latin typeface="+mn-lt"/>
-                <a:cs typeface="Times New Roman" panose="02020603050405020304" pitchFamily="18" charset="0"/>
-              </a:rPr>
-              <a:t> </a:t>
-            </a:r>
-            <a:r>
-              <a:rPr lang="en-US" sz="2000" dirty="0" err="1">
-                <a:latin typeface="+mn-lt"/>
-                <a:cs typeface="Times New Roman" panose="02020603050405020304" pitchFamily="18" charset="0"/>
-              </a:rPr>
-              <a:t>sử</a:t>
-            </a:r>
-            <a:r>
-              <a:rPr lang="en-US" sz="2000" dirty="0">
-                <a:latin typeface="+mn-lt"/>
-                <a:cs typeface="Times New Roman" panose="02020603050405020304" pitchFamily="18" charset="0"/>
-              </a:rPr>
-              <a:t> </a:t>
-            </a:r>
-            <a:r>
-              <a:rPr lang="en-US" sz="2000" dirty="0" err="1">
-                <a:latin typeface="+mn-lt"/>
-                <a:cs typeface="Times New Roman" panose="02020603050405020304" pitchFamily="18" charset="0"/>
-              </a:rPr>
-              <a:t>dụng</a:t>
-            </a:r>
-            <a:r>
-              <a:rPr lang="en-US" sz="2000" dirty="0">
-                <a:latin typeface="+mn-lt"/>
-                <a:cs typeface="Times New Roman" panose="02020603050405020304" pitchFamily="18" charset="0"/>
-              </a:rPr>
-              <a:t> </a:t>
-            </a:r>
-            <a:r>
-              <a:rPr lang="en-US" sz="2000" dirty="0" err="1">
-                <a:latin typeface="+mn-lt"/>
-                <a:cs typeface="Times New Roman" panose="02020603050405020304" pitchFamily="18" charset="0"/>
-              </a:rPr>
-              <a:t>nhiều</a:t>
-            </a:r>
-            <a:r>
-              <a:rPr lang="en-US" sz="2000" dirty="0">
-                <a:latin typeface="+mn-lt"/>
-                <a:cs typeface="Times New Roman" panose="02020603050405020304" pitchFamily="18" charset="0"/>
-              </a:rPr>
-              <a:t> </a:t>
-            </a:r>
-            <a:r>
-              <a:rPr lang="en-US" sz="2000" dirty="0" err="1">
-                <a:latin typeface="+mn-lt"/>
-                <a:cs typeface="Times New Roman" panose="02020603050405020304" pitchFamily="18" charset="0"/>
-              </a:rPr>
-              <a:t>giao</a:t>
-            </a:r>
-            <a:r>
-              <a:rPr lang="en-US" sz="2000" dirty="0">
-                <a:latin typeface="+mn-lt"/>
-                <a:cs typeface="Times New Roman" panose="02020603050405020304" pitchFamily="18" charset="0"/>
-              </a:rPr>
-              <a:t> </a:t>
-            </a:r>
-            <a:r>
-              <a:rPr lang="en-US" sz="2000" dirty="0" err="1">
-                <a:latin typeface="+mn-lt"/>
-                <a:cs typeface="Times New Roman" panose="02020603050405020304" pitchFamily="18" charset="0"/>
-              </a:rPr>
-              <a:t>thức</a:t>
-            </a:r>
-            <a:r>
-              <a:rPr lang="en-US" sz="2000" dirty="0">
-                <a:latin typeface="+mn-lt"/>
-                <a:cs typeface="Times New Roman" panose="02020603050405020304" pitchFamily="18" charset="0"/>
-              </a:rPr>
-              <a:t> </a:t>
-            </a:r>
-            <a:r>
-              <a:rPr lang="en-US" sz="2000" dirty="0" err="1">
-                <a:latin typeface="+mn-lt"/>
-                <a:cs typeface="Times New Roman" panose="02020603050405020304" pitchFamily="18" charset="0"/>
-              </a:rPr>
-              <a:t>khác</a:t>
-            </a:r>
-            <a:r>
-              <a:rPr lang="en-US" sz="2000" dirty="0">
-                <a:latin typeface="+mn-lt"/>
-                <a:cs typeface="Times New Roman" panose="02020603050405020304" pitchFamily="18" charset="0"/>
-              </a:rPr>
-              <a:t> </a:t>
-            </a:r>
-            <a:r>
-              <a:rPr lang="en-US" sz="2000" dirty="0" err="1">
-                <a:latin typeface="+mn-lt"/>
-                <a:cs typeface="Times New Roman" panose="02020603050405020304" pitchFamily="18" charset="0"/>
-              </a:rPr>
-              <a:t>nhau</a:t>
+              <a:rPr lang="en-US" sz="2000">
+                <a:latin typeface="+mn-lt"/>
+                <a:cs typeface="Times New Roman" panose="02020603050405020304" pitchFamily="18" charset="0"/>
+              </a:rPr>
+              <a:t>Nhu cầu điều khiển từ xa các thiết bị điện</a:t>
             </a:r>
             <a:endParaRPr lang="en-US" sz="2000" dirty="0">
               <a:latin typeface="+mn-lt"/>
@@ -24057,102 +25010,18 @@
               <a:buChar char="o"/>
             </a:pPr>
             <a:r>
-              <a:rPr lang="en-US" sz="2000" dirty="0" err="1">
-                <a:latin typeface="+mn-lt"/>
-                <a:cs typeface="Times New Roman" panose="02020603050405020304" pitchFamily="18" charset="0"/>
-              </a:rPr>
-              <a:t>Sự</a:t>
+              <a:rPr lang="en-US" sz="2000">
+                <a:latin typeface="+mn-lt"/>
+                <a:cs typeface="Times New Roman" panose="02020603050405020304" pitchFamily="18" charset="0"/>
+              </a:rPr>
+              <a:t>Công nghệ </a:t>
             </a:r>
             <a:r>
               <a:rPr lang="en-US" sz="2000" dirty="0">
                 <a:latin typeface="+mn-lt"/>
                 <a:cs typeface="Times New Roman" panose="02020603050405020304" pitchFamily="18" charset="0"/>
               </a:rPr>
-              <a:t> </a:t>
-            </a:r>
-            <a:r>
-              <a:rPr lang="en-US" sz="2000" dirty="0" err="1">
-                <a:latin typeface="+mn-lt"/>
-                <a:cs typeface="Times New Roman" panose="02020603050405020304" pitchFamily="18" charset="0"/>
-              </a:rPr>
-              <a:t>phát</a:t>
-            </a:r>
-            <a:r>
-              <a:rPr lang="en-US" sz="2000" dirty="0">
-                <a:latin typeface="+mn-lt"/>
-                <a:cs typeface="Times New Roman" panose="02020603050405020304" pitchFamily="18" charset="0"/>
-              </a:rPr>
-              <a:t> </a:t>
-            </a:r>
-            <a:r>
-              <a:rPr lang="en-US" sz="2000" dirty="0" err="1">
-                <a:latin typeface="+mn-lt"/>
-                <a:cs typeface="Times New Roman" panose="02020603050405020304" pitchFamily="18" charset="0"/>
-              </a:rPr>
-              <a:t>triển</a:t>
-            </a:r>
-            <a:r>
-              <a:rPr lang="en-US" sz="2000" dirty="0">
-                <a:latin typeface="+mn-lt"/>
-                <a:cs typeface="Times New Roman" panose="02020603050405020304" pitchFamily="18" charset="0"/>
-              </a:rPr>
-              <a:t> </a:t>
-            </a:r>
-            <a:r>
-              <a:rPr lang="en-US" sz="2000" dirty="0" err="1">
-                <a:latin typeface="+mn-lt"/>
-                <a:cs typeface="Times New Roman" panose="02020603050405020304" pitchFamily="18" charset="0"/>
-              </a:rPr>
-              <a:t>mạnh</a:t>
-            </a:r>
-            <a:r>
-              <a:rPr lang="en-US" sz="2000" dirty="0">
-                <a:latin typeface="+mn-lt"/>
-                <a:cs typeface="Times New Roman" panose="02020603050405020304" pitchFamily="18" charset="0"/>
-              </a:rPr>
-              <a:t> </a:t>
-            </a:r>
-            <a:r>
-              <a:rPr lang="en-US" sz="2000" dirty="0" err="1">
-                <a:latin typeface="+mn-lt"/>
-                <a:cs typeface="Times New Roman" panose="02020603050405020304" pitchFamily="18" charset="0"/>
-              </a:rPr>
-              <a:t>của</a:t>
-            </a:r>
-            <a:r>
-              <a:rPr lang="en-US" sz="2000" dirty="0">
-                <a:latin typeface="+mn-lt"/>
-                <a:cs typeface="Times New Roman" panose="02020603050405020304" pitchFamily="18" charset="0"/>
-              </a:rPr>
-              <a:t> </a:t>
-            </a:r>
-            <a:r>
-              <a:rPr lang="en-US" sz="2000" dirty="0" err="1">
-                <a:latin typeface="+mn-lt"/>
-                <a:cs typeface="Times New Roman" panose="02020603050405020304" pitchFamily="18" charset="0"/>
-              </a:rPr>
-              <a:t>công</a:t>
-            </a:r>
-            <a:r>
-              <a:rPr lang="en-US" sz="2000" dirty="0">
-                <a:latin typeface="+mn-lt"/>
-                <a:cs typeface="Times New Roman" panose="02020603050405020304" pitchFamily="18" charset="0"/>
-              </a:rPr>
-              <a:t> </a:t>
-            </a:r>
-            <a:r>
-              <a:rPr lang="en-US" sz="2000" dirty="0" err="1">
-                <a:latin typeface="+mn-lt"/>
-                <a:cs typeface="Times New Roman" panose="02020603050405020304" pitchFamily="18" charset="0"/>
-              </a:rPr>
-              <a:t>nghệ</a:t>
-            </a:r>
-            <a:r>
-              <a:rPr lang="en-US" sz="2000" dirty="0">
-                <a:latin typeface="+mn-lt"/>
-                <a:cs typeface="Times New Roman" panose="02020603050405020304" pitchFamily="18" charset="0"/>
-              </a:rPr>
-              <a:t> Internet </a:t>
+              <a:t>Internet </a:t>
             </a:r>
             <a:r>
               <a:rPr lang="en-US" sz="2000" dirty="0" err="1">
@@ -24977,7 +25846,7 @@
           <p:nvPr/>
         </p:nvPicPr>
         <p:blipFill>
-          <a:blip r:embed="rId2">
+          <a:blip r:embed="rId3">
             <a:extLst>
               <a:ext uri="{28A0092B-C50C-407E-A947-70E740481C1C}">
                 <a14:useLocalDpi xmlns:a14="http://schemas.microsoft.com/office/drawing/2010/main" val="0"/>
@@ -25367,36 +26236,6 @@
           </a:p>
         </p:txBody>
       </p:sp>
-      <p:pic>
-        <p:nvPicPr>
-          <p:cNvPr id="6" name="Picture 5">
-            <a:extLst>
-              <a:ext uri="{FF2B5EF4-FFF2-40B4-BE49-F238E27FC236}">
-                <a16:creationId xmlns:a16="http://schemas.microsoft.com/office/drawing/2014/main" id="{9E329CBE-7AA0-4A3D-9D5F-600EF1EF21BF}"/>
-              </a:ext>
-            </a:extLst>
-          </p:cNvPr>
-          <p:cNvPicPr>
-            <a:picLocks noChangeAspect="1"/>
-          </p:cNvPicPr>
-          <p:nvPr/>
-        </p:nvPicPr>
-        <p:blipFill>
-          <a:blip r:embed="rId2"/>
-          <a:stretch>
-            <a:fillRect/>
-          </a:stretch>
-        </p:blipFill>
-        <p:spPr>
-          <a:xfrm>
-            <a:off x="1210508" y="1534185"/>
-            <a:ext cx="9770983" cy="3789630"/>
-          </a:xfrm>
-          <a:prstGeom prst="rect">
-            <a:avLst/>
-          </a:prstGeom>
-        </p:spPr>
-      </p:pic>
       <p:sp>
         <p:nvSpPr>
           <p:cNvPr id="8" name="Text Placeholder 2">
@@ -25605,6 +26444,36 @@
           </a:p>
         </p:txBody>
       </p:sp>
+      <p:pic>
+        <p:nvPicPr>
+          <p:cNvPr id="17" name="Picture 16">
+            <a:extLst>
+              <a:ext uri="{FF2B5EF4-FFF2-40B4-BE49-F238E27FC236}">
+                <a16:creationId xmlns:a16="http://schemas.microsoft.com/office/drawing/2014/main" id="{B7817C18-37D0-4894-B002-F5155F946CED}"/>
+              </a:ext>
+            </a:extLst>
+          </p:cNvPr>
+          <p:cNvPicPr>
+            <a:picLocks noChangeAspect="1"/>
+          </p:cNvPicPr>
+          <p:nvPr/>
+        </p:nvPicPr>
+        <p:blipFill>
+          <a:blip r:embed="rId3"/>
+          <a:stretch>
+            <a:fillRect/>
+          </a:stretch>
+        </p:blipFill>
+        <p:spPr>
+          <a:xfrm>
+            <a:off x="828675" y="1498868"/>
+            <a:ext cx="10534650" cy="4029075"/>
+          </a:xfrm>
+          <a:prstGeom prst="rect">
+            <a:avLst/>
+          </a:prstGeom>
+        </p:spPr>
+      </p:pic>
     </p:spTree>
     <p:extLst>
       <p:ext uri="{BB962C8B-B14F-4D97-AF65-F5344CB8AC3E}">
@@ -25669,7 +26538,7 @@
                 <a:latin typeface="+mn-lt"/>
                 <a:cs typeface="Times New Roman" panose="02020603050405020304" pitchFamily="18" charset="0"/>
               </a:rPr>
-              <a:t>Mô-đun ESP8266</a:t>
+              <a:t>Mô-đun ESP8266 V12</a:t>
             </a:r>
             <a:endParaRPr lang="en-US" dirty="0">
               <a:latin typeface="+mn-lt"/>
@@ -25968,7 +26837,7 @@
           <p:nvPr/>
         </p:nvPicPr>
         <p:blipFill rotWithShape="1">
-          <a:blip r:embed="rId2" cstate="print">
+          <a:blip r:embed="rId3" cstate="print">
             <a:extLst>
               <a:ext uri="{28A0092B-C50C-407E-A947-70E740481C1C}">
                 <a14:useLocalDpi xmlns:a14="http://schemas.microsoft.com/office/drawing/2010/main" val="0"/>
@@ -26265,19 +27134,16 @@
               <a:buNone/>
             </a:pPr>
             <a:r>
-              <a:rPr lang="en-US" sz="3200" dirty="0" err="1">
-                <a:latin typeface="+mn-lt"/>
-                <a:cs typeface="Times New Roman" panose="02020603050405020304" pitchFamily="18" charset="0"/>
-              </a:rPr>
-              <a:t>Triac</a:t>
-            </a:r>
-            <a:r>
-              <a:rPr lang="en-US" sz="3200" dirty="0">
-                <a:latin typeface="+mn-lt"/>
-                <a:cs typeface="Times New Roman" panose="02020603050405020304" pitchFamily="18" charset="0"/>
-              </a:rPr>
-              <a:t>:</a:t>
-            </a:r>
+              <a:rPr lang="en-US" sz="3200">
+                <a:latin typeface="+mn-lt"/>
+                <a:cs typeface="Times New Roman" panose="02020603050405020304" pitchFamily="18" charset="0"/>
+              </a:rPr>
+              <a:t>Triac – BTA24:</a:t>
+            </a:r>
+            <a:endParaRPr lang="en-US" sz="3200" dirty="0">
+              <a:latin typeface="+mn-lt"/>
+              <a:cs typeface="Times New Roman" panose="02020603050405020304" pitchFamily="18" charset="0"/>
+            </a:endParaRPr>
           </a:p>
           <a:p>
             <a:r>
@@ -26457,7 +27323,7 @@
           <p:nvPr/>
         </p:nvPicPr>
         <p:blipFill>
-          <a:blip r:embed="rId2">
+          <a:blip r:embed="rId3">
             <a:extLst>
               <a:ext uri="{28A0092B-C50C-407E-A947-70E740481C1C}">
                 <a14:useLocalDpi xmlns:a14="http://schemas.microsoft.com/office/drawing/2010/main" val="0"/>
@@ -26471,8 +27337,8 @@
         </p:blipFill>
         <p:spPr bwMode="auto">
           <a:xfrm>
-            <a:off x="7146022" y="1058844"/>
-            <a:ext cx="3209833" cy="2567868"/>
+            <a:off x="6641823" y="1058844"/>
+            <a:ext cx="3828262" cy="3062611"/>
           </a:xfrm>
           <a:prstGeom prst="rect">
             <a:avLst/>
@@ -26712,7 +27578,7 @@
           <p:nvPr/>
         </p:nvPicPr>
         <p:blipFill>
-          <a:blip r:embed="rId3">
+          <a:blip r:embed="rId4">
             <a:extLst>
               <a:ext uri="{28A0092B-C50C-407E-A947-70E740481C1C}">
                 <a14:useLocalDpi xmlns:a14="http://schemas.microsoft.com/office/drawing/2010/main" val="0"/>
@@ -26804,46 +27670,11 @@
               <a:buNone/>
             </a:pPr>
             <a:r>
-              <a:rPr lang="en-US" dirty="0" err="1">
-                <a:latin typeface="+mn-lt"/>
-                <a:cs typeface="Times New Roman" panose="02020603050405020304" pitchFamily="18" charset="0"/>
-              </a:rPr>
-              <a:t>Giới</a:t>
-            </a:r>
-            <a:r>
-              <a:rPr lang="en-US" dirty="0">
-                <a:latin typeface="+mn-lt"/>
-                <a:cs typeface="Times New Roman" panose="02020603050405020304" pitchFamily="18" charset="0"/>
-              </a:rPr>
-              <a:t> </a:t>
-            </a:r>
-            <a:r>
-              <a:rPr lang="en-US" dirty="0" err="1">
-                <a:latin typeface="+mn-lt"/>
-                <a:cs typeface="Times New Roman" panose="02020603050405020304" pitchFamily="18" charset="0"/>
-              </a:rPr>
-              <a:t>thiệu</a:t>
-            </a:r>
-            <a:r>
-              <a:rPr lang="en-US" dirty="0">
-                <a:latin typeface="+mn-lt"/>
-                <a:cs typeface="Times New Roman" panose="02020603050405020304" pitchFamily="18" charset="0"/>
-              </a:rPr>
-              <a:t> </a:t>
-            </a:r>
-            <a:r>
-              <a:rPr lang="en-US" dirty="0" err="1">
-                <a:latin typeface="+mn-lt"/>
-                <a:cs typeface="Times New Roman" panose="02020603050405020304" pitchFamily="18" charset="0"/>
-              </a:rPr>
-              <a:t>giao</a:t>
-            </a:r>
-            <a:r>
-              <a:rPr lang="en-US" dirty="0">
-                <a:latin typeface="+mn-lt"/>
-                <a:cs typeface="Times New Roman" panose="02020603050405020304" pitchFamily="18" charset="0"/>
-              </a:rPr>
-              <a:t> </a:t>
+              <a:rPr lang="en-US">
+                <a:latin typeface="+mn-lt"/>
+                <a:cs typeface="Times New Roman" panose="02020603050405020304" pitchFamily="18" charset="0"/>
+              </a:rPr>
+              <a:t>Giao </a:t>
             </a:r>
             <a:r>
               <a:rPr lang="en-US" dirty="0" err="1">
@@ -27143,7 +27974,7 @@
           <p:nvPr/>
         </p:nvPicPr>
         <p:blipFill>
-          <a:blip r:embed="rId2"/>
+          <a:blip r:embed="rId3"/>
           <a:stretch>
             <a:fillRect/>
           </a:stretch>
@@ -28477,6 +29308,12 @@
 </file>
 
 <file path=customXml/item1.xml><?xml version="1.0" encoding="utf-8"?>
+<p:properties xmlns:p="http://schemas.microsoft.com/office/2006/metadata/properties" xmlns:xsi="http://www.w3.org/2001/XMLSchema-instance" xmlns:pc="http://schemas.microsoft.com/office/infopath/2007/PartnerControls">
+  <documentManagement/>
+</p:properties>
+</file>
+
+<file path=customXml/item2.xml><?xml version="1.0" encoding="utf-8"?>
 <ct:contentTypeSchema xmlns:ct="http://schemas.microsoft.com/office/2006/metadata/contentType" xmlns:ma="http://schemas.microsoft.com/office/2006/metadata/properties/metaAttributes" ct:_="" ma:_="" ma:contentTypeName="Document" ma:contentTypeID="0x01010029FB87B201BB164AA8F0D7E07FC18253" ma:contentTypeVersion="12" ma:contentTypeDescription="Create a new document." ma:contentTypeScope="" ma:versionID="ec75d641dd128f4ad30853614c3b4998">
   <xsd:schema xmlns:xsd="http://www.w3.org/2001/XMLSchema" xmlns:xs="http://www.w3.org/2001/XMLSchema" xmlns:p="http://schemas.microsoft.com/office/2006/metadata/properties" xmlns:ns2="c070d92c-e005-4177-a1a8-b2208be38bba" xmlns:ns3="c72df4cc-d2de-4b7e-8388-06b9b73bb217" targetNamespace="http://schemas.microsoft.com/office/2006/metadata/properties" ma:root="true" ma:fieldsID="0bd5079f3866d8fa0d2cfeac6b7a2082" ns2:_="" ns3:_="">
     <xsd:import namespace="c070d92c-e005-4177-a1a8-b2208be38bba"/>
@@ -28693,12 +29530,6 @@
 </ct:contentTypeSchema>
 </file>
 
-<file path=customXml/item2.xml><?xml version="1.0" encoding="utf-8"?>
-<p:properties xmlns:p="http://schemas.microsoft.com/office/2006/metadata/properties" xmlns:xsi="http://www.w3.org/2001/XMLSchema-instance" xmlns:pc="http://schemas.microsoft.com/office/infopath/2007/PartnerControls">
-  <documentManagement/>
-</p:properties>
-</file>
-
 <file path=customXml/item3.xml><?xml version="1.0" encoding="utf-8"?>
 <?mso-contentType ?>
 <FormTemplates xmlns="http://schemas.microsoft.com/sharepoint/v3/contenttype/forms">
@@ -28709,6 +29540,15 @@
 </file>
 
 <file path=customXml/itemProps1.xml><?xml version="1.0" encoding="utf-8"?>
+<ds:datastoreItem xmlns:ds="http://schemas.openxmlformats.org/officeDocument/2006/customXml" ds:itemID="{5666771F-238C-409E-B1DF-70481BFDE8AE}">
+  <ds:schemaRefs>
+    <ds:schemaRef ds:uri="http://schemas.microsoft.com/office/2006/metadata/properties"/>
+    <ds:schemaRef ds:uri="http://schemas.microsoft.com/office/infopath/2007/PartnerControls"/>
+  </ds:schemaRefs>
+</ds:datastoreItem>
+</file>
+
+<file path=customXml/itemProps2.xml><?xml version="1.0" encoding="utf-8"?>
 <ds:datastoreItem xmlns:ds="http://schemas.openxmlformats.org/officeDocument/2006/customXml" ds:itemID="{D2294227-C537-4C56-90F1-0A24B92707E6}">
   <ds:schemaRefs>
     <ds:schemaRef ds:uri="http://schemas.microsoft.com/office/2006/metadata/contentType"/>
@@ -28727,15 +29567,6 @@
 </ds:datastoreItem>
 </file>
 
-<file path=customXml/itemProps2.xml><?xml version="1.0" encoding="utf-8"?>
-<ds:datastoreItem xmlns:ds="http://schemas.openxmlformats.org/officeDocument/2006/customXml" ds:itemID="{5666771F-238C-409E-B1DF-70481BFDE8AE}">
-  <ds:schemaRefs>
-    <ds:schemaRef ds:uri="http://schemas.microsoft.com/office/2006/metadata/properties"/>
-    <ds:schemaRef ds:uri="http://schemas.microsoft.com/office/infopath/2007/PartnerControls"/>
-  </ds:schemaRefs>
-</ds:datastoreItem>
-</file>
-
 <file path=customXml/itemProps3.xml><?xml version="1.0" encoding="utf-8"?>
 <ds:datastoreItem xmlns:ds="http://schemas.openxmlformats.org/officeDocument/2006/customXml" ds:itemID="{69128D4C-6F8B-42B2-A3A4-DC1405FCC7A7}">
   <ds:schemaRefs>

--- a/documents/Slide Đồ án tốt nghiệp_Nguyễn Tuấn Anh_REV1.pptx
+++ b/documents/Slide Đồ án tốt nghiệp_Nguyễn Tuấn Anh_REV1.pptx
@@ -5,7 +5,7 @@
     <p:sldMasterId id="2147483648" r:id="rId4"/>
   </p:sldMasterIdLst>
   <p:notesMasterIdLst>
-    <p:notesMasterId r:id="rId32"/>
+    <p:notesMasterId r:id="rId30"/>
   </p:notesMasterIdLst>
   <p:sldIdLst>
     <p:sldId id="256" r:id="rId5"/>
@@ -27,14 +27,12 @@
     <p:sldId id="282" r:id="rId21"/>
     <p:sldId id="269" r:id="rId22"/>
     <p:sldId id="276" r:id="rId23"/>
-    <p:sldId id="289" r:id="rId24"/>
-    <p:sldId id="292" r:id="rId25"/>
-    <p:sldId id="281" r:id="rId26"/>
-    <p:sldId id="261" r:id="rId27"/>
-    <p:sldId id="274" r:id="rId28"/>
-    <p:sldId id="288" r:id="rId29"/>
-    <p:sldId id="293" r:id="rId30"/>
-    <p:sldId id="264" r:id="rId31"/>
+    <p:sldId id="281" r:id="rId24"/>
+    <p:sldId id="261" r:id="rId25"/>
+    <p:sldId id="274" r:id="rId26"/>
+    <p:sldId id="288" r:id="rId27"/>
+    <p:sldId id="293" r:id="rId28"/>
+    <p:sldId id="264" r:id="rId29"/>
   </p:sldIdLst>
   <p:sldSz cx="12192000" cy="6858000"/>
   <p:notesSz cx="6858000" cy="9144000"/>
@@ -157,8 +155,6 @@
             <p14:sldId id="282"/>
             <p14:sldId id="269"/>
             <p14:sldId id="276"/>
-            <p14:sldId id="289"/>
-            <p14:sldId id="292"/>
             <p14:sldId id="281"/>
             <p14:sldId id="261"/>
             <p14:sldId id="274"/>
@@ -1126,6 +1122,16 @@
           <a:bodyPr/>
           <a:lstStyle/>
           <a:p>
+            <a:r>
+              <a:rPr lang="vi-VN" b="0" i="0" dirty="0">
+                <a:solidFill>
+                  <a:srgbClr val="E4E6EB"/>
+                </a:solidFill>
+                <a:effectLst/>
+                <a:latin typeface="Segoe UI Historic" panose="020B0502040204020203" pitchFamily="34" charset="0"/>
+              </a:rPr>
+              <a:t>“Em đã trình bày xong đồ án tốt nghiệp của mình. Em xin gửi lời cảm ơn đến thầy cô ABC ( chức danh, tên đầy đủ của giáo viên hướng dẫn) đã nhiệt tình giúp đỡ em hoàn thiện ĐATN. Tuy đã cố gắng nhưng với kiến thức còn hạn chế, chắc chắn ĐATN của em không tránh khỏi những sai sót. Em rất mong nhận được ý kiến của các thày (cô) và các bạn để bản ĐATN của em được hoàn thiện hơn. Em xin chân thành cảm ơn.” </a:t>
+            </a:r>
             <a:endParaRPr lang="en-US" dirty="0"/>
           </a:p>
         </p:txBody>
@@ -1147,7 +1153,7 @@
           <a:p>
             <a:fld id="{E2C07920-3A74-449B-970D-FA3232CC8EC0}" type="slidenum">
               <a:rPr lang="vi-VN" smtClean="0"/>
-              <a:t>20</a:t>
+              <a:t>24</a:t>
             </a:fld>
             <a:endParaRPr lang="vi-VN"/>
           </a:p>
@@ -1156,91 +1162,7 @@
     </p:spTree>
     <p:extLst>
       <p:ext uri="{BB962C8B-B14F-4D97-AF65-F5344CB8AC3E}">
-        <p14:creationId xmlns:p14="http://schemas.microsoft.com/office/powerpoint/2010/main" val="2322688542"/>
-      </p:ext>
-    </p:extLst>
-  </p:cSld>
-  <p:clrMapOvr>
-    <a:masterClrMapping/>
-  </p:clrMapOvr>
-</p:notes>
-</file>
-
-<file path=ppt/notesSlides/notesSlide16.xml><?xml version="1.0" encoding="utf-8"?>
-<p:notes xmlns:a="http://schemas.openxmlformats.org/drawingml/2006/main" xmlns:r="http://schemas.openxmlformats.org/officeDocument/2006/relationships" xmlns:p="http://schemas.openxmlformats.org/presentationml/2006/main">
-  <p:cSld>
-    <p:spTree>
-      <p:nvGrpSpPr>
-        <p:cNvPr id="1" name=""/>
-        <p:cNvGrpSpPr/>
-        <p:nvPr/>
-      </p:nvGrpSpPr>
-      <p:grpSpPr>
-        <a:xfrm>
-          <a:off x="0" y="0"/>
-          <a:ext cx="0" cy="0"/>
-          <a:chOff x="0" y="0"/>
-          <a:chExt cx="0" cy="0"/>
-        </a:xfrm>
-      </p:grpSpPr>
-      <p:sp>
-        <p:nvSpPr>
-          <p:cNvPr id="2" name="Slide Image Placeholder 1"/>
-          <p:cNvSpPr>
-            <a:spLocks noGrp="1" noRot="1" noChangeAspect="1"/>
-          </p:cNvSpPr>
-          <p:nvPr>
-            <p:ph type="sldImg"/>
-          </p:nvPr>
-        </p:nvSpPr>
-        <p:spPr/>
-      </p:sp>
-      <p:sp>
-        <p:nvSpPr>
-          <p:cNvPr id="3" name="Notes Placeholder 2"/>
-          <p:cNvSpPr>
-            <a:spLocks noGrp="1"/>
-          </p:cNvSpPr>
-          <p:nvPr>
-            <p:ph type="body" idx="1"/>
-          </p:nvPr>
-        </p:nvSpPr>
-        <p:spPr/>
-        <p:txBody>
-          <a:bodyPr/>
-          <a:lstStyle/>
-          <a:p>
-            <a:endParaRPr lang="en-US" dirty="0"/>
-          </a:p>
-        </p:txBody>
-      </p:sp>
-      <p:sp>
-        <p:nvSpPr>
-          <p:cNvPr id="4" name="Slide Number Placeholder 3"/>
-          <p:cNvSpPr>
-            <a:spLocks noGrp="1"/>
-          </p:cNvSpPr>
-          <p:nvPr>
-            <p:ph type="sldNum" sz="quarter" idx="5"/>
-          </p:nvPr>
-        </p:nvSpPr>
-        <p:spPr/>
-        <p:txBody>
-          <a:bodyPr/>
-          <a:lstStyle/>
-          <a:p>
-            <a:fld id="{E2C07920-3A74-449B-970D-FA3232CC8EC0}" type="slidenum">
-              <a:rPr lang="vi-VN" smtClean="0"/>
-              <a:t>21</a:t>
-            </a:fld>
-            <a:endParaRPr lang="vi-VN"/>
-          </a:p>
-        </p:txBody>
-      </p:sp>
-    </p:spTree>
-    <p:extLst>
-      <p:ext uri="{BB962C8B-B14F-4D97-AF65-F5344CB8AC3E}">
-        <p14:creationId xmlns:p14="http://schemas.microsoft.com/office/powerpoint/2010/main" val="555518452"/>
+        <p14:creationId xmlns:p14="http://schemas.microsoft.com/office/powerpoint/2010/main" val="3969080473"/>
       </p:ext>
     </p:extLst>
   </p:cSld>
@@ -1562,9 +1484,42 @@
               <a:buChar char="-"/>
             </a:pPr>
             <a:r>
-              <a:rPr lang="en-US"/>
-              <a:t>từ những yêu cầu trên</a:t>
-            </a:r>
+              <a:rPr lang="en-US" dirty="0" err="1"/>
+              <a:t>từ</a:t>
+            </a:r>
+            <a:r>
+              <a:rPr lang="en-US" dirty="0"/>
+              <a:t> </a:t>
+            </a:r>
+            <a:r>
+              <a:rPr lang="en-US" dirty="0" err="1"/>
+              <a:t>những</a:t>
+            </a:r>
+            <a:r>
+              <a:rPr lang="en-US" dirty="0"/>
+              <a:t> </a:t>
+            </a:r>
+            <a:r>
+              <a:rPr lang="en-US" dirty="0" err="1"/>
+              <a:t>yêu</a:t>
+            </a:r>
+            <a:r>
+              <a:rPr lang="en-US" dirty="0"/>
+              <a:t> </a:t>
+            </a:r>
+            <a:r>
+              <a:rPr lang="en-US" dirty="0" err="1"/>
+              <a:t>cầu</a:t>
+            </a:r>
+            <a:r>
+              <a:rPr lang="en-US" dirty="0"/>
+              <a:t> </a:t>
+            </a:r>
+            <a:r>
+              <a:rPr lang="en-US" dirty="0" err="1"/>
+              <a:t>trên</a:t>
+            </a:r>
+            <a:endParaRPr lang="en-US" dirty="0"/>
           </a:p>
           <a:p>
             <a:pPr marL="171450" indent="-171450">
@@ -1572,9 +1527,146 @@
               <a:buChar char="-"/>
             </a:pPr>
             <a:r>
-              <a:rPr lang="en-US"/>
-              <a:t>Bộ điều khiển gồm: vi điều khiển làm nv đọc nút, điều khiển đóng cắt, hiển thị, truyền thông</a:t>
-            </a:r>
+              <a:rPr lang="en-US" dirty="0" err="1"/>
+              <a:t>Bộ</a:t>
+            </a:r>
+            <a:r>
+              <a:rPr lang="en-US" dirty="0"/>
+              <a:t> </a:t>
+            </a:r>
+            <a:r>
+              <a:rPr lang="en-US" dirty="0" err="1"/>
+              <a:t>điều</a:t>
+            </a:r>
+            <a:r>
+              <a:rPr lang="en-US" dirty="0"/>
+              <a:t> </a:t>
+            </a:r>
+            <a:r>
+              <a:rPr lang="en-US" dirty="0" err="1"/>
+              <a:t>khiển</a:t>
+            </a:r>
+            <a:r>
+              <a:rPr lang="en-US" dirty="0"/>
+              <a:t> </a:t>
+            </a:r>
+            <a:r>
+              <a:rPr lang="en-US" dirty="0" err="1"/>
+              <a:t>gồm</a:t>
+            </a:r>
+            <a:r>
+              <a:rPr lang="en-US" dirty="0"/>
+              <a:t>: vi </a:t>
+            </a:r>
+            <a:r>
+              <a:rPr lang="en-US" dirty="0" err="1"/>
+              <a:t>điều</a:t>
+            </a:r>
+            <a:r>
+              <a:rPr lang="en-US" dirty="0"/>
+              <a:t> </a:t>
+            </a:r>
+            <a:r>
+              <a:rPr lang="en-US" dirty="0" err="1"/>
+              <a:t>khiển</a:t>
+            </a:r>
+            <a:r>
+              <a:rPr lang="en-US" dirty="0"/>
+              <a:t> </a:t>
+            </a:r>
+            <a:r>
+              <a:rPr lang="en-US" dirty="0" err="1"/>
+              <a:t>làm</a:t>
+            </a:r>
+            <a:r>
+              <a:rPr lang="en-US" dirty="0"/>
+              <a:t> </a:t>
+            </a:r>
+            <a:r>
+              <a:rPr lang="en-US" dirty="0" err="1"/>
+              <a:t>nv</a:t>
+            </a:r>
+            <a:r>
+              <a:rPr lang="en-US" dirty="0"/>
+              <a:t> </a:t>
+            </a:r>
+            <a:r>
+              <a:rPr lang="en-US" dirty="0" err="1"/>
+              <a:t>đọc</a:t>
+            </a:r>
+            <a:r>
+              <a:rPr lang="en-US" dirty="0"/>
+              <a:t> </a:t>
+            </a:r>
+            <a:r>
+              <a:rPr lang="en-US" dirty="0" err="1"/>
+              <a:t>nút</a:t>
+            </a:r>
+            <a:r>
+              <a:rPr lang="en-US" dirty="0"/>
+              <a:t>, </a:t>
+            </a:r>
+            <a:r>
+              <a:rPr lang="en-US" dirty="0" err="1"/>
+              <a:t>điều</a:t>
+            </a:r>
+            <a:r>
+              <a:rPr lang="en-US" dirty="0"/>
+              <a:t> </a:t>
+            </a:r>
+            <a:r>
+              <a:rPr lang="en-US" dirty="0" err="1"/>
+              <a:t>khiển</a:t>
+            </a:r>
+            <a:r>
+              <a:rPr lang="en-US" dirty="0"/>
+              <a:t> </a:t>
+            </a:r>
+            <a:r>
+              <a:rPr lang="en-US" dirty="0" err="1"/>
+              <a:t>đóng</a:t>
+            </a:r>
+            <a:r>
+              <a:rPr lang="en-US" dirty="0"/>
+              <a:t> </a:t>
+            </a:r>
+            <a:r>
+              <a:rPr lang="en-US" dirty="0" err="1"/>
+              <a:t>cắt</a:t>
+            </a:r>
+            <a:r>
+              <a:rPr lang="en-US" dirty="0"/>
+              <a:t>, </a:t>
+            </a:r>
+            <a:r>
+              <a:rPr lang="en-US" dirty="0" err="1"/>
+              <a:t>hiển</a:t>
+            </a:r>
+            <a:r>
+              <a:rPr lang="en-US" dirty="0"/>
+              <a:t> </a:t>
+            </a:r>
+            <a:r>
+              <a:rPr lang="en-US" dirty="0" err="1"/>
+              <a:t>thị</a:t>
+            </a:r>
+            <a:r>
+              <a:rPr lang="en-US" dirty="0"/>
+              <a:t>, </a:t>
+            </a:r>
+            <a:r>
+              <a:rPr lang="en-US" dirty="0" err="1"/>
+              <a:t>truyền</a:t>
+            </a:r>
+            <a:r>
+              <a:rPr lang="en-US" dirty="0"/>
+              <a:t> </a:t>
+            </a:r>
+            <a:r>
+              <a:rPr lang="en-US" dirty="0" err="1"/>
+              <a:t>thông</a:t>
+            </a:r>
+            <a:endParaRPr lang="en-US" dirty="0"/>
           </a:p>
           <a:p>
             <a:pPr marL="171450" indent="-171450">
@@ -1582,10 +1674,74 @@
               <a:buChar char="-"/>
             </a:pPr>
             <a:r>
-              <a:rPr lang="en-US"/>
-              <a:t>Ứng dụng làm nv hiển thị, gửi bản tin đk</a:t>
-            </a:r>
-            <a:endParaRPr lang="vi-VN"/>
+              <a:rPr lang="en-US" dirty="0" err="1"/>
+              <a:t>Ứng</a:t>
+            </a:r>
+            <a:r>
+              <a:rPr lang="en-US" dirty="0"/>
+              <a:t> </a:t>
+            </a:r>
+            <a:r>
+              <a:rPr lang="en-US" dirty="0" err="1"/>
+              <a:t>dụng</a:t>
+            </a:r>
+            <a:r>
+              <a:rPr lang="en-US" dirty="0"/>
+              <a:t> </a:t>
+            </a:r>
+            <a:r>
+              <a:rPr lang="en-US" dirty="0" err="1"/>
+              <a:t>làm</a:t>
+            </a:r>
+            <a:r>
+              <a:rPr lang="en-US" dirty="0"/>
+              <a:t> </a:t>
+            </a:r>
+            <a:r>
+              <a:rPr lang="en-US" dirty="0" err="1"/>
+              <a:t>nv</a:t>
+            </a:r>
+            <a:r>
+              <a:rPr lang="en-US" dirty="0"/>
+              <a:t> </a:t>
+            </a:r>
+            <a:r>
+              <a:rPr lang="en-US" dirty="0" err="1"/>
+              <a:t>hiển</a:t>
+            </a:r>
+            <a:r>
+              <a:rPr lang="en-US" dirty="0"/>
+              <a:t> </a:t>
+            </a:r>
+            <a:r>
+              <a:rPr lang="en-US" dirty="0" err="1"/>
+              <a:t>thị</a:t>
+            </a:r>
+            <a:r>
+              <a:rPr lang="en-US" dirty="0"/>
+              <a:t>, </a:t>
+            </a:r>
+            <a:r>
+              <a:rPr lang="en-US" dirty="0" err="1"/>
+              <a:t>gửi</a:t>
+            </a:r>
+            <a:r>
+              <a:rPr lang="en-US" dirty="0"/>
+              <a:t> </a:t>
+            </a:r>
+            <a:r>
+              <a:rPr lang="en-US" dirty="0" err="1"/>
+              <a:t>bản</a:t>
+            </a:r>
+            <a:r>
+              <a:rPr lang="en-US" dirty="0"/>
+              <a:t> tin </a:t>
+            </a:r>
+            <a:r>
+              <a:rPr lang="en-US" dirty="0" err="1"/>
+              <a:t>đk</a:t>
+            </a:r>
+            <a:endParaRPr lang="vi-VN" dirty="0"/>
           </a:p>
         </p:txBody>
       </p:sp>
@@ -1670,10 +1826,162 @@
           <a:lstStyle/>
           <a:p>
             <a:r>
-              <a:rPr lang="en-US"/>
-              <a:t>Lựa chọn mô đun esp8266 v12 có lõi là vđk esp8266ex. Có sẵn antenna, kết nối với wifi 2.4, có số chân gpio phù hợp</a:t>
-            </a:r>
-            <a:endParaRPr lang="vi-VN"/>
+              <a:rPr lang="en-US" dirty="0" err="1"/>
+              <a:t>Lựa</a:t>
+            </a:r>
+            <a:r>
+              <a:rPr lang="en-US" dirty="0"/>
+              <a:t> </a:t>
+            </a:r>
+            <a:r>
+              <a:rPr lang="en-US" dirty="0" err="1"/>
+              <a:t>chọn</a:t>
+            </a:r>
+            <a:r>
+              <a:rPr lang="en-US" dirty="0"/>
+              <a:t> </a:t>
+            </a:r>
+            <a:r>
+              <a:rPr lang="en-US" dirty="0" err="1"/>
+              <a:t>mô</a:t>
+            </a:r>
+            <a:r>
+              <a:rPr lang="en-US" dirty="0"/>
+              <a:t> </a:t>
+            </a:r>
+            <a:r>
+              <a:rPr lang="en-US" dirty="0" err="1"/>
+              <a:t>đun</a:t>
+            </a:r>
+            <a:r>
+              <a:rPr lang="en-US" dirty="0"/>
+              <a:t> esp8266 v12 </a:t>
+            </a:r>
+            <a:r>
+              <a:rPr lang="en-US" dirty="0" err="1"/>
+              <a:t>có</a:t>
+            </a:r>
+            <a:r>
+              <a:rPr lang="en-US" dirty="0"/>
+              <a:t> </a:t>
+            </a:r>
+            <a:r>
+              <a:rPr lang="en-US" dirty="0" err="1"/>
+              <a:t>lõi</a:t>
+            </a:r>
+            <a:r>
+              <a:rPr lang="en-US" dirty="0"/>
+              <a:t> </a:t>
+            </a:r>
+            <a:r>
+              <a:rPr lang="en-US" dirty="0" err="1"/>
+              <a:t>là</a:t>
+            </a:r>
+            <a:r>
+              <a:rPr lang="en-US" dirty="0"/>
+              <a:t> </a:t>
+            </a:r>
+            <a:r>
+              <a:rPr lang="en-US" dirty="0" err="1"/>
+              <a:t>vđk</a:t>
+            </a:r>
+            <a:r>
+              <a:rPr lang="en-US" dirty="0"/>
+              <a:t> esp8266ex. </a:t>
+            </a:r>
+            <a:r>
+              <a:rPr lang="en-US" dirty="0" err="1"/>
+              <a:t>Có</a:t>
+            </a:r>
+            <a:r>
+              <a:rPr lang="en-US" dirty="0"/>
+              <a:t> </a:t>
+            </a:r>
+            <a:r>
+              <a:rPr lang="en-US" dirty="0" err="1"/>
+              <a:t>sẵn</a:t>
+            </a:r>
+            <a:r>
+              <a:rPr lang="en-US" dirty="0"/>
+              <a:t> antenna, </a:t>
+            </a:r>
+            <a:r>
+              <a:rPr lang="en-US" dirty="0" err="1"/>
+              <a:t>kết</a:t>
+            </a:r>
+            <a:r>
+              <a:rPr lang="en-US" dirty="0"/>
+              <a:t> </a:t>
+            </a:r>
+            <a:r>
+              <a:rPr lang="en-US" dirty="0" err="1"/>
+              <a:t>nối</a:t>
+            </a:r>
+            <a:r>
+              <a:rPr lang="en-US" dirty="0"/>
+              <a:t> </a:t>
+            </a:r>
+            <a:r>
+              <a:rPr lang="en-US" dirty="0" err="1"/>
+              <a:t>với</a:t>
+            </a:r>
+            <a:r>
+              <a:rPr lang="en-US" dirty="0"/>
+              <a:t> </a:t>
+            </a:r>
+            <a:r>
+              <a:rPr lang="en-US" dirty="0" err="1"/>
+              <a:t>wifi</a:t>
+            </a:r>
+            <a:r>
+              <a:rPr lang="en-US" dirty="0"/>
+              <a:t> 2.4, </a:t>
+            </a:r>
+            <a:r>
+              <a:rPr lang="en-US" dirty="0" err="1"/>
+              <a:t>có</a:t>
+            </a:r>
+            <a:r>
+              <a:rPr lang="en-US" dirty="0"/>
+              <a:t> </a:t>
+            </a:r>
+            <a:r>
+              <a:rPr lang="en-US" dirty="0" err="1"/>
+              <a:t>số</a:t>
+            </a:r>
+            <a:r>
+              <a:rPr lang="en-US" dirty="0"/>
+              <a:t> </a:t>
+            </a:r>
+            <a:r>
+              <a:rPr lang="en-US" dirty="0" err="1"/>
+              <a:t>chân</a:t>
+            </a:r>
+            <a:r>
+              <a:rPr lang="en-US" dirty="0"/>
+              <a:t> </a:t>
+            </a:r>
+            <a:r>
+              <a:rPr lang="en-US" dirty="0" err="1"/>
+              <a:t>gpio</a:t>
+            </a:r>
+            <a:r>
+              <a:rPr lang="en-US" dirty="0"/>
+              <a:t> </a:t>
+            </a:r>
+            <a:r>
+              <a:rPr lang="en-US" dirty="0" err="1"/>
+              <a:t>phù</a:t>
+            </a:r>
+            <a:r>
+              <a:rPr lang="en-US" dirty="0"/>
+              <a:t> </a:t>
+            </a:r>
+            <a:r>
+              <a:rPr lang="en-US" dirty="0" err="1"/>
+              <a:t>hợp</a:t>
+            </a:r>
+            <a:endParaRPr lang="vi-VN" dirty="0"/>
           </a:p>
         </p:txBody>
       </p:sp>
@@ -5868,6 +6176,48 @@
               </a:rPr>
               <a:t>trở</a:t>
             </a:r>
+            <a:r>
+              <a:rPr lang="en-US" dirty="0">
+                <a:latin typeface="+mn-lt"/>
+                <a:cs typeface="Times New Roman" panose="02020603050405020304" pitchFamily="18" charset="0"/>
+              </a:rPr>
+              <a:t> </a:t>
+            </a:r>
+            <a:r>
+              <a:rPr lang="en-US" dirty="0" err="1">
+                <a:latin typeface="+mn-lt"/>
+                <a:cs typeface="Times New Roman" panose="02020603050405020304" pitchFamily="18" charset="0"/>
+              </a:rPr>
+              <a:t>kéo</a:t>
+            </a:r>
+            <a:r>
+              <a:rPr lang="en-US" dirty="0">
+                <a:latin typeface="+mn-lt"/>
+                <a:cs typeface="Times New Roman" panose="02020603050405020304" pitchFamily="18" charset="0"/>
+              </a:rPr>
+              <a:t> </a:t>
+            </a:r>
+            <a:r>
+              <a:rPr lang="en-US" dirty="0" err="1">
+                <a:latin typeface="+mn-lt"/>
+                <a:cs typeface="Times New Roman" panose="02020603050405020304" pitchFamily="18" charset="0"/>
+              </a:rPr>
+              <a:t>xuống</a:t>
+            </a:r>
+            <a:r>
+              <a:rPr lang="en-US" dirty="0">
+                <a:latin typeface="+mn-lt"/>
+                <a:cs typeface="Times New Roman" panose="02020603050405020304" pitchFamily="18" charset="0"/>
+              </a:rPr>
+              <a:t> </a:t>
+            </a:r>
+            <a:r>
+              <a:rPr lang="en-US" dirty="0" err="1">
+                <a:latin typeface="+mn-lt"/>
+                <a:cs typeface="Times New Roman" panose="02020603050405020304" pitchFamily="18" charset="0"/>
+              </a:rPr>
+              <a:t>đăt</a:t>
+            </a:r>
             <a:endParaRPr lang="en-US" dirty="0">
               <a:latin typeface="+mn-lt"/>
               <a:cs typeface="Times New Roman" panose="02020603050405020304" pitchFamily="18" charset="0"/>
@@ -5905,6 +6255,62 @@
                 <a:cs typeface="Times New Roman" panose="02020603050405020304" pitchFamily="18" charset="0"/>
               </a:rPr>
               <a:t>điện</a:t>
+            </a:r>
+            <a:r>
+              <a:rPr lang="en-US" dirty="0">
+                <a:latin typeface="+mn-lt"/>
+                <a:cs typeface="Times New Roman" panose="02020603050405020304" pitchFamily="18" charset="0"/>
+              </a:rPr>
+              <a:t> </a:t>
+            </a:r>
+            <a:r>
+              <a:rPr lang="en-US" dirty="0" err="1">
+                <a:latin typeface="+mn-lt"/>
+                <a:cs typeface="Times New Roman" panose="02020603050405020304" pitchFamily="18" charset="0"/>
+              </a:rPr>
+              <a:t>chống</a:t>
+            </a:r>
+            <a:r>
+              <a:rPr lang="en-US" dirty="0">
+                <a:latin typeface="+mn-lt"/>
+                <a:cs typeface="Times New Roman" panose="02020603050405020304" pitchFamily="18" charset="0"/>
+              </a:rPr>
+              <a:t> </a:t>
+            </a:r>
+            <a:r>
+              <a:rPr lang="en-US" dirty="0" err="1">
+                <a:latin typeface="+mn-lt"/>
+                <a:cs typeface="Times New Roman" panose="02020603050405020304" pitchFamily="18" charset="0"/>
+              </a:rPr>
+              <a:t>dội</a:t>
+            </a:r>
+            <a:r>
+              <a:rPr lang="en-US" dirty="0">
+                <a:latin typeface="+mn-lt"/>
+                <a:cs typeface="Times New Roman" panose="02020603050405020304" pitchFamily="18" charset="0"/>
+              </a:rPr>
+              <a:t> </a:t>
+            </a:r>
+            <a:r>
+              <a:rPr lang="en-US" dirty="0" err="1">
+                <a:latin typeface="+mn-lt"/>
+                <a:cs typeface="Times New Roman" panose="02020603050405020304" pitchFamily="18" charset="0"/>
+              </a:rPr>
+              <a:t>nút</a:t>
+            </a:r>
+            <a:r>
+              <a:rPr lang="en-US" dirty="0">
+                <a:latin typeface="+mn-lt"/>
+                <a:cs typeface="Times New Roman" panose="02020603050405020304" pitchFamily="18" charset="0"/>
+              </a:rPr>
+              <a:t> </a:t>
+            </a:r>
+            <a:r>
+              <a:rPr lang="en-US" dirty="0" err="1">
+                <a:latin typeface="+mn-lt"/>
+                <a:cs typeface="Times New Roman" panose="02020603050405020304" pitchFamily="18" charset="0"/>
+              </a:rPr>
+              <a:t>nhấn</a:t>
             </a:r>
             <a:endParaRPr lang="vi-VN" dirty="0">
               <a:latin typeface="+mn-lt"/>
@@ -10892,7 +11298,49 @@
                 <a:latin typeface="+mn-lt"/>
                 <a:cs typeface="Times New Roman" panose="02020603050405020304" pitchFamily="18" charset="0"/>
               </a:rPr>
-              <a:t>Cấu</a:t>
+              <a:t>Chuyển</a:t>
+            </a:r>
+            <a:r>
+              <a:rPr lang="en-US" sz="2800" dirty="0">
+                <a:latin typeface="+mn-lt"/>
+                <a:cs typeface="Times New Roman" panose="02020603050405020304" pitchFamily="18" charset="0"/>
+              </a:rPr>
+              <a:t> </a:t>
+            </a:r>
+            <a:r>
+              <a:rPr lang="en-US" sz="2800" dirty="0" err="1">
+                <a:latin typeface="+mn-lt"/>
+                <a:cs typeface="Times New Roman" panose="02020603050405020304" pitchFamily="18" charset="0"/>
+              </a:rPr>
+              <a:t>đến</a:t>
+            </a:r>
+            <a:r>
+              <a:rPr lang="en-US" sz="2800" dirty="0">
+                <a:latin typeface="+mn-lt"/>
+                <a:cs typeface="Times New Roman" panose="02020603050405020304" pitchFamily="18" charset="0"/>
+              </a:rPr>
+              <a:t> </a:t>
+            </a:r>
+            <a:r>
+              <a:rPr lang="en-US" sz="2800" dirty="0" err="1">
+                <a:latin typeface="+mn-lt"/>
+                <a:cs typeface="Times New Roman" panose="02020603050405020304" pitchFamily="18" charset="0"/>
+              </a:rPr>
+              <a:t>trang</a:t>
+            </a:r>
+            <a:r>
+              <a:rPr lang="en-US" sz="2800" dirty="0">
+                <a:latin typeface="+mn-lt"/>
+                <a:cs typeface="Times New Roman" panose="02020603050405020304" pitchFamily="18" charset="0"/>
+              </a:rPr>
+              <a:t> </a:t>
+            </a:r>
+            <a:r>
+              <a:rPr lang="en-US" sz="2800" dirty="0" err="1">
+                <a:latin typeface="+mn-lt"/>
+                <a:cs typeface="Times New Roman" panose="02020603050405020304" pitchFamily="18" charset="0"/>
+              </a:rPr>
+              <a:t>cấu</a:t>
             </a:r>
             <a:r>
               <a:rPr lang="en-US" sz="2800" dirty="0">
@@ -12147,14 +12595,7 @@
                 <a:latin typeface="+mn-lt"/>
                 <a:cs typeface="Times New Roman" panose="02020603050405020304" pitchFamily="18" charset="0"/>
               </a:rPr>
-              <a:t>ĐỒ ÁN </a:t>
-            </a:r>
-            <a:r>
-              <a:rPr lang="en-US" sz="3600">
-                <a:latin typeface="+mn-lt"/>
-                <a:cs typeface="Times New Roman" panose="02020603050405020304" pitchFamily="18" charset="0"/>
-              </a:rPr>
-              <a:t>TỐT NGHIỆP</a:t>
+              <a:t>ĐỒ ÁN TỐT NGHIỆP</a:t>
             </a:r>
             <a:br>
               <a:rPr lang="en-US" sz="3200" dirty="0">
@@ -12880,1660 +13321,6 @@
             <p:ph sz="quarter" idx="10"/>
           </p:nvPr>
         </p:nvSpPr>
-        <p:spPr>
-          <a:xfrm>
-            <a:off x="338736" y="1058844"/>
-            <a:ext cx="11514528" cy="4909124"/>
-          </a:xfrm>
-        </p:spPr>
-        <p:txBody>
-          <a:bodyPr/>
-          <a:lstStyle/>
-          <a:p>
-            <a:pPr marL="0" indent="0">
-              <a:buNone/>
-            </a:pPr>
-            <a:r>
-              <a:rPr lang="en-US" dirty="0">
-                <a:latin typeface="+mn-lt"/>
-                <a:cs typeface="Times New Roman" panose="02020603050405020304" pitchFamily="18" charset="0"/>
-              </a:rPr>
-              <a:t>2.4. </a:t>
-            </a:r>
-            <a:r>
-              <a:rPr lang="en-US" dirty="0" err="1">
-                <a:latin typeface="+mn-lt"/>
-                <a:cs typeface="Times New Roman" panose="02020603050405020304" pitchFamily="18" charset="0"/>
-              </a:rPr>
-              <a:t>Thiết</a:t>
-            </a:r>
-            <a:r>
-              <a:rPr lang="en-US" dirty="0">
-                <a:latin typeface="+mn-lt"/>
-                <a:cs typeface="Times New Roman" panose="02020603050405020304" pitchFamily="18" charset="0"/>
-              </a:rPr>
-              <a:t> </a:t>
-            </a:r>
-            <a:r>
-              <a:rPr lang="en-US" dirty="0" err="1">
-                <a:latin typeface="+mn-lt"/>
-                <a:cs typeface="Times New Roman" panose="02020603050405020304" pitchFamily="18" charset="0"/>
-              </a:rPr>
-              <a:t>kế</a:t>
-            </a:r>
-            <a:r>
-              <a:rPr lang="en-US" dirty="0">
-                <a:latin typeface="+mn-lt"/>
-                <a:cs typeface="Times New Roman" panose="02020603050405020304" pitchFamily="18" charset="0"/>
-              </a:rPr>
-              <a:t> </a:t>
-            </a:r>
-            <a:r>
-              <a:rPr lang="en-US" dirty="0" err="1">
-                <a:latin typeface="+mn-lt"/>
-                <a:cs typeface="Times New Roman" panose="02020603050405020304" pitchFamily="18" charset="0"/>
-              </a:rPr>
-              <a:t>chương</a:t>
-            </a:r>
-            <a:r>
-              <a:rPr lang="en-US" dirty="0">
-                <a:latin typeface="+mn-lt"/>
-                <a:cs typeface="Times New Roman" panose="02020603050405020304" pitchFamily="18" charset="0"/>
-              </a:rPr>
-              <a:t> </a:t>
-            </a:r>
-            <a:r>
-              <a:rPr lang="en-US" dirty="0" err="1">
-                <a:latin typeface="+mn-lt"/>
-                <a:cs typeface="Times New Roman" panose="02020603050405020304" pitchFamily="18" charset="0"/>
-              </a:rPr>
-              <a:t>trình</a:t>
-            </a:r>
-            <a:r>
-              <a:rPr lang="en-US" dirty="0">
-                <a:latin typeface="+mn-lt"/>
-                <a:cs typeface="Times New Roman" panose="02020603050405020304" pitchFamily="18" charset="0"/>
-              </a:rPr>
-              <a:t> </a:t>
-            </a:r>
-            <a:r>
-              <a:rPr lang="en-US" dirty="0" err="1">
-                <a:latin typeface="+mn-lt"/>
-                <a:cs typeface="Times New Roman" panose="02020603050405020304" pitchFamily="18" charset="0"/>
-              </a:rPr>
-              <a:t>ứng</a:t>
-            </a:r>
-            <a:r>
-              <a:rPr lang="en-US" dirty="0">
-                <a:latin typeface="+mn-lt"/>
-                <a:cs typeface="Times New Roman" panose="02020603050405020304" pitchFamily="18" charset="0"/>
-              </a:rPr>
-              <a:t> </a:t>
-            </a:r>
-            <a:r>
-              <a:rPr lang="en-US" dirty="0" err="1">
-                <a:latin typeface="+mn-lt"/>
-                <a:cs typeface="Times New Roman" panose="02020603050405020304" pitchFamily="18" charset="0"/>
-              </a:rPr>
-              <a:t>dụng</a:t>
-            </a:r>
-            <a:r>
-              <a:rPr lang="en-US" dirty="0">
-                <a:latin typeface="+mn-lt"/>
-                <a:cs typeface="Times New Roman" panose="02020603050405020304" pitchFamily="18" charset="0"/>
-              </a:rPr>
-              <a:t> </a:t>
-            </a:r>
-            <a:r>
-              <a:rPr lang="en-US" dirty="0" err="1">
-                <a:latin typeface="+mn-lt"/>
-                <a:cs typeface="Times New Roman" panose="02020603050405020304" pitchFamily="18" charset="0"/>
-              </a:rPr>
-              <a:t>điều</a:t>
-            </a:r>
-            <a:r>
-              <a:rPr lang="en-US" dirty="0">
-                <a:latin typeface="+mn-lt"/>
-                <a:cs typeface="Times New Roman" panose="02020603050405020304" pitchFamily="18" charset="0"/>
-              </a:rPr>
-              <a:t> </a:t>
-            </a:r>
-            <a:r>
-              <a:rPr lang="en-US" dirty="0" err="1">
-                <a:latin typeface="+mn-lt"/>
-                <a:cs typeface="Times New Roman" panose="02020603050405020304" pitchFamily="18" charset="0"/>
-              </a:rPr>
-              <a:t>khiển</a:t>
-            </a:r>
-            <a:endParaRPr lang="en-US" dirty="0">
-              <a:latin typeface="+mn-lt"/>
-              <a:cs typeface="Times New Roman" panose="02020603050405020304" pitchFamily="18" charset="0"/>
-            </a:endParaRPr>
-          </a:p>
-          <a:p>
-            <a:r>
-              <a:rPr lang="en-US" dirty="0" err="1">
-                <a:latin typeface="+mn-lt"/>
-                <a:cs typeface="Times New Roman" panose="02020603050405020304" pitchFamily="18" charset="0"/>
-              </a:rPr>
-              <a:t>Lớp</a:t>
-            </a:r>
-            <a:r>
-              <a:rPr lang="en-US" dirty="0">
-                <a:latin typeface="+mn-lt"/>
-                <a:cs typeface="Times New Roman" panose="02020603050405020304" pitchFamily="18" charset="0"/>
-              </a:rPr>
-              <a:t> logic </a:t>
-            </a:r>
-            <a:r>
-              <a:rPr lang="en-US" dirty="0" err="1">
-                <a:latin typeface="+mn-lt"/>
-                <a:cs typeface="Times New Roman" panose="02020603050405020304" pitchFamily="18" charset="0"/>
-              </a:rPr>
-              <a:t>chính</a:t>
-            </a:r>
-            <a:r>
-              <a:rPr lang="en-US" dirty="0">
-                <a:latin typeface="+mn-lt"/>
-                <a:cs typeface="Times New Roman" panose="02020603050405020304" pitchFamily="18" charset="0"/>
-              </a:rPr>
-              <a:t> </a:t>
-            </a:r>
-            <a:r>
-              <a:rPr lang="en-US" dirty="0" err="1">
-                <a:latin typeface="+mn-lt"/>
-                <a:cs typeface="Times New Roman" panose="02020603050405020304" pitchFamily="18" charset="0"/>
-              </a:rPr>
-              <a:t>của</a:t>
-            </a:r>
-            <a:r>
-              <a:rPr lang="en-US" dirty="0">
-                <a:latin typeface="+mn-lt"/>
-                <a:cs typeface="Times New Roman" panose="02020603050405020304" pitchFamily="18" charset="0"/>
-              </a:rPr>
-              <a:t> </a:t>
-            </a:r>
-            <a:r>
-              <a:rPr lang="en-US" dirty="0" err="1">
-                <a:latin typeface="+mn-lt"/>
-                <a:cs typeface="Times New Roman" panose="02020603050405020304" pitchFamily="18" charset="0"/>
-              </a:rPr>
-              <a:t>ứng</a:t>
-            </a:r>
-            <a:r>
-              <a:rPr lang="en-US" dirty="0">
-                <a:latin typeface="+mn-lt"/>
-                <a:cs typeface="Times New Roman" panose="02020603050405020304" pitchFamily="18" charset="0"/>
-              </a:rPr>
-              <a:t> </a:t>
-            </a:r>
-            <a:r>
-              <a:rPr lang="en-US" dirty="0" err="1">
-                <a:latin typeface="+mn-lt"/>
-                <a:cs typeface="Times New Roman" panose="02020603050405020304" pitchFamily="18" charset="0"/>
-              </a:rPr>
-              <a:t>dụng</a:t>
-            </a:r>
-            <a:r>
-              <a:rPr lang="en-US" dirty="0">
-                <a:latin typeface="+mn-lt"/>
-                <a:cs typeface="Times New Roman" panose="02020603050405020304" pitchFamily="18" charset="0"/>
-              </a:rPr>
-              <a:t>:</a:t>
-            </a:r>
-          </a:p>
-          <a:p>
-            <a:pPr>
-              <a:buFont typeface="Courier New" panose="02070309020205020404" pitchFamily="49" charset="0"/>
-              <a:buChar char="o"/>
-            </a:pPr>
-            <a:r>
-              <a:rPr lang="en-US" dirty="0">
-                <a:latin typeface="+mn-lt"/>
-                <a:cs typeface="Times New Roman" panose="02020603050405020304" pitchFamily="18" charset="0"/>
-              </a:rPr>
-              <a:t> </a:t>
-            </a:r>
-            <a:r>
-              <a:rPr lang="en-US" dirty="0" err="1">
-                <a:latin typeface="+mn-lt"/>
-                <a:cs typeface="Times New Roman" panose="02020603050405020304" pitchFamily="18" charset="0"/>
-              </a:rPr>
-              <a:t>Lớp</a:t>
-            </a:r>
-            <a:r>
-              <a:rPr lang="en-US" dirty="0">
-                <a:latin typeface="+mn-lt"/>
-                <a:cs typeface="Times New Roman" panose="02020603050405020304" pitchFamily="18" charset="0"/>
-              </a:rPr>
-              <a:t> cha “App” </a:t>
-            </a:r>
-            <a:r>
-              <a:rPr lang="en-US" dirty="0" err="1">
-                <a:latin typeface="+mn-lt"/>
-                <a:cs typeface="Times New Roman" panose="02020603050405020304" pitchFamily="18" charset="0"/>
-              </a:rPr>
-              <a:t>của</a:t>
-            </a:r>
-            <a:r>
-              <a:rPr lang="en-US" dirty="0">
-                <a:latin typeface="+mn-lt"/>
-                <a:cs typeface="Times New Roman" panose="02020603050405020304" pitchFamily="18" charset="0"/>
-              </a:rPr>
-              <a:t> </a:t>
-            </a:r>
-            <a:r>
-              <a:rPr lang="en-US" dirty="0" err="1">
-                <a:latin typeface="+mn-lt"/>
-                <a:cs typeface="Times New Roman" panose="02020603050405020304" pitchFamily="18" charset="0"/>
-              </a:rPr>
-              <a:t>thư</a:t>
-            </a:r>
-            <a:r>
-              <a:rPr lang="en-US" dirty="0">
-                <a:latin typeface="+mn-lt"/>
-                <a:cs typeface="Times New Roman" panose="02020603050405020304" pitchFamily="18" charset="0"/>
-              </a:rPr>
-              <a:t> </a:t>
-            </a:r>
-            <a:r>
-              <a:rPr lang="en-US" dirty="0" err="1">
-                <a:latin typeface="+mn-lt"/>
-                <a:cs typeface="Times New Roman" panose="02020603050405020304" pitchFamily="18" charset="0"/>
-              </a:rPr>
-              <a:t>viện</a:t>
-            </a:r>
-            <a:r>
-              <a:rPr lang="en-US" dirty="0">
-                <a:latin typeface="+mn-lt"/>
-                <a:cs typeface="Times New Roman" panose="02020603050405020304" pitchFamily="18" charset="0"/>
-              </a:rPr>
-              <a:t> </a:t>
-            </a:r>
-            <a:r>
-              <a:rPr lang="en-US" dirty="0" err="1">
-                <a:latin typeface="+mn-lt"/>
-                <a:cs typeface="Times New Roman" panose="02020603050405020304" pitchFamily="18" charset="0"/>
-              </a:rPr>
-              <a:t>Kivy</a:t>
-            </a:r>
-            <a:endParaRPr lang="en-US" dirty="0">
-              <a:latin typeface="+mn-lt"/>
-              <a:cs typeface="Times New Roman" panose="02020603050405020304" pitchFamily="18" charset="0"/>
-            </a:endParaRPr>
-          </a:p>
-          <a:p>
-            <a:pPr>
-              <a:buFont typeface="Courier New" panose="02070309020205020404" pitchFamily="49" charset="0"/>
-              <a:buChar char="o"/>
-            </a:pPr>
-            <a:r>
-              <a:rPr lang="en-US" dirty="0">
-                <a:latin typeface="+mn-lt"/>
-                <a:cs typeface="Times New Roman" panose="02020603050405020304" pitchFamily="18" charset="0"/>
-              </a:rPr>
-              <a:t> </a:t>
-            </a:r>
-            <a:r>
-              <a:rPr lang="en-US" dirty="0" err="1">
-                <a:latin typeface="+mn-lt"/>
-                <a:cs typeface="Times New Roman" panose="02020603050405020304" pitchFamily="18" charset="0"/>
-              </a:rPr>
-              <a:t>Hàm</a:t>
-            </a:r>
-            <a:r>
-              <a:rPr lang="en-US" dirty="0">
-                <a:latin typeface="+mn-lt"/>
-                <a:cs typeface="Times New Roman" panose="02020603050405020304" pitchFamily="18" charset="0"/>
-              </a:rPr>
-              <a:t> “</a:t>
-            </a:r>
-            <a:r>
-              <a:rPr lang="en-US" dirty="0" err="1">
-                <a:latin typeface="+mn-lt"/>
-                <a:cs typeface="Times New Roman" panose="02020603050405020304" pitchFamily="18" charset="0"/>
-              </a:rPr>
-              <a:t>onConnect</a:t>
-            </a:r>
-            <a:r>
-              <a:rPr lang="en-US" dirty="0">
-                <a:latin typeface="+mn-lt"/>
-                <a:cs typeface="Times New Roman" panose="02020603050405020304" pitchFamily="18" charset="0"/>
-              </a:rPr>
-              <a:t>”</a:t>
-            </a:r>
-          </a:p>
-          <a:p>
-            <a:pPr>
-              <a:buFont typeface="Courier New" panose="02070309020205020404" pitchFamily="49" charset="0"/>
-              <a:buChar char="o"/>
-            </a:pPr>
-            <a:r>
-              <a:rPr lang="en-US" dirty="0">
-                <a:latin typeface="+mn-lt"/>
-                <a:cs typeface="Times New Roman" panose="02020603050405020304" pitchFamily="18" charset="0"/>
-              </a:rPr>
-              <a:t> </a:t>
-            </a:r>
-            <a:r>
-              <a:rPr lang="en-US" dirty="0" err="1">
-                <a:latin typeface="+mn-lt"/>
-                <a:cs typeface="Times New Roman" panose="02020603050405020304" pitchFamily="18" charset="0"/>
-              </a:rPr>
-              <a:t>Hàm</a:t>
-            </a:r>
-            <a:r>
-              <a:rPr lang="en-US" dirty="0">
-                <a:latin typeface="+mn-lt"/>
-                <a:cs typeface="Times New Roman" panose="02020603050405020304" pitchFamily="18" charset="0"/>
-              </a:rPr>
-              <a:t> “</a:t>
-            </a:r>
-            <a:r>
-              <a:rPr lang="en-US" dirty="0" err="1">
-                <a:latin typeface="+mn-lt"/>
-                <a:cs typeface="Times New Roman" panose="02020603050405020304" pitchFamily="18" charset="0"/>
-              </a:rPr>
-              <a:t>onDisconnect</a:t>
-            </a:r>
-            <a:r>
-              <a:rPr lang="en-US" dirty="0">
-                <a:latin typeface="+mn-lt"/>
-                <a:cs typeface="Times New Roman" panose="02020603050405020304" pitchFamily="18" charset="0"/>
-              </a:rPr>
-              <a:t>”</a:t>
-            </a:r>
-          </a:p>
-          <a:p>
-            <a:pPr>
-              <a:buFont typeface="Courier New" panose="02070309020205020404" pitchFamily="49" charset="0"/>
-              <a:buChar char="o"/>
-            </a:pPr>
-            <a:r>
-              <a:rPr lang="en-US" dirty="0">
-                <a:latin typeface="+mn-lt"/>
-                <a:cs typeface="Times New Roman" panose="02020603050405020304" pitchFamily="18" charset="0"/>
-              </a:rPr>
-              <a:t> </a:t>
-            </a:r>
-            <a:r>
-              <a:rPr lang="en-US" dirty="0" err="1">
-                <a:latin typeface="+mn-lt"/>
-                <a:cs typeface="Times New Roman" panose="02020603050405020304" pitchFamily="18" charset="0"/>
-              </a:rPr>
-              <a:t>Hàm</a:t>
-            </a:r>
-            <a:r>
-              <a:rPr lang="en-US" dirty="0">
-                <a:latin typeface="+mn-lt"/>
-                <a:cs typeface="Times New Roman" panose="02020603050405020304" pitchFamily="18" charset="0"/>
-              </a:rPr>
-              <a:t> “</a:t>
-            </a:r>
-            <a:r>
-              <a:rPr lang="en-US" dirty="0" err="1">
-                <a:latin typeface="+mn-lt"/>
-                <a:cs typeface="Times New Roman" panose="02020603050405020304" pitchFamily="18" charset="0"/>
-              </a:rPr>
-              <a:t>sendCmd</a:t>
-            </a:r>
-            <a:r>
-              <a:rPr lang="en-US" dirty="0">
-                <a:latin typeface="+mn-lt"/>
-                <a:cs typeface="Times New Roman" panose="02020603050405020304" pitchFamily="18" charset="0"/>
-              </a:rPr>
-              <a:t>”</a:t>
-            </a:r>
-          </a:p>
-          <a:p>
-            <a:pPr>
-              <a:buFont typeface="Courier New" panose="02070309020205020404" pitchFamily="49" charset="0"/>
-              <a:buChar char="o"/>
-            </a:pPr>
-            <a:r>
-              <a:rPr lang="en-US" dirty="0">
-                <a:latin typeface="+mn-lt"/>
-                <a:cs typeface="Times New Roman" panose="02020603050405020304" pitchFamily="18" charset="0"/>
-              </a:rPr>
-              <a:t> </a:t>
-            </a:r>
-            <a:r>
-              <a:rPr lang="en-US" dirty="0" err="1">
-                <a:latin typeface="+mn-lt"/>
-                <a:cs typeface="Times New Roman" panose="02020603050405020304" pitchFamily="18" charset="0"/>
-              </a:rPr>
-              <a:t>Hàm</a:t>
-            </a:r>
-            <a:r>
-              <a:rPr lang="en-US" dirty="0">
-                <a:latin typeface="+mn-lt"/>
-                <a:cs typeface="Times New Roman" panose="02020603050405020304" pitchFamily="18" charset="0"/>
-              </a:rPr>
-              <a:t> “</a:t>
-            </a:r>
-            <a:r>
-              <a:rPr lang="en-US" dirty="0" err="1">
-                <a:latin typeface="+mn-lt"/>
-                <a:cs typeface="Times New Roman" panose="02020603050405020304" pitchFamily="18" charset="0"/>
-              </a:rPr>
-              <a:t>onMessage</a:t>
-            </a:r>
-            <a:r>
-              <a:rPr lang="en-US" dirty="0">
-                <a:latin typeface="+mn-lt"/>
-                <a:cs typeface="Times New Roman" panose="02020603050405020304" pitchFamily="18" charset="0"/>
-              </a:rPr>
-              <a:t>”</a:t>
-            </a:r>
-          </a:p>
-          <a:p>
-            <a:pPr>
-              <a:buFont typeface="Courier New" panose="02070309020205020404" pitchFamily="49" charset="0"/>
-              <a:buChar char="o"/>
-            </a:pPr>
-            <a:r>
-              <a:rPr lang="en-US" dirty="0">
-                <a:latin typeface="+mn-lt"/>
-                <a:cs typeface="Times New Roman" panose="02020603050405020304" pitchFamily="18" charset="0"/>
-              </a:rPr>
-              <a:t> </a:t>
-            </a:r>
-            <a:r>
-              <a:rPr lang="en-US" dirty="0" err="1">
-                <a:latin typeface="+mn-lt"/>
-                <a:cs typeface="Times New Roman" panose="02020603050405020304" pitchFamily="18" charset="0"/>
-              </a:rPr>
-              <a:t>Hàm</a:t>
-            </a:r>
-            <a:r>
-              <a:rPr lang="en-US" dirty="0">
-                <a:latin typeface="+mn-lt"/>
-                <a:cs typeface="Times New Roman" panose="02020603050405020304" pitchFamily="18" charset="0"/>
-              </a:rPr>
-              <a:t> “</a:t>
-            </a:r>
-            <a:r>
-              <a:rPr lang="en-US" dirty="0" err="1">
-                <a:latin typeface="+mn-lt"/>
-                <a:cs typeface="Times New Roman" panose="02020603050405020304" pitchFamily="18" charset="0"/>
-              </a:rPr>
-              <a:t>mqttReconnect</a:t>
-            </a:r>
-            <a:r>
-              <a:rPr lang="en-US" dirty="0">
-                <a:latin typeface="+mn-lt"/>
-                <a:cs typeface="Times New Roman" panose="02020603050405020304" pitchFamily="18" charset="0"/>
-              </a:rPr>
-              <a:t>”</a:t>
-            </a:r>
-          </a:p>
-        </p:txBody>
-      </p:sp>
-      <p:sp>
-        <p:nvSpPr>
-          <p:cNvPr id="4" name="Title 3">
-            <a:extLst>
-              <a:ext uri="{FF2B5EF4-FFF2-40B4-BE49-F238E27FC236}">
-                <a16:creationId xmlns:a16="http://schemas.microsoft.com/office/drawing/2014/main" id="{52E18D06-2298-4C20-BF3D-F4536777C955}"/>
-              </a:ext>
-            </a:extLst>
-          </p:cNvPr>
-          <p:cNvSpPr>
-            <a:spLocks noGrp="1"/>
-          </p:cNvSpPr>
-          <p:nvPr>
-            <p:ph type="title"/>
-          </p:nvPr>
-        </p:nvSpPr>
-        <p:spPr>
-          <a:xfrm>
-            <a:off x="338736" y="88019"/>
-            <a:ext cx="11514528" cy="436098"/>
-          </a:xfrm>
-        </p:spPr>
-        <p:txBody>
-          <a:bodyPr/>
-          <a:lstStyle/>
-          <a:p>
-            <a:r>
-              <a:rPr lang="en-US">
-                <a:latin typeface="+mn-lt"/>
-                <a:cs typeface="Times New Roman" panose="02020603050405020304" pitchFamily="18" charset="0"/>
-              </a:rPr>
-              <a:t>2. Phân tích và thiết kế</a:t>
-            </a:r>
-          </a:p>
-        </p:txBody>
-      </p:sp>
-      <p:sp>
-        <p:nvSpPr>
-          <p:cNvPr id="7" name="Text Placeholder 2">
-            <a:extLst>
-              <a:ext uri="{FF2B5EF4-FFF2-40B4-BE49-F238E27FC236}">
-                <a16:creationId xmlns:a16="http://schemas.microsoft.com/office/drawing/2014/main" id="{01DD10B9-B62D-4818-8282-DD98E2FAD2B9}"/>
-              </a:ext>
-            </a:extLst>
-          </p:cNvPr>
-          <p:cNvSpPr txBox="1">
-            <a:spLocks/>
-          </p:cNvSpPr>
-          <p:nvPr/>
-        </p:nvSpPr>
-        <p:spPr>
-          <a:xfrm>
-            <a:off x="11240542" y="5967968"/>
-            <a:ext cx="612722" cy="436098"/>
-          </a:xfrm>
-          <a:prstGeom prst="rect">
-            <a:avLst/>
-          </a:prstGeom>
-        </p:spPr>
-        <p:txBody>
-          <a:bodyPr/>
-          <a:lstStyle>
-            <a:lvl1pPr marL="228600" indent="-228600" algn="l" defTabSz="914400" rtl="0" eaLnBrk="1" latinLnBrk="0" hangingPunct="1">
-              <a:lnSpc>
-                <a:spcPct val="90000"/>
-              </a:lnSpc>
-              <a:spcBef>
-                <a:spcPts val="1000"/>
-              </a:spcBef>
-              <a:buFont typeface="Arial" panose="020B0604020202020204" pitchFamily="34" charset="0"/>
-              <a:buChar char="•"/>
-              <a:defRPr sz="2800" kern="1200">
-                <a:solidFill>
-                  <a:schemeClr val="tx1"/>
-                </a:solidFill>
-                <a:latin typeface="Lato" panose="020F0502020204030203" pitchFamily="34" charset="0"/>
-                <a:ea typeface="Lato" panose="020F0502020204030203" pitchFamily="34" charset="0"/>
-                <a:cs typeface="Lato" panose="020F0502020204030203" pitchFamily="34" charset="0"/>
-              </a:defRPr>
-            </a:lvl1pPr>
-            <a:lvl2pPr marL="685800" indent="-228600" algn="l" defTabSz="914400" rtl="0" eaLnBrk="1" latinLnBrk="0" hangingPunct="1">
-              <a:lnSpc>
-                <a:spcPct val="90000"/>
-              </a:lnSpc>
-              <a:spcBef>
-                <a:spcPts val="500"/>
-              </a:spcBef>
-              <a:buFont typeface="Arial" panose="020B0604020202020204" pitchFamily="34" charset="0"/>
-              <a:buChar char="•"/>
-              <a:defRPr sz="2400" kern="1200">
-                <a:solidFill>
-                  <a:schemeClr val="tx1"/>
-                </a:solidFill>
-                <a:latin typeface="Lato" panose="020F0502020204030203" pitchFamily="34" charset="0"/>
-                <a:ea typeface="Lato" panose="020F0502020204030203" pitchFamily="34" charset="0"/>
-                <a:cs typeface="Lato" panose="020F0502020204030203" pitchFamily="34" charset="0"/>
-              </a:defRPr>
-            </a:lvl2pPr>
-            <a:lvl3pPr marL="1143000" indent="-228600" algn="l" defTabSz="914400" rtl="0" eaLnBrk="1" latinLnBrk="0" hangingPunct="1">
-              <a:lnSpc>
-                <a:spcPct val="90000"/>
-              </a:lnSpc>
-              <a:spcBef>
-                <a:spcPts val="500"/>
-              </a:spcBef>
-              <a:buFont typeface="Arial" panose="020B0604020202020204" pitchFamily="34" charset="0"/>
-              <a:buChar char="•"/>
-              <a:defRPr sz="2000" kern="1200">
-                <a:solidFill>
-                  <a:schemeClr val="tx1"/>
-                </a:solidFill>
-                <a:latin typeface="Lato" panose="020F0502020204030203" pitchFamily="34" charset="0"/>
-                <a:ea typeface="Lato" panose="020F0502020204030203" pitchFamily="34" charset="0"/>
-                <a:cs typeface="Lato" panose="020F0502020204030203" pitchFamily="34" charset="0"/>
-              </a:defRPr>
-            </a:lvl3pPr>
-            <a:lvl4pPr marL="1600200" indent="-228600" algn="l" defTabSz="914400" rtl="0" eaLnBrk="1" latinLnBrk="0" hangingPunct="1">
-              <a:lnSpc>
-                <a:spcPct val="90000"/>
-              </a:lnSpc>
-              <a:spcBef>
-                <a:spcPts val="500"/>
-              </a:spcBef>
-              <a:buFont typeface="Arial" panose="020B0604020202020204" pitchFamily="34" charset="0"/>
-              <a:buChar char="•"/>
-              <a:defRPr sz="1800" kern="1200">
-                <a:solidFill>
-                  <a:schemeClr val="tx1"/>
-                </a:solidFill>
-                <a:latin typeface="Lato" panose="020F0502020204030203" pitchFamily="34" charset="0"/>
-                <a:ea typeface="Lato" panose="020F0502020204030203" pitchFamily="34" charset="0"/>
-                <a:cs typeface="Lato" panose="020F0502020204030203" pitchFamily="34" charset="0"/>
-              </a:defRPr>
-            </a:lvl4pPr>
-            <a:lvl5pPr marL="2057400" indent="-228600" algn="l" defTabSz="914400" rtl="0" eaLnBrk="1" latinLnBrk="0" hangingPunct="1">
-              <a:lnSpc>
-                <a:spcPct val="90000"/>
-              </a:lnSpc>
-              <a:spcBef>
-                <a:spcPts val="500"/>
-              </a:spcBef>
-              <a:buFont typeface="Arial" panose="020B0604020202020204" pitchFamily="34" charset="0"/>
-              <a:buChar char="•"/>
-              <a:defRPr sz="1800" kern="1200">
-                <a:solidFill>
-                  <a:schemeClr val="tx1"/>
-                </a:solidFill>
-                <a:latin typeface="Lato" panose="020F0502020204030203" pitchFamily="34" charset="0"/>
-                <a:ea typeface="Lato" panose="020F0502020204030203" pitchFamily="34" charset="0"/>
-                <a:cs typeface="Lato" panose="020F0502020204030203" pitchFamily="34" charset="0"/>
-              </a:defRPr>
-            </a:lvl5pPr>
-            <a:lvl6pPr marL="2514600" indent="-228600" algn="l" defTabSz="914400" rtl="0" eaLnBrk="1" latinLnBrk="0" hangingPunct="1">
-              <a:lnSpc>
-                <a:spcPct val="90000"/>
-              </a:lnSpc>
-              <a:spcBef>
-                <a:spcPts val="500"/>
-              </a:spcBef>
-              <a:buFont typeface="Arial" panose="020B0604020202020204" pitchFamily="34" charset="0"/>
-              <a:buChar char="•"/>
-              <a:defRPr sz="1800" kern="1200">
-                <a:solidFill>
-                  <a:schemeClr val="tx1"/>
-                </a:solidFill>
-                <a:latin typeface="+mn-lt"/>
-                <a:ea typeface="+mn-ea"/>
-                <a:cs typeface="+mn-cs"/>
-              </a:defRPr>
-            </a:lvl6pPr>
-            <a:lvl7pPr marL="2971800" indent="-228600" algn="l" defTabSz="914400" rtl="0" eaLnBrk="1" latinLnBrk="0" hangingPunct="1">
-              <a:lnSpc>
-                <a:spcPct val="90000"/>
-              </a:lnSpc>
-              <a:spcBef>
-                <a:spcPts val="500"/>
-              </a:spcBef>
-              <a:buFont typeface="Arial" panose="020B0604020202020204" pitchFamily="34" charset="0"/>
-              <a:buChar char="•"/>
-              <a:defRPr sz="1800" kern="1200">
-                <a:solidFill>
-                  <a:schemeClr val="tx1"/>
-                </a:solidFill>
-                <a:latin typeface="+mn-lt"/>
-                <a:ea typeface="+mn-ea"/>
-                <a:cs typeface="+mn-cs"/>
-              </a:defRPr>
-            </a:lvl7pPr>
-            <a:lvl8pPr marL="3429000" indent="-228600" algn="l" defTabSz="914400" rtl="0" eaLnBrk="1" latinLnBrk="0" hangingPunct="1">
-              <a:lnSpc>
-                <a:spcPct val="90000"/>
-              </a:lnSpc>
-              <a:spcBef>
-                <a:spcPts val="500"/>
-              </a:spcBef>
-              <a:buFont typeface="Arial" panose="020B0604020202020204" pitchFamily="34" charset="0"/>
-              <a:buChar char="•"/>
-              <a:defRPr sz="1800" kern="1200">
-                <a:solidFill>
-                  <a:schemeClr val="tx1"/>
-                </a:solidFill>
-                <a:latin typeface="+mn-lt"/>
-                <a:ea typeface="+mn-ea"/>
-                <a:cs typeface="+mn-cs"/>
-              </a:defRPr>
-            </a:lvl8pPr>
-            <a:lvl9pPr marL="3886200" indent="-228600" algn="l" defTabSz="914400" rtl="0" eaLnBrk="1" latinLnBrk="0" hangingPunct="1">
-              <a:lnSpc>
-                <a:spcPct val="90000"/>
-              </a:lnSpc>
-              <a:spcBef>
-                <a:spcPts val="500"/>
-              </a:spcBef>
-              <a:buFont typeface="Arial" panose="020B0604020202020204" pitchFamily="34" charset="0"/>
-              <a:buChar char="•"/>
-              <a:defRPr sz="1800" kern="1200">
-                <a:solidFill>
-                  <a:schemeClr val="tx1"/>
-                </a:solidFill>
-                <a:latin typeface="+mn-lt"/>
-                <a:ea typeface="+mn-ea"/>
-                <a:cs typeface="+mn-cs"/>
-              </a:defRPr>
-            </a:lvl9pPr>
-          </a:lstStyle>
-          <a:p>
-            <a:pPr marL="0" indent="0" algn="ctr">
-              <a:buFont typeface="Arial" panose="020B0604020202020204" pitchFamily="34" charset="0"/>
-              <a:buNone/>
-            </a:pPr>
-            <a:r>
-              <a:rPr lang="en-US" dirty="0">
-                <a:latin typeface="Times New Roman" panose="02020603050405020304" pitchFamily="18" charset="0"/>
-                <a:cs typeface="Times New Roman" panose="02020603050405020304" pitchFamily="18" charset="0"/>
-              </a:rPr>
-              <a:t>20</a:t>
-            </a:r>
-            <a:endParaRPr lang="vi-VN" dirty="0">
-              <a:latin typeface="Times New Roman" panose="02020603050405020304" pitchFamily="18" charset="0"/>
-              <a:cs typeface="Times New Roman" panose="02020603050405020304" pitchFamily="18" charset="0"/>
-            </a:endParaRPr>
-          </a:p>
-        </p:txBody>
-      </p:sp>
-    </p:spTree>
-    <p:extLst>
-      <p:ext uri="{BB962C8B-B14F-4D97-AF65-F5344CB8AC3E}">
-        <p14:creationId xmlns:p14="http://schemas.microsoft.com/office/powerpoint/2010/main" val="1974370001"/>
-      </p:ext>
-    </p:extLst>
-  </p:cSld>
-  <p:clrMapOvr>
-    <a:masterClrMapping/>
-  </p:clrMapOvr>
-</p:sld>
-</file>
-
-<file path=ppt/slides/slide21.xml><?xml version="1.0" encoding="utf-8"?>
-<p:sld xmlns:a="http://schemas.openxmlformats.org/drawingml/2006/main" xmlns:r="http://schemas.openxmlformats.org/officeDocument/2006/relationships" xmlns:p="http://schemas.openxmlformats.org/presentationml/2006/main">
-  <p:cSld>
-    <p:spTree>
-      <p:nvGrpSpPr>
-        <p:cNvPr id="1" name=""/>
-        <p:cNvGrpSpPr/>
-        <p:nvPr/>
-      </p:nvGrpSpPr>
-      <p:grpSpPr>
-        <a:xfrm>
-          <a:off x="0" y="0"/>
-          <a:ext cx="0" cy="0"/>
-          <a:chOff x="0" y="0"/>
-          <a:chExt cx="0" cy="0"/>
-        </a:xfrm>
-      </p:grpSpPr>
-      <p:sp>
-        <p:nvSpPr>
-          <p:cNvPr id="5" name="Content Placeholder 4">
-            <a:extLst>
-              <a:ext uri="{FF2B5EF4-FFF2-40B4-BE49-F238E27FC236}">
-                <a16:creationId xmlns:a16="http://schemas.microsoft.com/office/drawing/2014/main" id="{82AD3B8F-023F-4D30-80AA-BE5F44F41593}"/>
-              </a:ext>
-            </a:extLst>
-          </p:cNvPr>
-          <p:cNvSpPr>
-            <a:spLocks noGrp="1"/>
-          </p:cNvSpPr>
-          <p:nvPr>
-            <p:ph sz="quarter" idx="10"/>
-          </p:nvPr>
-        </p:nvSpPr>
-        <p:spPr>
-          <a:xfrm>
-            <a:off x="338736" y="974438"/>
-            <a:ext cx="11514528" cy="4909124"/>
-          </a:xfrm>
-        </p:spPr>
-        <p:txBody>
-          <a:bodyPr/>
-          <a:lstStyle/>
-          <a:p>
-            <a:pPr marL="0" indent="0">
-              <a:buNone/>
-            </a:pPr>
-            <a:r>
-              <a:rPr lang="en-US" dirty="0">
-                <a:latin typeface="+mn-lt"/>
-                <a:cs typeface="Times New Roman" panose="02020603050405020304" pitchFamily="18" charset="0"/>
-              </a:rPr>
-              <a:t>2.4. </a:t>
-            </a:r>
-            <a:r>
-              <a:rPr lang="en-US" dirty="0" err="1">
-                <a:latin typeface="+mn-lt"/>
-                <a:cs typeface="Times New Roman" panose="02020603050405020304" pitchFamily="18" charset="0"/>
-              </a:rPr>
-              <a:t>Thiết</a:t>
-            </a:r>
-            <a:r>
-              <a:rPr lang="en-US" dirty="0">
-                <a:latin typeface="+mn-lt"/>
-                <a:cs typeface="Times New Roman" panose="02020603050405020304" pitchFamily="18" charset="0"/>
-              </a:rPr>
-              <a:t> </a:t>
-            </a:r>
-            <a:r>
-              <a:rPr lang="en-US" dirty="0" err="1">
-                <a:latin typeface="+mn-lt"/>
-                <a:cs typeface="Times New Roman" panose="02020603050405020304" pitchFamily="18" charset="0"/>
-              </a:rPr>
-              <a:t>kế</a:t>
-            </a:r>
-            <a:r>
-              <a:rPr lang="en-US" dirty="0">
-                <a:latin typeface="+mn-lt"/>
-                <a:cs typeface="Times New Roman" panose="02020603050405020304" pitchFamily="18" charset="0"/>
-              </a:rPr>
-              <a:t> </a:t>
-            </a:r>
-            <a:r>
-              <a:rPr lang="en-US" dirty="0" err="1">
-                <a:latin typeface="+mn-lt"/>
-                <a:cs typeface="Times New Roman" panose="02020603050405020304" pitchFamily="18" charset="0"/>
-              </a:rPr>
-              <a:t>chương</a:t>
-            </a:r>
-            <a:r>
-              <a:rPr lang="en-US" dirty="0">
-                <a:latin typeface="+mn-lt"/>
-                <a:cs typeface="Times New Roman" panose="02020603050405020304" pitchFamily="18" charset="0"/>
-              </a:rPr>
-              <a:t> </a:t>
-            </a:r>
-            <a:r>
-              <a:rPr lang="en-US" dirty="0" err="1">
-                <a:latin typeface="+mn-lt"/>
-                <a:cs typeface="Times New Roman" panose="02020603050405020304" pitchFamily="18" charset="0"/>
-              </a:rPr>
-              <a:t>trình</a:t>
-            </a:r>
-            <a:r>
-              <a:rPr lang="en-US" dirty="0">
-                <a:latin typeface="+mn-lt"/>
-                <a:cs typeface="Times New Roman" panose="02020603050405020304" pitchFamily="18" charset="0"/>
-              </a:rPr>
-              <a:t> </a:t>
-            </a:r>
-            <a:r>
-              <a:rPr lang="en-US" dirty="0" err="1">
-                <a:latin typeface="+mn-lt"/>
-                <a:cs typeface="Times New Roman" panose="02020603050405020304" pitchFamily="18" charset="0"/>
-              </a:rPr>
-              <a:t>ứng</a:t>
-            </a:r>
-            <a:r>
-              <a:rPr lang="en-US" dirty="0">
-                <a:latin typeface="+mn-lt"/>
-                <a:cs typeface="Times New Roman" panose="02020603050405020304" pitchFamily="18" charset="0"/>
-              </a:rPr>
-              <a:t> </a:t>
-            </a:r>
-            <a:r>
-              <a:rPr lang="en-US" dirty="0" err="1">
-                <a:latin typeface="+mn-lt"/>
-                <a:cs typeface="Times New Roman" panose="02020603050405020304" pitchFamily="18" charset="0"/>
-              </a:rPr>
-              <a:t>dụng</a:t>
-            </a:r>
-            <a:r>
-              <a:rPr lang="en-US" dirty="0">
-                <a:latin typeface="+mn-lt"/>
-                <a:cs typeface="Times New Roman" panose="02020603050405020304" pitchFamily="18" charset="0"/>
-              </a:rPr>
-              <a:t> </a:t>
-            </a:r>
-            <a:r>
-              <a:rPr lang="en-US" dirty="0" err="1">
-                <a:latin typeface="+mn-lt"/>
-                <a:cs typeface="Times New Roman" panose="02020603050405020304" pitchFamily="18" charset="0"/>
-              </a:rPr>
-              <a:t>điều</a:t>
-            </a:r>
-            <a:r>
-              <a:rPr lang="en-US" dirty="0">
-                <a:latin typeface="+mn-lt"/>
-                <a:cs typeface="Times New Roman" panose="02020603050405020304" pitchFamily="18" charset="0"/>
-              </a:rPr>
-              <a:t> </a:t>
-            </a:r>
-            <a:r>
-              <a:rPr lang="en-US" dirty="0" err="1">
-                <a:latin typeface="+mn-lt"/>
-                <a:cs typeface="Times New Roman" panose="02020603050405020304" pitchFamily="18" charset="0"/>
-              </a:rPr>
-              <a:t>khiển</a:t>
-            </a:r>
-            <a:endParaRPr lang="en-US" dirty="0">
-              <a:latin typeface="+mn-lt"/>
-              <a:cs typeface="Times New Roman" panose="02020603050405020304" pitchFamily="18" charset="0"/>
-            </a:endParaRPr>
-          </a:p>
-          <a:p>
-            <a:r>
-              <a:rPr lang="en-US" dirty="0" err="1">
-                <a:latin typeface="+mn-lt"/>
-                <a:cs typeface="Times New Roman" panose="02020603050405020304" pitchFamily="18" charset="0"/>
-              </a:rPr>
-              <a:t>Lớp</a:t>
-            </a:r>
-            <a:r>
-              <a:rPr lang="en-US" dirty="0">
-                <a:latin typeface="+mn-lt"/>
-                <a:cs typeface="Times New Roman" panose="02020603050405020304" pitchFamily="18" charset="0"/>
-              </a:rPr>
-              <a:t> </a:t>
-            </a:r>
-            <a:r>
-              <a:rPr lang="en-US" dirty="0" err="1">
-                <a:latin typeface="+mn-lt"/>
-                <a:cs typeface="Times New Roman" panose="02020603050405020304" pitchFamily="18" charset="0"/>
-              </a:rPr>
-              <a:t>giao</a:t>
-            </a:r>
-            <a:r>
-              <a:rPr lang="en-US" dirty="0">
-                <a:latin typeface="+mn-lt"/>
-                <a:cs typeface="Times New Roman" panose="02020603050405020304" pitchFamily="18" charset="0"/>
-              </a:rPr>
-              <a:t> </a:t>
-            </a:r>
-            <a:r>
-              <a:rPr lang="en-US" dirty="0" err="1">
-                <a:latin typeface="+mn-lt"/>
-                <a:cs typeface="Times New Roman" panose="02020603050405020304" pitchFamily="18" charset="0"/>
-              </a:rPr>
-              <a:t>diện</a:t>
-            </a:r>
-            <a:r>
-              <a:rPr lang="en-US" dirty="0">
-                <a:latin typeface="+mn-lt"/>
-                <a:cs typeface="Times New Roman" panose="02020603050405020304" pitchFamily="18" charset="0"/>
-              </a:rPr>
-              <a:t> </a:t>
-            </a:r>
-            <a:r>
-              <a:rPr lang="en-US" dirty="0" err="1">
-                <a:latin typeface="+mn-lt"/>
-                <a:cs typeface="Times New Roman" panose="02020603050405020304" pitchFamily="18" charset="0"/>
-              </a:rPr>
-              <a:t>dạng</a:t>
-            </a:r>
-            <a:r>
-              <a:rPr lang="en-US" dirty="0">
-                <a:latin typeface="+mn-lt"/>
-                <a:cs typeface="Times New Roman" panose="02020603050405020304" pitchFamily="18" charset="0"/>
-              </a:rPr>
-              <a:t> </a:t>
-            </a:r>
-            <a:r>
-              <a:rPr lang="en-US" dirty="0" err="1">
-                <a:latin typeface="+mn-lt"/>
-                <a:cs typeface="Times New Roman" panose="02020603050405020304" pitchFamily="18" charset="0"/>
-              </a:rPr>
-              <a:t>lưới</a:t>
-            </a:r>
-            <a:r>
-              <a:rPr lang="en-US" dirty="0">
-                <a:latin typeface="+mn-lt"/>
-                <a:cs typeface="Times New Roman" panose="02020603050405020304" pitchFamily="18" charset="0"/>
-              </a:rPr>
-              <a:t>:</a:t>
-            </a:r>
-          </a:p>
-          <a:p>
-            <a:pPr>
-              <a:buFont typeface="Courier New" panose="02070309020205020404" pitchFamily="49" charset="0"/>
-              <a:buChar char="o"/>
-            </a:pPr>
-            <a:r>
-              <a:rPr lang="en-US" dirty="0">
-                <a:latin typeface="+mn-lt"/>
-                <a:cs typeface="Times New Roman" panose="02020603050405020304" pitchFamily="18" charset="0"/>
-              </a:rPr>
-              <a:t> </a:t>
-            </a:r>
-            <a:r>
-              <a:rPr lang="en-US" dirty="0" err="1">
-                <a:latin typeface="+mn-lt"/>
-                <a:cs typeface="Times New Roman" panose="02020603050405020304" pitchFamily="18" charset="0"/>
-              </a:rPr>
-              <a:t>Lớp</a:t>
-            </a:r>
-            <a:r>
-              <a:rPr lang="en-US" dirty="0">
-                <a:latin typeface="+mn-lt"/>
-                <a:cs typeface="Times New Roman" panose="02020603050405020304" pitchFamily="18" charset="0"/>
-              </a:rPr>
-              <a:t> cha “Widget” </a:t>
-            </a:r>
-            <a:r>
-              <a:rPr lang="en-US" dirty="0" err="1">
-                <a:latin typeface="+mn-lt"/>
-                <a:cs typeface="Times New Roman" panose="02020603050405020304" pitchFamily="18" charset="0"/>
-              </a:rPr>
-              <a:t>của</a:t>
-            </a:r>
-            <a:r>
-              <a:rPr lang="en-US" dirty="0">
-                <a:latin typeface="+mn-lt"/>
-                <a:cs typeface="Times New Roman" panose="02020603050405020304" pitchFamily="18" charset="0"/>
-              </a:rPr>
-              <a:t> </a:t>
-            </a:r>
-            <a:r>
-              <a:rPr lang="en-US" dirty="0" err="1">
-                <a:latin typeface="+mn-lt"/>
-                <a:cs typeface="Times New Roman" panose="02020603050405020304" pitchFamily="18" charset="0"/>
-              </a:rPr>
-              <a:t>thư</a:t>
-            </a:r>
-            <a:r>
-              <a:rPr lang="en-US" dirty="0">
-                <a:latin typeface="+mn-lt"/>
-                <a:cs typeface="Times New Roman" panose="02020603050405020304" pitchFamily="18" charset="0"/>
-              </a:rPr>
-              <a:t> </a:t>
-            </a:r>
-            <a:r>
-              <a:rPr lang="en-US" dirty="0" err="1">
-                <a:latin typeface="+mn-lt"/>
-                <a:cs typeface="Times New Roman" panose="02020603050405020304" pitchFamily="18" charset="0"/>
-              </a:rPr>
-              <a:t>viện</a:t>
-            </a:r>
-            <a:r>
-              <a:rPr lang="en-US" dirty="0">
-                <a:latin typeface="+mn-lt"/>
-                <a:cs typeface="Times New Roman" panose="02020603050405020304" pitchFamily="18" charset="0"/>
-              </a:rPr>
-              <a:t> </a:t>
-            </a:r>
-            <a:r>
-              <a:rPr lang="en-US" dirty="0" err="1">
-                <a:latin typeface="+mn-lt"/>
-                <a:cs typeface="Times New Roman" panose="02020603050405020304" pitchFamily="18" charset="0"/>
-              </a:rPr>
-              <a:t>Kivy</a:t>
-            </a:r>
-            <a:endParaRPr lang="en-US" dirty="0">
-              <a:latin typeface="+mn-lt"/>
-              <a:cs typeface="Times New Roman" panose="02020603050405020304" pitchFamily="18" charset="0"/>
-            </a:endParaRPr>
-          </a:p>
-          <a:p>
-            <a:pPr>
-              <a:buFont typeface="Courier New" panose="02070309020205020404" pitchFamily="49" charset="0"/>
-              <a:buChar char="o"/>
-            </a:pPr>
-            <a:r>
-              <a:rPr lang="en-US" dirty="0">
-                <a:latin typeface="+mn-lt"/>
-                <a:cs typeface="Times New Roman" panose="02020603050405020304" pitchFamily="18" charset="0"/>
-              </a:rPr>
-              <a:t> </a:t>
-            </a:r>
-            <a:r>
-              <a:rPr lang="en-US" dirty="0" err="1">
-                <a:latin typeface="+mn-lt"/>
-                <a:cs typeface="Times New Roman" panose="02020603050405020304" pitchFamily="18" charset="0"/>
-              </a:rPr>
-              <a:t>Hàm</a:t>
-            </a:r>
-            <a:r>
-              <a:rPr lang="en-US" dirty="0">
-                <a:latin typeface="+mn-lt"/>
-                <a:cs typeface="Times New Roman" panose="02020603050405020304" pitchFamily="18" charset="0"/>
-              </a:rPr>
-              <a:t> “update”</a:t>
-            </a:r>
-          </a:p>
-          <a:p>
-            <a:pPr>
-              <a:buFont typeface="Courier New" panose="02070309020205020404" pitchFamily="49" charset="0"/>
-              <a:buChar char="o"/>
-            </a:pPr>
-            <a:r>
-              <a:rPr lang="en-US" dirty="0">
-                <a:latin typeface="+mn-lt"/>
-                <a:cs typeface="Times New Roman" panose="02020603050405020304" pitchFamily="18" charset="0"/>
-              </a:rPr>
-              <a:t> </a:t>
-            </a:r>
-            <a:r>
-              <a:rPr lang="en-US" dirty="0" err="1">
-                <a:latin typeface="+mn-lt"/>
-                <a:cs typeface="Times New Roman" panose="02020603050405020304" pitchFamily="18" charset="0"/>
-              </a:rPr>
-              <a:t>Hàm</a:t>
-            </a:r>
-            <a:r>
-              <a:rPr lang="en-US" dirty="0">
-                <a:latin typeface="+mn-lt"/>
-                <a:cs typeface="Times New Roman" panose="02020603050405020304" pitchFamily="18" charset="0"/>
-              </a:rPr>
-              <a:t> “</a:t>
-            </a:r>
-            <a:r>
-              <a:rPr lang="en-US" dirty="0" err="1">
-                <a:latin typeface="+mn-lt"/>
-                <a:cs typeface="Times New Roman" panose="02020603050405020304" pitchFamily="18" charset="0"/>
-              </a:rPr>
-              <a:t>showPopup</a:t>
-            </a:r>
-            <a:r>
-              <a:rPr lang="en-US" dirty="0">
-                <a:latin typeface="+mn-lt"/>
-                <a:cs typeface="Times New Roman" panose="02020603050405020304" pitchFamily="18" charset="0"/>
-              </a:rPr>
-              <a:t>”</a:t>
-            </a:r>
-          </a:p>
-          <a:p>
-            <a:pPr>
-              <a:buFont typeface="Courier New" panose="02070309020205020404" pitchFamily="49" charset="0"/>
-              <a:buChar char="o"/>
-            </a:pPr>
-            <a:r>
-              <a:rPr lang="en-US" dirty="0">
-                <a:latin typeface="+mn-lt"/>
-                <a:cs typeface="Times New Roman" panose="02020603050405020304" pitchFamily="18" charset="0"/>
-              </a:rPr>
-              <a:t> </a:t>
-            </a:r>
-            <a:r>
-              <a:rPr lang="en-US" dirty="0" err="1">
-                <a:latin typeface="+mn-lt"/>
-                <a:cs typeface="Times New Roman" panose="02020603050405020304" pitchFamily="18" charset="0"/>
-              </a:rPr>
-              <a:t>Hàm</a:t>
-            </a:r>
-            <a:r>
-              <a:rPr lang="en-US" dirty="0">
-                <a:latin typeface="+mn-lt"/>
-                <a:cs typeface="Times New Roman" panose="02020603050405020304" pitchFamily="18" charset="0"/>
-              </a:rPr>
-              <a:t> “</a:t>
-            </a:r>
-            <a:r>
-              <a:rPr lang="en-US" dirty="0" err="1">
-                <a:latin typeface="+mn-lt"/>
-                <a:cs typeface="Times New Roman" panose="02020603050405020304" pitchFamily="18" charset="0"/>
-              </a:rPr>
-              <a:t>buttonConfigWifi</a:t>
-            </a:r>
-            <a:r>
-              <a:rPr lang="en-US" dirty="0">
-                <a:latin typeface="+mn-lt"/>
-                <a:cs typeface="Times New Roman" panose="02020603050405020304" pitchFamily="18" charset="0"/>
-              </a:rPr>
-              <a:t>”</a:t>
-            </a:r>
-          </a:p>
-          <a:p>
-            <a:r>
-              <a:rPr lang="en-US" dirty="0" err="1">
-                <a:latin typeface="+mn-lt"/>
-                <a:cs typeface="Times New Roman" panose="02020603050405020304" pitchFamily="18" charset="0"/>
-              </a:rPr>
-              <a:t>Lớp</a:t>
-            </a:r>
-            <a:r>
-              <a:rPr lang="en-US" dirty="0">
-                <a:latin typeface="+mn-lt"/>
-                <a:cs typeface="Times New Roman" panose="02020603050405020304" pitchFamily="18" charset="0"/>
-              </a:rPr>
-              <a:t> </a:t>
-            </a:r>
-            <a:r>
-              <a:rPr lang="en-US" dirty="0" err="1">
-                <a:latin typeface="+mn-lt"/>
-                <a:cs typeface="Times New Roman" panose="02020603050405020304" pitchFamily="18" charset="0"/>
-              </a:rPr>
-              <a:t>giao</a:t>
-            </a:r>
-            <a:r>
-              <a:rPr lang="en-US" dirty="0">
-                <a:latin typeface="+mn-lt"/>
-                <a:cs typeface="Times New Roman" panose="02020603050405020304" pitchFamily="18" charset="0"/>
-              </a:rPr>
-              <a:t> </a:t>
-            </a:r>
-            <a:r>
-              <a:rPr lang="en-US" dirty="0" err="1">
-                <a:latin typeface="+mn-lt"/>
-                <a:cs typeface="Times New Roman" panose="02020603050405020304" pitchFamily="18" charset="0"/>
-              </a:rPr>
-              <a:t>diện</a:t>
-            </a:r>
-            <a:r>
-              <a:rPr lang="en-US" dirty="0">
-                <a:latin typeface="+mn-lt"/>
-                <a:cs typeface="Times New Roman" panose="02020603050405020304" pitchFamily="18" charset="0"/>
-              </a:rPr>
-              <a:t> </a:t>
-            </a:r>
-            <a:r>
-              <a:rPr lang="en-US" dirty="0" err="1">
-                <a:latin typeface="+mn-lt"/>
-                <a:cs typeface="Times New Roman" panose="02020603050405020304" pitchFamily="18" charset="0"/>
-              </a:rPr>
-              <a:t>cửa</a:t>
-            </a:r>
-            <a:r>
-              <a:rPr lang="en-US" dirty="0">
-                <a:latin typeface="+mn-lt"/>
-                <a:cs typeface="Times New Roman" panose="02020603050405020304" pitchFamily="18" charset="0"/>
-              </a:rPr>
-              <a:t> </a:t>
-            </a:r>
-            <a:r>
-              <a:rPr lang="en-US" dirty="0" err="1">
-                <a:latin typeface="+mn-lt"/>
-                <a:cs typeface="Times New Roman" panose="02020603050405020304" pitchFamily="18" charset="0"/>
-              </a:rPr>
-              <a:t>sổ</a:t>
-            </a:r>
-            <a:r>
-              <a:rPr lang="en-US" dirty="0">
-                <a:latin typeface="+mn-lt"/>
-                <a:cs typeface="Times New Roman" panose="02020603050405020304" pitchFamily="18" charset="0"/>
-              </a:rPr>
-              <a:t> </a:t>
-            </a:r>
-            <a:r>
-              <a:rPr lang="en-US" dirty="0" err="1">
-                <a:latin typeface="+mn-lt"/>
-                <a:cs typeface="Times New Roman" panose="02020603050405020304" pitchFamily="18" charset="0"/>
-              </a:rPr>
-              <a:t>thông</a:t>
-            </a:r>
-            <a:r>
-              <a:rPr lang="en-US" dirty="0">
-                <a:latin typeface="+mn-lt"/>
-                <a:cs typeface="Times New Roman" panose="02020603050405020304" pitchFamily="18" charset="0"/>
-              </a:rPr>
-              <a:t> </a:t>
-            </a:r>
-            <a:r>
-              <a:rPr lang="en-US" dirty="0" err="1">
-                <a:latin typeface="+mn-lt"/>
-                <a:cs typeface="Times New Roman" panose="02020603050405020304" pitchFamily="18" charset="0"/>
-              </a:rPr>
-              <a:t>báo</a:t>
-            </a:r>
-            <a:endParaRPr lang="en-US" dirty="0">
-              <a:latin typeface="+mn-lt"/>
-              <a:cs typeface="Times New Roman" panose="02020603050405020304" pitchFamily="18" charset="0"/>
-            </a:endParaRPr>
-          </a:p>
-          <a:p>
-            <a:pPr>
-              <a:buFont typeface="Courier New" panose="02070309020205020404" pitchFamily="49" charset="0"/>
-              <a:buChar char="o"/>
-            </a:pPr>
-            <a:r>
-              <a:rPr lang="en-US" dirty="0">
-                <a:latin typeface="+mn-lt"/>
-                <a:cs typeface="Times New Roman" panose="02020603050405020304" pitchFamily="18" charset="0"/>
-              </a:rPr>
-              <a:t> </a:t>
-            </a:r>
-            <a:r>
-              <a:rPr lang="en-US" dirty="0" err="1">
-                <a:latin typeface="+mn-lt"/>
-                <a:cs typeface="Times New Roman" panose="02020603050405020304" pitchFamily="18" charset="0"/>
-              </a:rPr>
-              <a:t>Lớp</a:t>
-            </a:r>
-            <a:r>
-              <a:rPr lang="en-US" dirty="0">
-                <a:latin typeface="+mn-lt"/>
-                <a:cs typeface="Times New Roman" panose="02020603050405020304" pitchFamily="18" charset="0"/>
-              </a:rPr>
-              <a:t> cha “</a:t>
-            </a:r>
-            <a:r>
-              <a:rPr lang="en-US" dirty="0" err="1">
-                <a:latin typeface="+mn-lt"/>
-                <a:cs typeface="Times New Roman" panose="02020603050405020304" pitchFamily="18" charset="0"/>
-              </a:rPr>
-              <a:t>FloatLayout</a:t>
-            </a:r>
-            <a:r>
-              <a:rPr lang="en-US" dirty="0">
-                <a:latin typeface="+mn-lt"/>
-                <a:cs typeface="Times New Roman" panose="02020603050405020304" pitchFamily="18" charset="0"/>
-              </a:rPr>
-              <a:t>”</a:t>
-            </a:r>
-          </a:p>
-          <a:p>
-            <a:pPr>
-              <a:buFont typeface="Courier New" panose="02070309020205020404" pitchFamily="49" charset="0"/>
-              <a:buChar char="o"/>
-            </a:pPr>
-            <a:r>
-              <a:rPr lang="en-US" dirty="0">
-                <a:latin typeface="+mn-lt"/>
-                <a:cs typeface="Times New Roman" panose="02020603050405020304" pitchFamily="18" charset="0"/>
-              </a:rPr>
-              <a:t> </a:t>
-            </a:r>
-            <a:r>
-              <a:rPr lang="en-US" dirty="0" err="1">
-                <a:latin typeface="+mn-lt"/>
-                <a:cs typeface="Times New Roman" panose="02020603050405020304" pitchFamily="18" charset="0"/>
-              </a:rPr>
-              <a:t>Hàm</a:t>
-            </a:r>
-            <a:r>
-              <a:rPr lang="en-US" dirty="0">
-                <a:latin typeface="+mn-lt"/>
-                <a:cs typeface="Times New Roman" panose="02020603050405020304" pitchFamily="18" charset="0"/>
-              </a:rPr>
-              <a:t> “switch”</a:t>
-            </a:r>
-          </a:p>
-          <a:p>
-            <a:pPr>
-              <a:buFont typeface="Courier New" panose="02070309020205020404" pitchFamily="49" charset="0"/>
-              <a:buChar char="o"/>
-            </a:pPr>
-            <a:r>
-              <a:rPr lang="en-US" dirty="0">
-                <a:latin typeface="+mn-lt"/>
-                <a:cs typeface="Times New Roman" panose="02020603050405020304" pitchFamily="18" charset="0"/>
-              </a:rPr>
-              <a:t> </a:t>
-            </a:r>
-            <a:r>
-              <a:rPr lang="en-US" dirty="0" err="1">
-                <a:latin typeface="+mn-lt"/>
-                <a:cs typeface="Times New Roman" panose="02020603050405020304" pitchFamily="18" charset="0"/>
-              </a:rPr>
-              <a:t>Hàm</a:t>
-            </a:r>
-            <a:r>
-              <a:rPr lang="en-US" dirty="0">
-                <a:latin typeface="+mn-lt"/>
-                <a:cs typeface="Times New Roman" panose="02020603050405020304" pitchFamily="18" charset="0"/>
-              </a:rPr>
-              <a:t> “close”</a:t>
-            </a:r>
-          </a:p>
-        </p:txBody>
-      </p:sp>
-      <p:sp>
-        <p:nvSpPr>
-          <p:cNvPr id="4" name="Title 3">
-            <a:extLst>
-              <a:ext uri="{FF2B5EF4-FFF2-40B4-BE49-F238E27FC236}">
-                <a16:creationId xmlns:a16="http://schemas.microsoft.com/office/drawing/2014/main" id="{52E18D06-2298-4C20-BF3D-F4536777C955}"/>
-              </a:ext>
-            </a:extLst>
-          </p:cNvPr>
-          <p:cNvSpPr>
-            <a:spLocks noGrp="1"/>
-          </p:cNvSpPr>
-          <p:nvPr>
-            <p:ph type="title"/>
-          </p:nvPr>
-        </p:nvSpPr>
-        <p:spPr>
-          <a:xfrm>
-            <a:off x="338736" y="88019"/>
-            <a:ext cx="11514528" cy="436098"/>
-          </a:xfrm>
-        </p:spPr>
-        <p:txBody>
-          <a:bodyPr/>
-          <a:lstStyle/>
-          <a:p>
-            <a:r>
-              <a:rPr lang="en-US">
-                <a:latin typeface="+mn-lt"/>
-                <a:cs typeface="Times New Roman" panose="02020603050405020304" pitchFamily="18" charset="0"/>
-              </a:rPr>
-              <a:t>2. Phân tích và thiết kế</a:t>
-            </a:r>
-          </a:p>
-        </p:txBody>
-      </p:sp>
-      <p:sp>
-        <p:nvSpPr>
-          <p:cNvPr id="7" name="Text Placeholder 2">
-            <a:extLst>
-              <a:ext uri="{FF2B5EF4-FFF2-40B4-BE49-F238E27FC236}">
-                <a16:creationId xmlns:a16="http://schemas.microsoft.com/office/drawing/2014/main" id="{059B3717-B2D0-4B96-9F54-9839402C59DF}"/>
-              </a:ext>
-            </a:extLst>
-          </p:cNvPr>
-          <p:cNvSpPr txBox="1">
-            <a:spLocks/>
-          </p:cNvSpPr>
-          <p:nvPr/>
-        </p:nvSpPr>
-        <p:spPr>
-          <a:xfrm>
-            <a:off x="11240542" y="5967968"/>
-            <a:ext cx="612722" cy="436098"/>
-          </a:xfrm>
-          <a:prstGeom prst="rect">
-            <a:avLst/>
-          </a:prstGeom>
-        </p:spPr>
-        <p:txBody>
-          <a:bodyPr/>
-          <a:lstStyle>
-            <a:lvl1pPr marL="228600" indent="-228600" algn="l" defTabSz="914400" rtl="0" eaLnBrk="1" latinLnBrk="0" hangingPunct="1">
-              <a:lnSpc>
-                <a:spcPct val="90000"/>
-              </a:lnSpc>
-              <a:spcBef>
-                <a:spcPts val="1000"/>
-              </a:spcBef>
-              <a:buFont typeface="Arial" panose="020B0604020202020204" pitchFamily="34" charset="0"/>
-              <a:buChar char="•"/>
-              <a:defRPr sz="2800" kern="1200">
-                <a:solidFill>
-                  <a:schemeClr val="tx1"/>
-                </a:solidFill>
-                <a:latin typeface="Lato" panose="020F0502020204030203" pitchFamily="34" charset="0"/>
-                <a:ea typeface="Lato" panose="020F0502020204030203" pitchFamily="34" charset="0"/>
-                <a:cs typeface="Lato" panose="020F0502020204030203" pitchFamily="34" charset="0"/>
-              </a:defRPr>
-            </a:lvl1pPr>
-            <a:lvl2pPr marL="685800" indent="-228600" algn="l" defTabSz="914400" rtl="0" eaLnBrk="1" latinLnBrk="0" hangingPunct="1">
-              <a:lnSpc>
-                <a:spcPct val="90000"/>
-              </a:lnSpc>
-              <a:spcBef>
-                <a:spcPts val="500"/>
-              </a:spcBef>
-              <a:buFont typeface="Arial" panose="020B0604020202020204" pitchFamily="34" charset="0"/>
-              <a:buChar char="•"/>
-              <a:defRPr sz="2400" kern="1200">
-                <a:solidFill>
-                  <a:schemeClr val="tx1"/>
-                </a:solidFill>
-                <a:latin typeface="Lato" panose="020F0502020204030203" pitchFamily="34" charset="0"/>
-                <a:ea typeface="Lato" panose="020F0502020204030203" pitchFamily="34" charset="0"/>
-                <a:cs typeface="Lato" panose="020F0502020204030203" pitchFamily="34" charset="0"/>
-              </a:defRPr>
-            </a:lvl2pPr>
-            <a:lvl3pPr marL="1143000" indent="-228600" algn="l" defTabSz="914400" rtl="0" eaLnBrk="1" latinLnBrk="0" hangingPunct="1">
-              <a:lnSpc>
-                <a:spcPct val="90000"/>
-              </a:lnSpc>
-              <a:spcBef>
-                <a:spcPts val="500"/>
-              </a:spcBef>
-              <a:buFont typeface="Arial" panose="020B0604020202020204" pitchFamily="34" charset="0"/>
-              <a:buChar char="•"/>
-              <a:defRPr sz="2000" kern="1200">
-                <a:solidFill>
-                  <a:schemeClr val="tx1"/>
-                </a:solidFill>
-                <a:latin typeface="Lato" panose="020F0502020204030203" pitchFamily="34" charset="0"/>
-                <a:ea typeface="Lato" panose="020F0502020204030203" pitchFamily="34" charset="0"/>
-                <a:cs typeface="Lato" panose="020F0502020204030203" pitchFamily="34" charset="0"/>
-              </a:defRPr>
-            </a:lvl3pPr>
-            <a:lvl4pPr marL="1600200" indent="-228600" algn="l" defTabSz="914400" rtl="0" eaLnBrk="1" latinLnBrk="0" hangingPunct="1">
-              <a:lnSpc>
-                <a:spcPct val="90000"/>
-              </a:lnSpc>
-              <a:spcBef>
-                <a:spcPts val="500"/>
-              </a:spcBef>
-              <a:buFont typeface="Arial" panose="020B0604020202020204" pitchFamily="34" charset="0"/>
-              <a:buChar char="•"/>
-              <a:defRPr sz="1800" kern="1200">
-                <a:solidFill>
-                  <a:schemeClr val="tx1"/>
-                </a:solidFill>
-                <a:latin typeface="Lato" panose="020F0502020204030203" pitchFamily="34" charset="0"/>
-                <a:ea typeface="Lato" panose="020F0502020204030203" pitchFamily="34" charset="0"/>
-                <a:cs typeface="Lato" panose="020F0502020204030203" pitchFamily="34" charset="0"/>
-              </a:defRPr>
-            </a:lvl4pPr>
-            <a:lvl5pPr marL="2057400" indent="-228600" algn="l" defTabSz="914400" rtl="0" eaLnBrk="1" latinLnBrk="0" hangingPunct="1">
-              <a:lnSpc>
-                <a:spcPct val="90000"/>
-              </a:lnSpc>
-              <a:spcBef>
-                <a:spcPts val="500"/>
-              </a:spcBef>
-              <a:buFont typeface="Arial" panose="020B0604020202020204" pitchFamily="34" charset="0"/>
-              <a:buChar char="•"/>
-              <a:defRPr sz="1800" kern="1200">
-                <a:solidFill>
-                  <a:schemeClr val="tx1"/>
-                </a:solidFill>
-                <a:latin typeface="Lato" panose="020F0502020204030203" pitchFamily="34" charset="0"/>
-                <a:ea typeface="Lato" panose="020F0502020204030203" pitchFamily="34" charset="0"/>
-                <a:cs typeface="Lato" panose="020F0502020204030203" pitchFamily="34" charset="0"/>
-              </a:defRPr>
-            </a:lvl5pPr>
-            <a:lvl6pPr marL="2514600" indent="-228600" algn="l" defTabSz="914400" rtl="0" eaLnBrk="1" latinLnBrk="0" hangingPunct="1">
-              <a:lnSpc>
-                <a:spcPct val="90000"/>
-              </a:lnSpc>
-              <a:spcBef>
-                <a:spcPts val="500"/>
-              </a:spcBef>
-              <a:buFont typeface="Arial" panose="020B0604020202020204" pitchFamily="34" charset="0"/>
-              <a:buChar char="•"/>
-              <a:defRPr sz="1800" kern="1200">
-                <a:solidFill>
-                  <a:schemeClr val="tx1"/>
-                </a:solidFill>
-                <a:latin typeface="+mn-lt"/>
-                <a:ea typeface="+mn-ea"/>
-                <a:cs typeface="+mn-cs"/>
-              </a:defRPr>
-            </a:lvl6pPr>
-            <a:lvl7pPr marL="2971800" indent="-228600" algn="l" defTabSz="914400" rtl="0" eaLnBrk="1" latinLnBrk="0" hangingPunct="1">
-              <a:lnSpc>
-                <a:spcPct val="90000"/>
-              </a:lnSpc>
-              <a:spcBef>
-                <a:spcPts val="500"/>
-              </a:spcBef>
-              <a:buFont typeface="Arial" panose="020B0604020202020204" pitchFamily="34" charset="0"/>
-              <a:buChar char="•"/>
-              <a:defRPr sz="1800" kern="1200">
-                <a:solidFill>
-                  <a:schemeClr val="tx1"/>
-                </a:solidFill>
-                <a:latin typeface="+mn-lt"/>
-                <a:ea typeface="+mn-ea"/>
-                <a:cs typeface="+mn-cs"/>
-              </a:defRPr>
-            </a:lvl7pPr>
-            <a:lvl8pPr marL="3429000" indent="-228600" algn="l" defTabSz="914400" rtl="0" eaLnBrk="1" latinLnBrk="0" hangingPunct="1">
-              <a:lnSpc>
-                <a:spcPct val="90000"/>
-              </a:lnSpc>
-              <a:spcBef>
-                <a:spcPts val="500"/>
-              </a:spcBef>
-              <a:buFont typeface="Arial" panose="020B0604020202020204" pitchFamily="34" charset="0"/>
-              <a:buChar char="•"/>
-              <a:defRPr sz="1800" kern="1200">
-                <a:solidFill>
-                  <a:schemeClr val="tx1"/>
-                </a:solidFill>
-                <a:latin typeface="+mn-lt"/>
-                <a:ea typeface="+mn-ea"/>
-                <a:cs typeface="+mn-cs"/>
-              </a:defRPr>
-            </a:lvl8pPr>
-            <a:lvl9pPr marL="3886200" indent="-228600" algn="l" defTabSz="914400" rtl="0" eaLnBrk="1" latinLnBrk="0" hangingPunct="1">
-              <a:lnSpc>
-                <a:spcPct val="90000"/>
-              </a:lnSpc>
-              <a:spcBef>
-                <a:spcPts val="500"/>
-              </a:spcBef>
-              <a:buFont typeface="Arial" panose="020B0604020202020204" pitchFamily="34" charset="0"/>
-              <a:buChar char="•"/>
-              <a:defRPr sz="1800" kern="1200">
-                <a:solidFill>
-                  <a:schemeClr val="tx1"/>
-                </a:solidFill>
-                <a:latin typeface="+mn-lt"/>
-                <a:ea typeface="+mn-ea"/>
-                <a:cs typeface="+mn-cs"/>
-              </a:defRPr>
-            </a:lvl9pPr>
-          </a:lstStyle>
-          <a:p>
-            <a:pPr marL="0" indent="0" algn="ctr">
-              <a:buFont typeface="Arial" panose="020B0604020202020204" pitchFamily="34" charset="0"/>
-              <a:buNone/>
-            </a:pPr>
-            <a:r>
-              <a:rPr lang="en-US" dirty="0">
-                <a:latin typeface="Times New Roman" panose="02020603050405020304" pitchFamily="18" charset="0"/>
-                <a:cs typeface="Times New Roman" panose="02020603050405020304" pitchFamily="18" charset="0"/>
-              </a:rPr>
-              <a:t>22</a:t>
-            </a:r>
-            <a:endParaRPr lang="vi-VN" dirty="0">
-              <a:latin typeface="Times New Roman" panose="02020603050405020304" pitchFamily="18" charset="0"/>
-              <a:cs typeface="Times New Roman" panose="02020603050405020304" pitchFamily="18" charset="0"/>
-            </a:endParaRPr>
-          </a:p>
-        </p:txBody>
-      </p:sp>
-    </p:spTree>
-    <p:extLst>
-      <p:ext uri="{BB962C8B-B14F-4D97-AF65-F5344CB8AC3E}">
-        <p14:creationId xmlns:p14="http://schemas.microsoft.com/office/powerpoint/2010/main" val="4097433768"/>
-      </p:ext>
-    </p:extLst>
-  </p:cSld>
-  <p:clrMapOvr>
-    <a:masterClrMapping/>
-  </p:clrMapOvr>
-</p:sld>
-</file>
-
-<file path=ppt/slides/slide22.xml><?xml version="1.0" encoding="utf-8"?>
-<p:sld xmlns:a="http://schemas.openxmlformats.org/drawingml/2006/main" xmlns:r="http://schemas.openxmlformats.org/officeDocument/2006/relationships" xmlns:p="http://schemas.openxmlformats.org/presentationml/2006/main">
-  <p:cSld>
-    <p:spTree>
-      <p:nvGrpSpPr>
-        <p:cNvPr id="1" name=""/>
-        <p:cNvGrpSpPr/>
-        <p:nvPr/>
-      </p:nvGrpSpPr>
-      <p:grpSpPr>
-        <a:xfrm>
-          <a:off x="0" y="0"/>
-          <a:ext cx="0" cy="0"/>
-          <a:chOff x="0" y="0"/>
-          <a:chExt cx="0" cy="0"/>
-        </a:xfrm>
-      </p:grpSpPr>
-      <p:sp>
-        <p:nvSpPr>
-          <p:cNvPr id="5" name="Content Placeholder 4">
-            <a:extLst>
-              <a:ext uri="{FF2B5EF4-FFF2-40B4-BE49-F238E27FC236}">
-                <a16:creationId xmlns:a16="http://schemas.microsoft.com/office/drawing/2014/main" id="{82AD3B8F-023F-4D30-80AA-BE5F44F41593}"/>
-              </a:ext>
-            </a:extLst>
-          </p:cNvPr>
-          <p:cNvSpPr>
-            <a:spLocks noGrp="1"/>
-          </p:cNvSpPr>
-          <p:nvPr>
-            <p:ph sz="quarter" idx="10"/>
-          </p:nvPr>
-        </p:nvSpPr>
         <p:spPr/>
         <p:txBody>
           <a:bodyPr/>
@@ -16280,7 +15067,7 @@
 </p:sld>
 </file>
 
-<file path=ppt/slides/slide23.xml><?xml version="1.0" encoding="utf-8"?>
+<file path=ppt/slides/slide21.xml><?xml version="1.0" encoding="utf-8"?>
 <p:sld xmlns:a="http://schemas.openxmlformats.org/drawingml/2006/main" xmlns:r="http://schemas.openxmlformats.org/officeDocument/2006/relationships" xmlns:p="http://schemas.openxmlformats.org/presentationml/2006/main">
   <p:cSld>
     <p:spTree>
@@ -16990,7 +15777,7 @@
 </p:sld>
 </file>
 
-<file path=ppt/slides/slide24.xml><?xml version="1.0" encoding="utf-8"?>
+<file path=ppt/slides/slide22.xml><?xml version="1.0" encoding="utf-8"?>
 <p:sld xmlns:a="http://schemas.openxmlformats.org/drawingml/2006/main" xmlns:r="http://schemas.openxmlformats.org/officeDocument/2006/relationships" xmlns:p="http://schemas.openxmlformats.org/presentationml/2006/main">
   <p:cSld>
     <p:spTree>
@@ -17365,7 +16152,7 @@
 </p:sld>
 </file>
 
-<file path=ppt/slides/slide25.xml><?xml version="1.0" encoding="utf-8"?>
+<file path=ppt/slides/slide23.xml><?xml version="1.0" encoding="utf-8"?>
 <p:sld xmlns:a="http://schemas.openxmlformats.org/drawingml/2006/main" xmlns:r="http://schemas.openxmlformats.org/officeDocument/2006/relationships" xmlns:p="http://schemas.openxmlformats.org/presentationml/2006/main">
   <p:cSld>
     <p:spTree>
@@ -17948,7 +16735,7 @@
                         </a:spcAft>
                       </a:pPr>
                       <a:r>
-                        <a:rPr lang="en-US" sz="1800">
+                        <a:rPr lang="en-US" sz="1800" dirty="0" err="1">
                           <a:solidFill>
                             <a:schemeClr val="tx1"/>
                           </a:solidFill>
@@ -17956,9 +16743,108 @@
                           <a:latin typeface="+mn-lt"/>
                           <a:cs typeface="Times New Roman" panose="02020603050405020304" pitchFamily="18" charset="0"/>
                         </a:rPr>
-                        <a:t>Thời gian phản hồi (giây)</a:t>
+                        <a:t>Thời</a:t>
                       </a:r>
-                      <a:endParaRPr lang="en-US" sz="1600">
+                      <a:r>
+                        <a:rPr lang="en-US" sz="1800" dirty="0">
+                          <a:solidFill>
+                            <a:schemeClr val="tx1"/>
+                          </a:solidFill>
+                          <a:effectLst/>
+                          <a:latin typeface="+mn-lt"/>
+                          <a:cs typeface="Times New Roman" panose="02020603050405020304" pitchFamily="18" charset="0"/>
+                        </a:rPr>
+                        <a:t> </a:t>
+                      </a:r>
+                      <a:r>
+                        <a:rPr lang="en-US" sz="1800" dirty="0" err="1">
+                          <a:solidFill>
+                            <a:schemeClr val="tx1"/>
+                          </a:solidFill>
+                          <a:effectLst/>
+                          <a:latin typeface="+mn-lt"/>
+                          <a:cs typeface="Times New Roman" panose="02020603050405020304" pitchFamily="18" charset="0"/>
+                        </a:rPr>
+                        <a:t>gian</a:t>
+                      </a:r>
+                      <a:r>
+                        <a:rPr lang="en-US" sz="1800" dirty="0">
+                          <a:solidFill>
+                            <a:schemeClr val="tx1"/>
+                          </a:solidFill>
+                          <a:effectLst/>
+                          <a:latin typeface="+mn-lt"/>
+                          <a:cs typeface="Times New Roman" panose="02020603050405020304" pitchFamily="18" charset="0"/>
+                        </a:rPr>
+                        <a:t> </a:t>
+                      </a:r>
+                      <a:r>
+                        <a:rPr lang="en-US" sz="1800" dirty="0" err="1">
+                          <a:solidFill>
+                            <a:schemeClr val="tx1"/>
+                          </a:solidFill>
+                          <a:effectLst/>
+                          <a:latin typeface="+mn-lt"/>
+                          <a:cs typeface="Times New Roman" panose="02020603050405020304" pitchFamily="18" charset="0"/>
+                        </a:rPr>
+                        <a:t>phản</a:t>
+                      </a:r>
+                      <a:r>
+                        <a:rPr lang="en-US" sz="1800" dirty="0">
+                          <a:solidFill>
+                            <a:schemeClr val="tx1"/>
+                          </a:solidFill>
+                          <a:effectLst/>
+                          <a:latin typeface="+mn-lt"/>
+                          <a:cs typeface="Times New Roman" panose="02020603050405020304" pitchFamily="18" charset="0"/>
+                        </a:rPr>
+                        <a:t> </a:t>
+                      </a:r>
+                      <a:r>
+                        <a:rPr lang="en-US" sz="1800" dirty="0" err="1">
+                          <a:solidFill>
+                            <a:schemeClr val="tx1"/>
+                          </a:solidFill>
+                          <a:effectLst/>
+                          <a:latin typeface="+mn-lt"/>
+                          <a:cs typeface="Times New Roman" panose="02020603050405020304" pitchFamily="18" charset="0"/>
+                        </a:rPr>
+                        <a:t>hồi</a:t>
+                      </a:r>
+                      <a:r>
+                        <a:rPr lang="en-US" sz="1800" dirty="0">
+                          <a:solidFill>
+                            <a:schemeClr val="tx1"/>
+                          </a:solidFill>
+                          <a:effectLst/>
+                          <a:latin typeface="+mn-lt"/>
+                          <a:cs typeface="Times New Roman" panose="02020603050405020304" pitchFamily="18" charset="0"/>
+                        </a:rPr>
+                        <a:t> (</a:t>
+                      </a:r>
+                      <a:r>
+                        <a:rPr lang="en-US" sz="1800" dirty="0" err="1">
+                          <a:solidFill>
+                            <a:schemeClr val="tx1"/>
+                          </a:solidFill>
+                          <a:effectLst/>
+                          <a:latin typeface="+mn-lt"/>
+                          <a:cs typeface="Times New Roman" panose="02020603050405020304" pitchFamily="18" charset="0"/>
+                        </a:rPr>
+                        <a:t>giây</a:t>
+                      </a:r>
+                      <a:r>
+                        <a:rPr lang="en-US" sz="1800" dirty="0">
+                          <a:solidFill>
+                            <a:schemeClr val="tx1"/>
+                          </a:solidFill>
+                          <a:effectLst/>
+                          <a:latin typeface="+mn-lt"/>
+                          <a:cs typeface="Times New Roman" panose="02020603050405020304" pitchFamily="18" charset="0"/>
+                        </a:rPr>
+                        <a:t>)</a:t>
+                      </a:r>
+                      <a:endParaRPr lang="en-US" sz="1600" dirty="0">
                         <a:solidFill>
                           <a:schemeClr val="tx1"/>
                         </a:solidFill>
@@ -21716,7 +20602,7 @@
 </p:sld>
 </file>
 
-<file path=ppt/slides/slide26.xml><?xml version="1.0" encoding="utf-8"?>
+<file path=ppt/slides/slide24.xml><?xml version="1.0" encoding="utf-8"?>
 <p:sld xmlns:a="http://schemas.openxmlformats.org/drawingml/2006/main" xmlns:r="http://schemas.openxmlformats.org/officeDocument/2006/relationships" xmlns:p="http://schemas.openxmlformats.org/presentationml/2006/main">
   <p:cSld>
     <p:spTree>
@@ -23376,7 +22262,7 @@
 </p:sld>
 </file>
 
-<file path=ppt/slides/slide27.xml><?xml version="1.0" encoding="utf-8"?>
+<file path=ppt/slides/slide25.xml><?xml version="1.0" encoding="utf-8"?>
 <p:sld xmlns:a="http://schemas.openxmlformats.org/drawingml/2006/main" xmlns:r="http://schemas.openxmlformats.org/officeDocument/2006/relationships" xmlns:p="http://schemas.openxmlformats.org/presentationml/2006/main">
   <p:cSld>
     <p:spTree>
@@ -26534,11 +25420,120 @@
               <a:buNone/>
             </a:pPr>
             <a:r>
-              <a:rPr lang="en-US">
-                <a:latin typeface="+mn-lt"/>
-                <a:cs typeface="Times New Roman" panose="02020603050405020304" pitchFamily="18" charset="0"/>
-              </a:rPr>
-              <a:t>Mô-đun ESP8266 V12</a:t>
+              <a:rPr lang="en-US" dirty="0" err="1">
+                <a:latin typeface="+mn-lt"/>
+                <a:cs typeface="Times New Roman" panose="02020603050405020304" pitchFamily="18" charset="0"/>
+              </a:rPr>
+              <a:t>Mô-đun</a:t>
+            </a:r>
+            <a:r>
+              <a:rPr lang="en-US" dirty="0">
+                <a:latin typeface="+mn-lt"/>
+                <a:cs typeface="Times New Roman" panose="02020603050405020304" pitchFamily="18" charset="0"/>
+              </a:rPr>
+              <a:t> ESP8266 V12</a:t>
+            </a:r>
+          </a:p>
+          <a:p>
+            <a:r>
+              <a:rPr lang="en-US" dirty="0">
+                <a:latin typeface="+mn-lt"/>
+                <a:cs typeface="Times New Roman" panose="02020603050405020304" pitchFamily="18" charset="0"/>
+              </a:rPr>
+              <a:t>4 MiB </a:t>
+            </a:r>
+            <a:r>
+              <a:rPr lang="en-US" dirty="0" err="1">
+                <a:latin typeface="+mn-lt"/>
+                <a:cs typeface="Times New Roman" panose="02020603050405020304" pitchFamily="18" charset="0"/>
+              </a:rPr>
+              <a:t>bộ</a:t>
+            </a:r>
+            <a:r>
+              <a:rPr lang="en-US" dirty="0">
+                <a:latin typeface="+mn-lt"/>
+                <a:cs typeface="Times New Roman" panose="02020603050405020304" pitchFamily="18" charset="0"/>
+              </a:rPr>
+              <a:t> </a:t>
+            </a:r>
+            <a:r>
+              <a:rPr lang="en-US" dirty="0" err="1">
+                <a:latin typeface="+mn-lt"/>
+                <a:cs typeface="Times New Roman" panose="02020603050405020304" pitchFamily="18" charset="0"/>
+              </a:rPr>
+              <a:t>nhớ</a:t>
+            </a:r>
+            <a:r>
+              <a:rPr lang="en-US" dirty="0">
+                <a:latin typeface="+mn-lt"/>
+                <a:cs typeface="Times New Roman" panose="02020603050405020304" pitchFamily="18" charset="0"/>
+              </a:rPr>
+              <a:t> Flash, 64 KB SRAM</a:t>
+            </a:r>
+          </a:p>
+          <a:p>
+            <a:r>
+              <a:rPr lang="en-US" dirty="0" err="1">
+                <a:latin typeface="+mn-lt"/>
+                <a:cs typeface="Times New Roman" panose="02020603050405020304" pitchFamily="18" charset="0"/>
+              </a:rPr>
+              <a:t>Công</a:t>
+            </a:r>
+            <a:r>
+              <a:rPr lang="en-US" dirty="0">
+                <a:latin typeface="+mn-lt"/>
+                <a:cs typeface="Times New Roman" panose="02020603050405020304" pitchFamily="18" charset="0"/>
+              </a:rPr>
+              <a:t> </a:t>
+            </a:r>
+            <a:r>
+              <a:rPr lang="en-US" dirty="0" err="1">
+                <a:latin typeface="+mn-lt"/>
+                <a:cs typeface="Times New Roman" panose="02020603050405020304" pitchFamily="18" charset="0"/>
+              </a:rPr>
+              <a:t>suất</a:t>
+            </a:r>
+            <a:r>
+              <a:rPr lang="en-US" dirty="0">
+                <a:latin typeface="+mn-lt"/>
+                <a:cs typeface="Times New Roman" panose="02020603050405020304" pitchFamily="18" charset="0"/>
+              </a:rPr>
+              <a:t> </a:t>
+            </a:r>
+            <a:r>
+              <a:rPr lang="en-US" dirty="0" err="1">
+                <a:latin typeface="+mn-lt"/>
+                <a:cs typeface="Times New Roman" panose="02020603050405020304" pitchFamily="18" charset="0"/>
+              </a:rPr>
+              <a:t>tiêu</a:t>
+            </a:r>
+            <a:r>
+              <a:rPr lang="en-US" dirty="0">
+                <a:latin typeface="+mn-lt"/>
+                <a:cs typeface="Times New Roman" panose="02020603050405020304" pitchFamily="18" charset="0"/>
+              </a:rPr>
+              <a:t> </a:t>
+            </a:r>
+            <a:r>
+              <a:rPr lang="en-US" dirty="0" err="1">
+                <a:latin typeface="+mn-lt"/>
+                <a:cs typeface="Times New Roman" panose="02020603050405020304" pitchFamily="18" charset="0"/>
+              </a:rPr>
+              <a:t>thụ</a:t>
+            </a:r>
+            <a:r>
+              <a:rPr lang="en-US" dirty="0">
+                <a:latin typeface="+mn-lt"/>
+                <a:cs typeface="Times New Roman" panose="02020603050405020304" pitchFamily="18" charset="0"/>
+              </a:rPr>
+              <a:t> </a:t>
+            </a:r>
+            <a:r>
+              <a:rPr lang="en-US" dirty="0" err="1">
+                <a:latin typeface="+mn-lt"/>
+                <a:cs typeface="Times New Roman" panose="02020603050405020304" pitchFamily="18" charset="0"/>
+              </a:rPr>
+              <a:t>thấp</a:t>
             </a:r>
             <a:endParaRPr lang="en-US" dirty="0">
               <a:latin typeface="+mn-lt"/>
@@ -26547,18 +25542,11 @@
           </a:p>
           <a:p>
             <a:r>
-              <a:rPr lang="en-US" dirty="0">
-                <a:latin typeface="+mn-lt"/>
-                <a:cs typeface="Times New Roman" panose="02020603050405020304" pitchFamily="18" charset="0"/>
-              </a:rPr>
-              <a:t>4 MiB </a:t>
-            </a:r>
-            <a:r>
               <a:rPr lang="en-US" dirty="0" err="1">
                 <a:latin typeface="+mn-lt"/>
                 <a:cs typeface="Times New Roman" panose="02020603050405020304" pitchFamily="18" charset="0"/>
               </a:rPr>
-              <a:t>bộ</a:t>
+              <a:t>Hỗ</a:t>
             </a:r>
             <a:r>
               <a:rPr lang="en-US" dirty="0">
@@ -26572,119 +25560,20 @@
                 <a:latin typeface="+mn-lt"/>
                 <a:cs typeface="Times New Roman" panose="02020603050405020304" pitchFamily="18" charset="0"/>
               </a:rPr>
-              <a:t>nhớ</a:t>
-            </a:r>
-            <a:r>
-              <a:rPr lang="en-US" dirty="0">
-                <a:latin typeface="+mn-lt"/>
-                <a:cs typeface="Times New Roman" panose="02020603050405020304" pitchFamily="18" charset="0"/>
-              </a:rPr>
-              <a:t> Flash, 64 KB SRAM</a:t>
-            </a:r>
-          </a:p>
-          <a:p>
+              <a:t>trợ</a:t>
+            </a:r>
+            <a:r>
+              <a:rPr lang="en-US" dirty="0">
+                <a:latin typeface="+mn-lt"/>
+                <a:cs typeface="Times New Roman" panose="02020603050405020304" pitchFamily="18" charset="0"/>
+              </a:rPr>
+              <a:t> </a:t>
+            </a:r>
             <a:r>
               <a:rPr lang="en-US" dirty="0" err="1">
                 <a:latin typeface="+mn-lt"/>
                 <a:cs typeface="Times New Roman" panose="02020603050405020304" pitchFamily="18" charset="0"/>
               </a:rPr>
-              <a:t>Công</a:t>
-            </a:r>
-            <a:r>
-              <a:rPr lang="en-US" dirty="0">
-                <a:latin typeface="+mn-lt"/>
-                <a:cs typeface="Times New Roman" panose="02020603050405020304" pitchFamily="18" charset="0"/>
-              </a:rPr>
-              <a:t> </a:t>
-            </a:r>
-            <a:r>
-              <a:rPr lang="en-US" dirty="0" err="1">
-                <a:latin typeface="+mn-lt"/>
-                <a:cs typeface="Times New Roman" panose="02020603050405020304" pitchFamily="18" charset="0"/>
-              </a:rPr>
-              <a:t>suất</a:t>
-            </a:r>
-            <a:r>
-              <a:rPr lang="en-US" dirty="0">
-                <a:latin typeface="+mn-lt"/>
-                <a:cs typeface="Times New Roman" panose="02020603050405020304" pitchFamily="18" charset="0"/>
-              </a:rPr>
-              <a:t> </a:t>
-            </a:r>
-            <a:r>
-              <a:rPr lang="en-US" dirty="0" err="1">
-                <a:latin typeface="+mn-lt"/>
-                <a:cs typeface="Times New Roman" panose="02020603050405020304" pitchFamily="18" charset="0"/>
-              </a:rPr>
-              <a:t>tiêu</a:t>
-            </a:r>
-            <a:r>
-              <a:rPr lang="en-US" dirty="0">
-                <a:latin typeface="+mn-lt"/>
-                <a:cs typeface="Times New Roman" panose="02020603050405020304" pitchFamily="18" charset="0"/>
-              </a:rPr>
-              <a:t> </a:t>
-            </a:r>
-            <a:r>
-              <a:rPr lang="en-US" dirty="0" err="1">
-                <a:latin typeface="+mn-lt"/>
-                <a:cs typeface="Times New Roman" panose="02020603050405020304" pitchFamily="18" charset="0"/>
-              </a:rPr>
-              <a:t>thụ</a:t>
-            </a:r>
-            <a:r>
-              <a:rPr lang="en-US" dirty="0">
-                <a:latin typeface="+mn-lt"/>
-                <a:cs typeface="Times New Roman" panose="02020603050405020304" pitchFamily="18" charset="0"/>
-              </a:rPr>
-              <a:t> </a:t>
-            </a:r>
-            <a:r>
-              <a:rPr lang="en-US" dirty="0" err="1">
-                <a:latin typeface="+mn-lt"/>
-                <a:cs typeface="Times New Roman" panose="02020603050405020304" pitchFamily="18" charset="0"/>
-              </a:rPr>
-              <a:t>thấp</a:t>
-            </a:r>
-            <a:endParaRPr lang="en-US" dirty="0">
-              <a:latin typeface="+mn-lt"/>
-              <a:cs typeface="Times New Roman" panose="02020603050405020304" pitchFamily="18" charset="0"/>
-            </a:endParaRPr>
-          </a:p>
-          <a:p>
-            <a:r>
-              <a:rPr lang="en-US" dirty="0" err="1">
-                <a:latin typeface="+mn-lt"/>
-                <a:cs typeface="Times New Roman" panose="02020603050405020304" pitchFamily="18" charset="0"/>
-              </a:rPr>
-              <a:t>Hỗ</a:t>
-            </a:r>
-            <a:r>
-              <a:rPr lang="en-US" dirty="0">
-                <a:latin typeface="+mn-lt"/>
-                <a:cs typeface="Times New Roman" panose="02020603050405020304" pitchFamily="18" charset="0"/>
-              </a:rPr>
-              <a:t> </a:t>
-            </a:r>
-            <a:r>
-              <a:rPr lang="en-US" dirty="0" err="1">
-                <a:latin typeface="+mn-lt"/>
-                <a:cs typeface="Times New Roman" panose="02020603050405020304" pitchFamily="18" charset="0"/>
-              </a:rPr>
-              <a:t>trợ</a:t>
-            </a:r>
-            <a:r>
-              <a:rPr lang="en-US" dirty="0">
-                <a:latin typeface="+mn-lt"/>
-                <a:cs typeface="Times New Roman" panose="02020603050405020304" pitchFamily="18" charset="0"/>
-              </a:rPr>
-              <a:t> </a:t>
-            </a:r>
-            <a:r>
-              <a:rPr lang="en-US" dirty="0" err="1">
-                <a:latin typeface="+mn-lt"/>
-                <a:cs typeface="Times New Roman" panose="02020603050405020304" pitchFamily="18" charset="0"/>
-              </a:rPr>
               <a:t>ngoại</a:t>
             </a:r>
             <a:r>
@@ -26692,7 +25581,7 @@
                 <a:latin typeface="+mn-lt"/>
                 <a:cs typeface="Times New Roman" panose="02020603050405020304" pitchFamily="18" charset="0"/>
               </a:rPr>
-              <a:t> vi UART, SPI, I2C, ADC</a:t>
+              <a:t> vi UART, SPI, I2C, ADC, PWM</a:t>
             </a:r>
           </a:p>
           <a:p>
@@ -28257,11 +27146,53 @@
               <a:buNone/>
             </a:pPr>
             <a:r>
-              <a:rPr lang="en-US">
-                <a:latin typeface="+mn-lt"/>
-                <a:cs typeface="Times New Roman" panose="02020603050405020304" pitchFamily="18" charset="0"/>
-              </a:rPr>
-              <a:t>Ứng dụng điều khiển</a:t>
+              <a:rPr lang="en-US" dirty="0" err="1">
+                <a:latin typeface="+mn-lt"/>
+                <a:cs typeface="Times New Roman" panose="02020603050405020304" pitchFamily="18" charset="0"/>
+              </a:rPr>
+              <a:t>Ứng</a:t>
+            </a:r>
+            <a:r>
+              <a:rPr lang="en-US" dirty="0">
+                <a:latin typeface="+mn-lt"/>
+                <a:cs typeface="Times New Roman" panose="02020603050405020304" pitchFamily="18" charset="0"/>
+              </a:rPr>
+              <a:t> </a:t>
+            </a:r>
+            <a:r>
+              <a:rPr lang="en-US" dirty="0" err="1">
+                <a:latin typeface="+mn-lt"/>
+                <a:cs typeface="Times New Roman" panose="02020603050405020304" pitchFamily="18" charset="0"/>
+              </a:rPr>
+              <a:t>dụng</a:t>
+            </a:r>
+            <a:r>
+              <a:rPr lang="en-US" dirty="0">
+                <a:latin typeface="+mn-lt"/>
+                <a:cs typeface="Times New Roman" panose="02020603050405020304" pitchFamily="18" charset="0"/>
+              </a:rPr>
+              <a:t> </a:t>
+            </a:r>
+            <a:r>
+              <a:rPr lang="en-US" dirty="0" err="1">
+                <a:latin typeface="+mn-lt"/>
+                <a:cs typeface="Times New Roman" panose="02020603050405020304" pitchFamily="18" charset="0"/>
+              </a:rPr>
+              <a:t>điều</a:t>
+            </a:r>
+            <a:r>
+              <a:rPr lang="en-US" dirty="0">
+                <a:latin typeface="+mn-lt"/>
+                <a:cs typeface="Times New Roman" panose="02020603050405020304" pitchFamily="18" charset="0"/>
+              </a:rPr>
+              <a:t> </a:t>
+            </a:r>
+            <a:r>
+              <a:rPr lang="en-US" dirty="0" err="1">
+                <a:latin typeface="+mn-lt"/>
+                <a:cs typeface="Times New Roman" panose="02020603050405020304" pitchFamily="18" charset="0"/>
+              </a:rPr>
+              <a:t>khiển</a:t>
             </a:r>
             <a:endParaRPr lang="en-US" dirty="0">
               <a:latin typeface="+mn-lt"/>
@@ -28284,14 +27215,14 @@
               <a:t> </a:t>
             </a:r>
             <a:r>
-              <a:rPr lang="en-US" err="1">
+              <a:rPr lang="en-US" dirty="0" err="1">
                 <a:latin typeface="+mn-lt"/>
                 <a:cs typeface="Times New Roman" panose="02020603050405020304" pitchFamily="18" charset="0"/>
               </a:rPr>
               <a:t>ngữ</a:t>
             </a:r>
             <a:r>
-              <a:rPr lang="en-US">
+              <a:rPr lang="en-US" dirty="0">
                 <a:latin typeface="+mn-lt"/>
                 <a:cs typeface="Times New Roman" panose="02020603050405020304" pitchFamily="18" charset="0"/>
               </a:rPr>
@@ -28299,13 +27230,13 @@
             </a:r>
           </a:p>
           <a:p>
-            <a:endParaRPr lang="en-US" sz="3200">
+            <a:endParaRPr lang="en-US" sz="3200" dirty="0">
               <a:latin typeface="+mn-lt"/>
               <a:cs typeface="Times New Roman" panose="02020603050405020304" pitchFamily="18" charset="0"/>
             </a:endParaRPr>
           </a:p>
           <a:p>
-            <a:endParaRPr lang="en-US" sz="3200">
+            <a:endParaRPr lang="en-US" sz="3200" dirty="0">
               <a:latin typeface="+mn-lt"/>
               <a:cs typeface="Times New Roman" panose="02020603050405020304" pitchFamily="18" charset="0"/>
             </a:endParaRPr>
@@ -29308,12 +28239,6 @@
 </file>
 
 <file path=customXml/item1.xml><?xml version="1.0" encoding="utf-8"?>
-<p:properties xmlns:p="http://schemas.microsoft.com/office/2006/metadata/properties" xmlns:xsi="http://www.w3.org/2001/XMLSchema-instance" xmlns:pc="http://schemas.microsoft.com/office/infopath/2007/PartnerControls">
-  <documentManagement/>
-</p:properties>
-</file>
-
-<file path=customXml/item2.xml><?xml version="1.0" encoding="utf-8"?>
 <ct:contentTypeSchema xmlns:ct="http://schemas.microsoft.com/office/2006/metadata/contentType" xmlns:ma="http://schemas.microsoft.com/office/2006/metadata/properties/metaAttributes" ct:_="" ma:_="" ma:contentTypeName="Document" ma:contentTypeID="0x01010029FB87B201BB164AA8F0D7E07FC18253" ma:contentTypeVersion="12" ma:contentTypeDescription="Create a new document." ma:contentTypeScope="" ma:versionID="ec75d641dd128f4ad30853614c3b4998">
   <xsd:schema xmlns:xsd="http://www.w3.org/2001/XMLSchema" xmlns:xs="http://www.w3.org/2001/XMLSchema" xmlns:p="http://schemas.microsoft.com/office/2006/metadata/properties" xmlns:ns2="c070d92c-e005-4177-a1a8-b2208be38bba" xmlns:ns3="c72df4cc-d2de-4b7e-8388-06b9b73bb217" targetNamespace="http://schemas.microsoft.com/office/2006/metadata/properties" ma:root="true" ma:fieldsID="0bd5079f3866d8fa0d2cfeac6b7a2082" ns2:_="" ns3:_="">
     <xsd:import namespace="c070d92c-e005-4177-a1a8-b2208be38bba"/>
@@ -29530,6 +28455,12 @@
 </ct:contentTypeSchema>
 </file>
 
+<file path=customXml/item2.xml><?xml version="1.0" encoding="utf-8"?>
+<p:properties xmlns:p="http://schemas.microsoft.com/office/2006/metadata/properties" xmlns:xsi="http://www.w3.org/2001/XMLSchema-instance" xmlns:pc="http://schemas.microsoft.com/office/infopath/2007/PartnerControls">
+  <documentManagement/>
+</p:properties>
+</file>
+
 <file path=customXml/item3.xml><?xml version="1.0" encoding="utf-8"?>
 <?mso-contentType ?>
 <FormTemplates xmlns="http://schemas.microsoft.com/sharepoint/v3/contenttype/forms">
@@ -29540,15 +28471,6 @@
 </file>
 
 <file path=customXml/itemProps1.xml><?xml version="1.0" encoding="utf-8"?>
-<ds:datastoreItem xmlns:ds="http://schemas.openxmlformats.org/officeDocument/2006/customXml" ds:itemID="{5666771F-238C-409E-B1DF-70481BFDE8AE}">
-  <ds:schemaRefs>
-    <ds:schemaRef ds:uri="http://schemas.microsoft.com/office/2006/metadata/properties"/>
-    <ds:schemaRef ds:uri="http://schemas.microsoft.com/office/infopath/2007/PartnerControls"/>
-  </ds:schemaRefs>
-</ds:datastoreItem>
-</file>
-
-<file path=customXml/itemProps2.xml><?xml version="1.0" encoding="utf-8"?>
 <ds:datastoreItem xmlns:ds="http://schemas.openxmlformats.org/officeDocument/2006/customXml" ds:itemID="{D2294227-C537-4C56-90F1-0A24B92707E6}">
   <ds:schemaRefs>
     <ds:schemaRef ds:uri="http://schemas.microsoft.com/office/2006/metadata/contentType"/>
@@ -29567,6 +28489,15 @@
 </ds:datastoreItem>
 </file>
 
+<file path=customXml/itemProps2.xml><?xml version="1.0" encoding="utf-8"?>
+<ds:datastoreItem xmlns:ds="http://schemas.openxmlformats.org/officeDocument/2006/customXml" ds:itemID="{5666771F-238C-409E-B1DF-70481BFDE8AE}">
+  <ds:schemaRefs>
+    <ds:schemaRef ds:uri="http://schemas.microsoft.com/office/2006/metadata/properties"/>
+    <ds:schemaRef ds:uri="http://schemas.microsoft.com/office/infopath/2007/PartnerControls"/>
+  </ds:schemaRefs>
+</ds:datastoreItem>
+</file>
+
 <file path=customXml/itemProps3.xml><?xml version="1.0" encoding="utf-8"?>
 <ds:datastoreItem xmlns:ds="http://schemas.openxmlformats.org/officeDocument/2006/customXml" ds:itemID="{69128D4C-6F8B-42B2-A3A4-DC1405FCC7A7}">
   <ds:schemaRefs>

--- a/documents/Slide Đồ án tốt nghiệp_Nguyễn Tuấn Anh_REV1.pptx
+++ b/documents/Slide Đồ án tốt nghiệp_Nguyễn Tuấn Anh_REV1.pptx
@@ -17,8 +17,8 @@
     <p:sldId id="268" r:id="rId11"/>
     <p:sldId id="277" r:id="rId12"/>
     <p:sldId id="294" r:id="rId13"/>
-    <p:sldId id="265" r:id="rId14"/>
-    <p:sldId id="273" r:id="rId15"/>
+    <p:sldId id="273" r:id="rId14"/>
+    <p:sldId id="295" r:id="rId15"/>
     <p:sldId id="279" r:id="rId16"/>
     <p:sldId id="280" r:id="rId17"/>
     <p:sldId id="287" r:id="rId18"/>
@@ -145,8 +145,8 @@
             <p14:sldId id="268"/>
             <p14:sldId id="277"/>
             <p14:sldId id="294"/>
-            <p14:sldId id="265"/>
             <p14:sldId id="273"/>
+            <p14:sldId id="295"/>
             <p14:sldId id="279"/>
             <p14:sldId id="280"/>
             <p14:sldId id="287"/>
@@ -254,7 +254,7 @@
           <a:p>
             <a:fld id="{C8EC4C12-44DC-4AF1-91BC-D6BFF5E34312}" type="datetimeFigureOut">
               <a:rPr lang="vi-VN" smtClean="0"/>
-              <a:t>28/01/2021</a:t>
+              <a:t>29/01/2021</a:t>
             </a:fld>
             <a:endParaRPr lang="vi-VN"/>
           </a:p>
@@ -714,7 +714,7 @@
     </p:spTree>
     <p:extLst>
       <p:ext uri="{BB962C8B-B14F-4D97-AF65-F5344CB8AC3E}">
-        <p14:creationId xmlns:p14="http://schemas.microsoft.com/office/powerpoint/2010/main" val="548883278"/>
+        <p14:creationId xmlns:p14="http://schemas.microsoft.com/office/powerpoint/2010/main" val="594856047"/>
       </p:ext>
     </p:extLst>
   </p:cSld>
@@ -2400,7 +2400,7 @@
     </p:spTree>
     <p:extLst>
       <p:ext uri="{BB962C8B-B14F-4D97-AF65-F5344CB8AC3E}">
-        <p14:creationId xmlns:p14="http://schemas.microsoft.com/office/powerpoint/2010/main" val="1436665962"/>
+        <p14:creationId xmlns:p14="http://schemas.microsoft.com/office/powerpoint/2010/main" val="548883278"/>
       </p:ext>
     </p:extLst>
   </p:cSld>
@@ -3977,633 +3977,6 @@
                 <a:latin typeface="+mn-lt"/>
                 <a:cs typeface="Times New Roman" panose="02020603050405020304" pitchFamily="18" charset="0"/>
               </a:rPr>
-              <a:t>2.1. </a:t>
-            </a:r>
-            <a:r>
-              <a:rPr lang="en-US" dirty="0" err="1">
-                <a:latin typeface="+mn-lt"/>
-                <a:cs typeface="Times New Roman" panose="02020603050405020304" pitchFamily="18" charset="0"/>
-              </a:rPr>
-              <a:t>Công</a:t>
-            </a:r>
-            <a:r>
-              <a:rPr lang="en-US" dirty="0">
-                <a:latin typeface="+mn-lt"/>
-                <a:cs typeface="Times New Roman" panose="02020603050405020304" pitchFamily="18" charset="0"/>
-              </a:rPr>
-              <a:t> </a:t>
-            </a:r>
-            <a:r>
-              <a:rPr lang="en-US" dirty="0" err="1">
-                <a:latin typeface="+mn-lt"/>
-                <a:cs typeface="Times New Roman" panose="02020603050405020304" pitchFamily="18" charset="0"/>
-              </a:rPr>
-              <a:t>cụ</a:t>
-            </a:r>
-            <a:r>
-              <a:rPr lang="en-US" dirty="0">
-                <a:latin typeface="+mn-lt"/>
-                <a:cs typeface="Times New Roman" panose="02020603050405020304" pitchFamily="18" charset="0"/>
-              </a:rPr>
-              <a:t> </a:t>
-            </a:r>
-            <a:r>
-              <a:rPr lang="en-US" dirty="0" err="1">
-                <a:latin typeface="+mn-lt"/>
-                <a:cs typeface="Times New Roman" panose="02020603050405020304" pitchFamily="18" charset="0"/>
-              </a:rPr>
-              <a:t>sử</a:t>
-            </a:r>
-            <a:r>
-              <a:rPr lang="en-US" dirty="0">
-                <a:latin typeface="+mn-lt"/>
-                <a:cs typeface="Times New Roman" panose="02020603050405020304" pitchFamily="18" charset="0"/>
-              </a:rPr>
-              <a:t> </a:t>
-            </a:r>
-            <a:r>
-              <a:rPr lang="en-US" dirty="0" err="1">
-                <a:latin typeface="+mn-lt"/>
-                <a:cs typeface="Times New Roman" panose="02020603050405020304" pitchFamily="18" charset="0"/>
-              </a:rPr>
-              <a:t>dụng</a:t>
-            </a:r>
-            <a:endParaRPr lang="en-US" dirty="0">
-              <a:latin typeface="+mn-lt"/>
-              <a:cs typeface="Times New Roman" panose="02020603050405020304" pitchFamily="18" charset="0"/>
-            </a:endParaRPr>
-          </a:p>
-          <a:p>
-            <a:r>
-              <a:rPr lang="en-US" dirty="0" err="1">
-                <a:latin typeface="+mn-lt"/>
-                <a:cs typeface="Times New Roman" panose="02020603050405020304" pitchFamily="18" charset="0"/>
-              </a:rPr>
-              <a:t>Thiết</a:t>
-            </a:r>
-            <a:r>
-              <a:rPr lang="en-US" dirty="0">
-                <a:latin typeface="+mn-lt"/>
-                <a:cs typeface="Times New Roman" panose="02020603050405020304" pitchFamily="18" charset="0"/>
-              </a:rPr>
-              <a:t> </a:t>
-            </a:r>
-            <a:r>
-              <a:rPr lang="en-US" dirty="0" err="1">
-                <a:latin typeface="+mn-lt"/>
-                <a:cs typeface="Times New Roman" panose="02020603050405020304" pitchFamily="18" charset="0"/>
-              </a:rPr>
-              <a:t>kế</a:t>
-            </a:r>
-            <a:r>
-              <a:rPr lang="en-US" dirty="0">
-                <a:latin typeface="+mn-lt"/>
-                <a:cs typeface="Times New Roman" panose="02020603050405020304" pitchFamily="18" charset="0"/>
-              </a:rPr>
-              <a:t> </a:t>
-            </a:r>
-            <a:r>
-              <a:rPr lang="en-US" dirty="0" err="1">
-                <a:latin typeface="+mn-lt"/>
-                <a:cs typeface="Times New Roman" panose="02020603050405020304" pitchFamily="18" charset="0"/>
-              </a:rPr>
-              <a:t>phần</a:t>
-            </a:r>
-            <a:r>
-              <a:rPr lang="en-US" dirty="0">
-                <a:latin typeface="+mn-lt"/>
-                <a:cs typeface="Times New Roman" panose="02020603050405020304" pitchFamily="18" charset="0"/>
-              </a:rPr>
-              <a:t> </a:t>
-            </a:r>
-            <a:r>
-              <a:rPr lang="en-US" dirty="0" err="1">
-                <a:latin typeface="+mn-lt"/>
-                <a:cs typeface="Times New Roman" panose="02020603050405020304" pitchFamily="18" charset="0"/>
-              </a:rPr>
-              <a:t>cứng</a:t>
-            </a:r>
-            <a:r>
-              <a:rPr lang="en-US" dirty="0">
-                <a:latin typeface="+mn-lt"/>
-                <a:cs typeface="Times New Roman" panose="02020603050405020304" pitchFamily="18" charset="0"/>
-              </a:rPr>
-              <a:t>: </a:t>
-            </a:r>
-          </a:p>
-          <a:p>
-            <a:pPr lvl="1">
-              <a:buFont typeface="Courier New" panose="02070309020205020404" pitchFamily="49" charset="0"/>
-              <a:buChar char="o"/>
-            </a:pPr>
-            <a:r>
-              <a:rPr lang="en-US" dirty="0">
-                <a:latin typeface="+mn-lt"/>
-                <a:cs typeface="Times New Roman" panose="02020603050405020304" pitchFamily="18" charset="0"/>
-              </a:rPr>
-              <a:t>Altium Designer 17</a:t>
-            </a:r>
-          </a:p>
-          <a:p>
-            <a:r>
-              <a:rPr lang="en-US" dirty="0" err="1">
-                <a:latin typeface="+mn-lt"/>
-                <a:cs typeface="Times New Roman" panose="02020603050405020304" pitchFamily="18" charset="0"/>
-              </a:rPr>
-              <a:t>Lập</a:t>
-            </a:r>
-            <a:r>
-              <a:rPr lang="en-US" dirty="0">
-                <a:latin typeface="+mn-lt"/>
-                <a:cs typeface="Times New Roman" panose="02020603050405020304" pitchFamily="18" charset="0"/>
-              </a:rPr>
-              <a:t> </a:t>
-            </a:r>
-            <a:r>
-              <a:rPr lang="en-US" dirty="0" err="1">
-                <a:latin typeface="+mn-lt"/>
-                <a:cs typeface="Times New Roman" panose="02020603050405020304" pitchFamily="18" charset="0"/>
-              </a:rPr>
-              <a:t>trình</a:t>
-            </a:r>
-            <a:r>
-              <a:rPr lang="en-US" dirty="0">
-                <a:latin typeface="+mn-lt"/>
-                <a:cs typeface="Times New Roman" panose="02020603050405020304" pitchFamily="18" charset="0"/>
-              </a:rPr>
-              <a:t> vi </a:t>
-            </a:r>
-            <a:r>
-              <a:rPr lang="en-US" dirty="0" err="1">
-                <a:latin typeface="+mn-lt"/>
-                <a:cs typeface="Times New Roman" panose="02020603050405020304" pitchFamily="18" charset="0"/>
-              </a:rPr>
-              <a:t>điều</a:t>
-            </a:r>
-            <a:r>
-              <a:rPr lang="en-US" dirty="0">
-                <a:latin typeface="+mn-lt"/>
-                <a:cs typeface="Times New Roman" panose="02020603050405020304" pitchFamily="18" charset="0"/>
-              </a:rPr>
-              <a:t> </a:t>
-            </a:r>
-            <a:r>
-              <a:rPr lang="en-US" dirty="0" err="1">
-                <a:latin typeface="+mn-lt"/>
-                <a:cs typeface="Times New Roman" panose="02020603050405020304" pitchFamily="18" charset="0"/>
-              </a:rPr>
-              <a:t>khiển</a:t>
-            </a:r>
-            <a:r>
-              <a:rPr lang="en-US" dirty="0">
-                <a:latin typeface="+mn-lt"/>
-                <a:cs typeface="Times New Roman" panose="02020603050405020304" pitchFamily="18" charset="0"/>
-              </a:rPr>
-              <a:t>:</a:t>
-            </a:r>
-          </a:p>
-          <a:p>
-            <a:pPr lvl="1">
-              <a:buFont typeface="Courier New" panose="02070309020205020404" pitchFamily="49" charset="0"/>
-              <a:buChar char="o"/>
-            </a:pPr>
-            <a:r>
-              <a:rPr lang="en-US" dirty="0">
-                <a:latin typeface="+mn-lt"/>
-                <a:cs typeface="Times New Roman" panose="02020603050405020304" pitchFamily="18" charset="0"/>
-              </a:rPr>
-              <a:t>Arduino IDE</a:t>
-            </a:r>
-          </a:p>
-          <a:p>
-            <a:pPr lvl="1">
-              <a:buFont typeface="Courier New" panose="02070309020205020404" pitchFamily="49" charset="0"/>
-              <a:buChar char="o"/>
-            </a:pPr>
-            <a:r>
-              <a:rPr lang="en-US" dirty="0">
-                <a:latin typeface="+mn-lt"/>
-                <a:cs typeface="Times New Roman" panose="02020603050405020304" pitchFamily="18" charset="0"/>
-              </a:rPr>
-              <a:t>Visual Studio Code</a:t>
-            </a:r>
-          </a:p>
-          <a:p>
-            <a:r>
-              <a:rPr lang="en-US" dirty="0" err="1">
-                <a:latin typeface="+mn-lt"/>
-                <a:cs typeface="Times New Roman" panose="02020603050405020304" pitchFamily="18" charset="0"/>
-              </a:rPr>
-              <a:t>Lập</a:t>
-            </a:r>
-            <a:r>
-              <a:rPr lang="en-US" dirty="0">
-                <a:latin typeface="+mn-lt"/>
-                <a:cs typeface="Times New Roman" panose="02020603050405020304" pitchFamily="18" charset="0"/>
-              </a:rPr>
-              <a:t> </a:t>
-            </a:r>
-            <a:r>
-              <a:rPr lang="en-US" dirty="0" err="1">
-                <a:latin typeface="+mn-lt"/>
-                <a:cs typeface="Times New Roman" panose="02020603050405020304" pitchFamily="18" charset="0"/>
-              </a:rPr>
-              <a:t>trình</a:t>
-            </a:r>
-            <a:r>
-              <a:rPr lang="en-US" dirty="0">
-                <a:latin typeface="+mn-lt"/>
-                <a:cs typeface="Times New Roman" panose="02020603050405020304" pitchFamily="18" charset="0"/>
-              </a:rPr>
-              <a:t> </a:t>
-            </a:r>
-            <a:r>
-              <a:rPr lang="en-US" dirty="0" err="1">
-                <a:latin typeface="+mn-lt"/>
-                <a:cs typeface="Times New Roman" panose="02020603050405020304" pitchFamily="18" charset="0"/>
-              </a:rPr>
-              <a:t>ứng</a:t>
-            </a:r>
-            <a:r>
-              <a:rPr lang="en-US" dirty="0">
-                <a:latin typeface="+mn-lt"/>
-                <a:cs typeface="Times New Roman" panose="02020603050405020304" pitchFamily="18" charset="0"/>
-              </a:rPr>
-              <a:t> </a:t>
-            </a:r>
-            <a:r>
-              <a:rPr lang="en-US" dirty="0" err="1">
-                <a:latin typeface="+mn-lt"/>
-                <a:cs typeface="Times New Roman" panose="02020603050405020304" pitchFamily="18" charset="0"/>
-              </a:rPr>
-              <a:t>dụng</a:t>
-            </a:r>
-            <a:r>
-              <a:rPr lang="en-US" dirty="0">
-                <a:latin typeface="+mn-lt"/>
-                <a:cs typeface="Times New Roman" panose="02020603050405020304" pitchFamily="18" charset="0"/>
-              </a:rPr>
-              <a:t> </a:t>
-            </a:r>
-            <a:r>
-              <a:rPr lang="en-US" dirty="0" err="1">
-                <a:latin typeface="+mn-lt"/>
-                <a:cs typeface="Times New Roman" panose="02020603050405020304" pitchFamily="18" charset="0"/>
-              </a:rPr>
-              <a:t>điều</a:t>
-            </a:r>
-            <a:r>
-              <a:rPr lang="en-US" dirty="0">
-                <a:latin typeface="+mn-lt"/>
-                <a:cs typeface="Times New Roman" panose="02020603050405020304" pitchFamily="18" charset="0"/>
-              </a:rPr>
-              <a:t> </a:t>
-            </a:r>
-            <a:r>
-              <a:rPr lang="en-US" dirty="0" err="1">
-                <a:latin typeface="+mn-lt"/>
-                <a:cs typeface="Times New Roman" panose="02020603050405020304" pitchFamily="18" charset="0"/>
-              </a:rPr>
-              <a:t>khiển</a:t>
-            </a:r>
-            <a:r>
-              <a:rPr lang="en-US" dirty="0">
-                <a:latin typeface="+mn-lt"/>
-                <a:cs typeface="Times New Roman" panose="02020603050405020304" pitchFamily="18" charset="0"/>
-              </a:rPr>
-              <a:t>:</a:t>
-            </a:r>
-          </a:p>
-          <a:p>
-            <a:pPr lvl="1">
-              <a:buFont typeface="Courier New" panose="02070309020205020404" pitchFamily="49" charset="0"/>
-              <a:buChar char="o"/>
-            </a:pPr>
-            <a:r>
-              <a:rPr lang="en-US" dirty="0">
-                <a:latin typeface="+mn-lt"/>
-                <a:cs typeface="Times New Roman" panose="02020603050405020304" pitchFamily="18" charset="0"/>
-              </a:rPr>
-              <a:t>Python IDE</a:t>
-            </a:r>
-          </a:p>
-          <a:p>
-            <a:pPr lvl="1">
-              <a:buFont typeface="Courier New" panose="02070309020205020404" pitchFamily="49" charset="0"/>
-              <a:buChar char="o"/>
-            </a:pPr>
-            <a:r>
-              <a:rPr lang="en-US" dirty="0">
-                <a:latin typeface="+mn-lt"/>
-                <a:cs typeface="Times New Roman" panose="02020603050405020304" pitchFamily="18" charset="0"/>
-              </a:rPr>
-              <a:t>Visual Studio Code</a:t>
-            </a:r>
-            <a:endParaRPr lang="vi-VN" dirty="0">
-              <a:latin typeface="+mn-lt"/>
-              <a:cs typeface="Times New Roman" panose="02020603050405020304" pitchFamily="18" charset="0"/>
-            </a:endParaRPr>
-          </a:p>
-        </p:txBody>
-      </p:sp>
-      <p:sp>
-        <p:nvSpPr>
-          <p:cNvPr id="4" name="Title 3">
-            <a:extLst>
-              <a:ext uri="{FF2B5EF4-FFF2-40B4-BE49-F238E27FC236}">
-                <a16:creationId xmlns:a16="http://schemas.microsoft.com/office/drawing/2014/main" id="{52E18D06-2298-4C20-BF3D-F4536777C955}"/>
-              </a:ext>
-            </a:extLst>
-          </p:cNvPr>
-          <p:cNvSpPr>
-            <a:spLocks noGrp="1"/>
-          </p:cNvSpPr>
-          <p:nvPr>
-            <p:ph type="title"/>
-          </p:nvPr>
-        </p:nvSpPr>
-        <p:spPr/>
-        <p:txBody>
-          <a:bodyPr/>
-          <a:lstStyle/>
-          <a:p>
-            <a:r>
-              <a:rPr lang="en-US">
-                <a:latin typeface="+mn-lt"/>
-                <a:cs typeface="Times New Roman" panose="02020603050405020304" pitchFamily="18" charset="0"/>
-              </a:rPr>
-              <a:t>2. Phân tích và thiết kế</a:t>
-            </a:r>
-          </a:p>
-        </p:txBody>
-      </p:sp>
-      <p:sp>
-        <p:nvSpPr>
-          <p:cNvPr id="7" name="Text Placeholder 2">
-            <a:extLst>
-              <a:ext uri="{FF2B5EF4-FFF2-40B4-BE49-F238E27FC236}">
-                <a16:creationId xmlns:a16="http://schemas.microsoft.com/office/drawing/2014/main" id="{93C69A4B-AD97-4213-BDA3-6EF8ADD2488F}"/>
-              </a:ext>
-            </a:extLst>
-          </p:cNvPr>
-          <p:cNvSpPr txBox="1">
-            <a:spLocks/>
-          </p:cNvSpPr>
-          <p:nvPr/>
-        </p:nvSpPr>
-        <p:spPr>
-          <a:xfrm>
-            <a:off x="11240542" y="5960933"/>
-            <a:ext cx="612722" cy="436098"/>
-          </a:xfrm>
-          <a:prstGeom prst="rect">
-            <a:avLst/>
-          </a:prstGeom>
-        </p:spPr>
-        <p:txBody>
-          <a:bodyPr/>
-          <a:lstStyle>
-            <a:lvl1pPr marL="228600" indent="-228600" algn="l" defTabSz="914400" rtl="0" eaLnBrk="1" latinLnBrk="0" hangingPunct="1">
-              <a:lnSpc>
-                <a:spcPct val="90000"/>
-              </a:lnSpc>
-              <a:spcBef>
-                <a:spcPts val="1000"/>
-              </a:spcBef>
-              <a:buFont typeface="Arial" panose="020B0604020202020204" pitchFamily="34" charset="0"/>
-              <a:buChar char="•"/>
-              <a:defRPr sz="2800" kern="1200">
-                <a:solidFill>
-                  <a:schemeClr val="tx1"/>
-                </a:solidFill>
-                <a:latin typeface="Lato" panose="020F0502020204030203" pitchFamily="34" charset="0"/>
-                <a:ea typeface="Lato" panose="020F0502020204030203" pitchFamily="34" charset="0"/>
-                <a:cs typeface="Lato" panose="020F0502020204030203" pitchFamily="34" charset="0"/>
-              </a:defRPr>
-            </a:lvl1pPr>
-            <a:lvl2pPr marL="685800" indent="-228600" algn="l" defTabSz="914400" rtl="0" eaLnBrk="1" latinLnBrk="0" hangingPunct="1">
-              <a:lnSpc>
-                <a:spcPct val="90000"/>
-              </a:lnSpc>
-              <a:spcBef>
-                <a:spcPts val="500"/>
-              </a:spcBef>
-              <a:buFont typeface="Arial" panose="020B0604020202020204" pitchFamily="34" charset="0"/>
-              <a:buChar char="•"/>
-              <a:defRPr sz="2400" kern="1200">
-                <a:solidFill>
-                  <a:schemeClr val="tx1"/>
-                </a:solidFill>
-                <a:latin typeface="Lato" panose="020F0502020204030203" pitchFamily="34" charset="0"/>
-                <a:ea typeface="Lato" panose="020F0502020204030203" pitchFamily="34" charset="0"/>
-                <a:cs typeface="Lato" panose="020F0502020204030203" pitchFamily="34" charset="0"/>
-              </a:defRPr>
-            </a:lvl2pPr>
-            <a:lvl3pPr marL="1143000" indent="-228600" algn="l" defTabSz="914400" rtl="0" eaLnBrk="1" latinLnBrk="0" hangingPunct="1">
-              <a:lnSpc>
-                <a:spcPct val="90000"/>
-              </a:lnSpc>
-              <a:spcBef>
-                <a:spcPts val="500"/>
-              </a:spcBef>
-              <a:buFont typeface="Arial" panose="020B0604020202020204" pitchFamily="34" charset="0"/>
-              <a:buChar char="•"/>
-              <a:defRPr sz="2000" kern="1200">
-                <a:solidFill>
-                  <a:schemeClr val="tx1"/>
-                </a:solidFill>
-                <a:latin typeface="Lato" panose="020F0502020204030203" pitchFamily="34" charset="0"/>
-                <a:ea typeface="Lato" panose="020F0502020204030203" pitchFamily="34" charset="0"/>
-                <a:cs typeface="Lato" panose="020F0502020204030203" pitchFamily="34" charset="0"/>
-              </a:defRPr>
-            </a:lvl3pPr>
-            <a:lvl4pPr marL="1600200" indent="-228600" algn="l" defTabSz="914400" rtl="0" eaLnBrk="1" latinLnBrk="0" hangingPunct="1">
-              <a:lnSpc>
-                <a:spcPct val="90000"/>
-              </a:lnSpc>
-              <a:spcBef>
-                <a:spcPts val="500"/>
-              </a:spcBef>
-              <a:buFont typeface="Arial" panose="020B0604020202020204" pitchFamily="34" charset="0"/>
-              <a:buChar char="•"/>
-              <a:defRPr sz="1800" kern="1200">
-                <a:solidFill>
-                  <a:schemeClr val="tx1"/>
-                </a:solidFill>
-                <a:latin typeface="Lato" panose="020F0502020204030203" pitchFamily="34" charset="0"/>
-                <a:ea typeface="Lato" panose="020F0502020204030203" pitchFamily="34" charset="0"/>
-                <a:cs typeface="Lato" panose="020F0502020204030203" pitchFamily="34" charset="0"/>
-              </a:defRPr>
-            </a:lvl4pPr>
-            <a:lvl5pPr marL="2057400" indent="-228600" algn="l" defTabSz="914400" rtl="0" eaLnBrk="1" latinLnBrk="0" hangingPunct="1">
-              <a:lnSpc>
-                <a:spcPct val="90000"/>
-              </a:lnSpc>
-              <a:spcBef>
-                <a:spcPts val="500"/>
-              </a:spcBef>
-              <a:buFont typeface="Arial" panose="020B0604020202020204" pitchFamily="34" charset="0"/>
-              <a:buChar char="•"/>
-              <a:defRPr sz="1800" kern="1200">
-                <a:solidFill>
-                  <a:schemeClr val="tx1"/>
-                </a:solidFill>
-                <a:latin typeface="Lato" panose="020F0502020204030203" pitchFamily="34" charset="0"/>
-                <a:ea typeface="Lato" panose="020F0502020204030203" pitchFamily="34" charset="0"/>
-                <a:cs typeface="Lato" panose="020F0502020204030203" pitchFamily="34" charset="0"/>
-              </a:defRPr>
-            </a:lvl5pPr>
-            <a:lvl6pPr marL="2514600" indent="-228600" algn="l" defTabSz="914400" rtl="0" eaLnBrk="1" latinLnBrk="0" hangingPunct="1">
-              <a:lnSpc>
-                <a:spcPct val="90000"/>
-              </a:lnSpc>
-              <a:spcBef>
-                <a:spcPts val="500"/>
-              </a:spcBef>
-              <a:buFont typeface="Arial" panose="020B0604020202020204" pitchFamily="34" charset="0"/>
-              <a:buChar char="•"/>
-              <a:defRPr sz="1800" kern="1200">
-                <a:solidFill>
-                  <a:schemeClr val="tx1"/>
-                </a:solidFill>
-                <a:latin typeface="+mn-lt"/>
-                <a:ea typeface="+mn-ea"/>
-                <a:cs typeface="+mn-cs"/>
-              </a:defRPr>
-            </a:lvl6pPr>
-            <a:lvl7pPr marL="2971800" indent="-228600" algn="l" defTabSz="914400" rtl="0" eaLnBrk="1" latinLnBrk="0" hangingPunct="1">
-              <a:lnSpc>
-                <a:spcPct val="90000"/>
-              </a:lnSpc>
-              <a:spcBef>
-                <a:spcPts val="500"/>
-              </a:spcBef>
-              <a:buFont typeface="Arial" panose="020B0604020202020204" pitchFamily="34" charset="0"/>
-              <a:buChar char="•"/>
-              <a:defRPr sz="1800" kern="1200">
-                <a:solidFill>
-                  <a:schemeClr val="tx1"/>
-                </a:solidFill>
-                <a:latin typeface="+mn-lt"/>
-                <a:ea typeface="+mn-ea"/>
-                <a:cs typeface="+mn-cs"/>
-              </a:defRPr>
-            </a:lvl7pPr>
-            <a:lvl8pPr marL="3429000" indent="-228600" algn="l" defTabSz="914400" rtl="0" eaLnBrk="1" latinLnBrk="0" hangingPunct="1">
-              <a:lnSpc>
-                <a:spcPct val="90000"/>
-              </a:lnSpc>
-              <a:spcBef>
-                <a:spcPts val="500"/>
-              </a:spcBef>
-              <a:buFont typeface="Arial" panose="020B0604020202020204" pitchFamily="34" charset="0"/>
-              <a:buChar char="•"/>
-              <a:defRPr sz="1800" kern="1200">
-                <a:solidFill>
-                  <a:schemeClr val="tx1"/>
-                </a:solidFill>
-                <a:latin typeface="+mn-lt"/>
-                <a:ea typeface="+mn-ea"/>
-                <a:cs typeface="+mn-cs"/>
-              </a:defRPr>
-            </a:lvl8pPr>
-            <a:lvl9pPr marL="3886200" indent="-228600" algn="l" defTabSz="914400" rtl="0" eaLnBrk="1" latinLnBrk="0" hangingPunct="1">
-              <a:lnSpc>
-                <a:spcPct val="90000"/>
-              </a:lnSpc>
-              <a:spcBef>
-                <a:spcPts val="500"/>
-              </a:spcBef>
-              <a:buFont typeface="Arial" panose="020B0604020202020204" pitchFamily="34" charset="0"/>
-              <a:buChar char="•"/>
-              <a:defRPr sz="1800" kern="1200">
-                <a:solidFill>
-                  <a:schemeClr val="tx1"/>
-                </a:solidFill>
-                <a:latin typeface="+mn-lt"/>
-                <a:ea typeface="+mn-ea"/>
-                <a:cs typeface="+mn-cs"/>
-              </a:defRPr>
-            </a:lvl9pPr>
-          </a:lstStyle>
-          <a:p>
-            <a:pPr marL="0" indent="0" algn="ctr">
-              <a:buFont typeface="Arial" panose="020B0604020202020204" pitchFamily="34" charset="0"/>
-              <a:buNone/>
-            </a:pPr>
-            <a:r>
-              <a:rPr lang="en-US" dirty="0">
-                <a:latin typeface="Times New Roman" panose="02020603050405020304" pitchFamily="18" charset="0"/>
-                <a:cs typeface="Times New Roman" panose="02020603050405020304" pitchFamily="18" charset="0"/>
-              </a:rPr>
-              <a:t>7</a:t>
-            </a:r>
-            <a:endParaRPr lang="vi-VN" dirty="0">
-              <a:latin typeface="Times New Roman" panose="02020603050405020304" pitchFamily="18" charset="0"/>
-              <a:cs typeface="Times New Roman" panose="02020603050405020304" pitchFamily="18" charset="0"/>
-            </a:endParaRPr>
-          </a:p>
-        </p:txBody>
-      </p:sp>
-    </p:spTree>
-    <p:extLst>
-      <p:ext uri="{BB962C8B-B14F-4D97-AF65-F5344CB8AC3E}">
-        <p14:creationId xmlns:p14="http://schemas.microsoft.com/office/powerpoint/2010/main" val="2280314822"/>
-      </p:ext>
-    </p:extLst>
-  </p:cSld>
-  <p:clrMapOvr>
-    <a:masterClrMapping/>
-  </p:clrMapOvr>
-</p:sld>
-</file>
-
-<file path=ppt/slides/slide11.xml><?xml version="1.0" encoding="utf-8"?>
-<p:sld xmlns:a="http://schemas.openxmlformats.org/drawingml/2006/main" xmlns:r="http://schemas.openxmlformats.org/officeDocument/2006/relationships" xmlns:p="http://schemas.openxmlformats.org/presentationml/2006/main">
-  <p:cSld>
-    <p:spTree>
-      <p:nvGrpSpPr>
-        <p:cNvPr id="1" name=""/>
-        <p:cNvGrpSpPr/>
-        <p:nvPr/>
-      </p:nvGrpSpPr>
-      <p:grpSpPr>
-        <a:xfrm>
-          <a:off x="0" y="0"/>
-          <a:ext cx="0" cy="0"/>
-          <a:chOff x="0" y="0"/>
-          <a:chExt cx="0" cy="0"/>
-        </a:xfrm>
-      </p:grpSpPr>
-      <p:sp>
-        <p:nvSpPr>
-          <p:cNvPr id="5" name="Content Placeholder 4">
-            <a:extLst>
-              <a:ext uri="{FF2B5EF4-FFF2-40B4-BE49-F238E27FC236}">
-                <a16:creationId xmlns:a16="http://schemas.microsoft.com/office/drawing/2014/main" id="{82AD3B8F-023F-4D30-80AA-BE5F44F41593}"/>
-              </a:ext>
-            </a:extLst>
-          </p:cNvPr>
-          <p:cNvSpPr>
-            <a:spLocks noGrp="1"/>
-          </p:cNvSpPr>
-          <p:nvPr>
-            <p:ph sz="quarter" idx="10"/>
-          </p:nvPr>
-        </p:nvSpPr>
-        <p:spPr/>
-        <p:txBody>
-          <a:bodyPr/>
-          <a:lstStyle/>
-          <a:p>
-            <a:pPr marL="0" indent="0">
-              <a:buNone/>
-            </a:pPr>
-            <a:r>
-              <a:rPr lang="en-US" dirty="0">
-                <a:latin typeface="+mn-lt"/>
-                <a:cs typeface="Times New Roman" panose="02020603050405020304" pitchFamily="18" charset="0"/>
-              </a:rPr>
               <a:t>2.2. </a:t>
             </a:r>
             <a:r>
@@ -4713,53 +4086,11 @@
               <a:buChar char="o"/>
             </a:pPr>
             <a:r>
-              <a:rPr lang="en-US" sz="2800" dirty="0">
-                <a:latin typeface="+mn-lt"/>
-                <a:cs typeface="Times New Roman" panose="02020603050405020304" pitchFamily="18" charset="0"/>
-              </a:rPr>
-              <a:t> </a:t>
-            </a:r>
-            <a:r>
-              <a:rPr lang="en-US" sz="2800" dirty="0" err="1">
-                <a:latin typeface="+mn-lt"/>
-                <a:cs typeface="Times New Roman" panose="02020603050405020304" pitchFamily="18" charset="0"/>
-              </a:rPr>
-              <a:t>Yêu</a:t>
-            </a:r>
-            <a:r>
-              <a:rPr lang="en-US" sz="2800" dirty="0">
-                <a:latin typeface="+mn-lt"/>
-                <a:cs typeface="Times New Roman" panose="02020603050405020304" pitchFamily="18" charset="0"/>
-              </a:rPr>
-              <a:t> </a:t>
-            </a:r>
-            <a:r>
-              <a:rPr lang="en-US" sz="2800" dirty="0" err="1">
-                <a:latin typeface="+mn-lt"/>
-                <a:cs typeface="Times New Roman" panose="02020603050405020304" pitchFamily="18" charset="0"/>
-              </a:rPr>
-              <a:t>cầu</a:t>
-            </a:r>
-            <a:r>
-              <a:rPr lang="en-US" sz="2800" dirty="0">
-                <a:latin typeface="+mn-lt"/>
-                <a:cs typeface="Times New Roman" panose="02020603050405020304" pitchFamily="18" charset="0"/>
-              </a:rPr>
-              <a:t> </a:t>
-            </a:r>
-            <a:r>
-              <a:rPr lang="en-US" sz="2800" dirty="0" err="1">
-                <a:latin typeface="+mn-lt"/>
-                <a:cs typeface="Times New Roman" panose="02020603050405020304" pitchFamily="18" charset="0"/>
-              </a:rPr>
-              <a:t>điện</a:t>
-            </a:r>
-            <a:r>
-              <a:rPr lang="en-US" sz="2800" dirty="0">
-                <a:latin typeface="+mn-lt"/>
-                <a:cs typeface="Times New Roman" panose="02020603050405020304" pitchFamily="18" charset="0"/>
-              </a:rPr>
-              <a:t> </a:t>
+              <a:rPr lang="en-US" sz="2800">
+                <a:latin typeface="+mn-lt"/>
+                <a:cs typeface="Times New Roman" panose="02020603050405020304" pitchFamily="18" charset="0"/>
+              </a:rPr>
+              <a:t> Điện </a:t>
             </a:r>
             <a:r>
               <a:rPr lang="en-US" sz="2800" dirty="0" err="1">
@@ -4838,67 +4169,11 @@
               <a:buChar char="o"/>
             </a:pPr>
             <a:r>
-              <a:rPr lang="en-US" sz="2800" dirty="0">
-                <a:latin typeface="+mn-lt"/>
-                <a:cs typeface="Times New Roman" panose="02020603050405020304" pitchFamily="18" charset="0"/>
-              </a:rPr>
-              <a:t> </a:t>
-            </a:r>
-            <a:r>
-              <a:rPr lang="en-US" sz="2800" dirty="0" err="1">
-                <a:latin typeface="+mn-lt"/>
-                <a:cs typeface="Times New Roman" panose="02020603050405020304" pitchFamily="18" charset="0"/>
-              </a:rPr>
-              <a:t>Yêu</a:t>
-            </a:r>
-            <a:r>
-              <a:rPr lang="en-US" sz="2800" dirty="0">
-                <a:latin typeface="+mn-lt"/>
-                <a:cs typeface="Times New Roman" panose="02020603050405020304" pitchFamily="18" charset="0"/>
-              </a:rPr>
-              <a:t> </a:t>
-            </a:r>
-            <a:r>
-              <a:rPr lang="en-US" sz="2800" dirty="0" err="1">
-                <a:latin typeface="+mn-lt"/>
-                <a:cs typeface="Times New Roman" panose="02020603050405020304" pitchFamily="18" charset="0"/>
-              </a:rPr>
-              <a:t>cầu</a:t>
-            </a:r>
-            <a:r>
-              <a:rPr lang="en-US" sz="2800" dirty="0">
-                <a:latin typeface="+mn-lt"/>
-                <a:cs typeface="Times New Roman" panose="02020603050405020304" pitchFamily="18" charset="0"/>
-              </a:rPr>
-              <a:t> </a:t>
-            </a:r>
-            <a:r>
-              <a:rPr lang="en-US" sz="2800" dirty="0" err="1">
-                <a:latin typeface="+mn-lt"/>
-                <a:cs typeface="Times New Roman" panose="02020603050405020304" pitchFamily="18" charset="0"/>
-              </a:rPr>
-              <a:t>dòng</a:t>
-            </a:r>
-            <a:r>
-              <a:rPr lang="en-US" sz="2800" dirty="0">
-                <a:latin typeface="+mn-lt"/>
-                <a:cs typeface="Times New Roman" panose="02020603050405020304" pitchFamily="18" charset="0"/>
-              </a:rPr>
-              <a:t> </a:t>
-            </a:r>
-            <a:r>
-              <a:rPr lang="en-US" sz="2800" dirty="0" err="1">
-                <a:latin typeface="+mn-lt"/>
-                <a:cs typeface="Times New Roman" panose="02020603050405020304" pitchFamily="18" charset="0"/>
-              </a:rPr>
-              <a:t>đóng</a:t>
-            </a:r>
-            <a:r>
-              <a:rPr lang="en-US" sz="2800" dirty="0">
-                <a:latin typeface="+mn-lt"/>
-                <a:cs typeface="Times New Roman" panose="02020603050405020304" pitchFamily="18" charset="0"/>
-              </a:rPr>
-              <a:t> </a:t>
+              <a:rPr lang="en-US" sz="2800">
+                <a:latin typeface="+mn-lt"/>
+                <a:cs typeface="Times New Roman" panose="02020603050405020304" pitchFamily="18" charset="0"/>
+              </a:rPr>
+              <a:t> Dòng điện đóng </a:t>
             </a:r>
             <a:r>
               <a:rPr lang="en-US" sz="2800" dirty="0" err="1">
@@ -5427,6 +4702,390 @@
 </p:sld>
 </file>
 
+<file path=ppt/slides/slide11.xml><?xml version="1.0" encoding="utf-8"?>
+<p:sld xmlns:a="http://schemas.openxmlformats.org/drawingml/2006/main" xmlns:r="http://schemas.openxmlformats.org/officeDocument/2006/relationships" xmlns:p="http://schemas.openxmlformats.org/presentationml/2006/main">
+  <p:cSld>
+    <p:spTree>
+      <p:nvGrpSpPr>
+        <p:cNvPr id="1" name=""/>
+        <p:cNvGrpSpPr/>
+        <p:nvPr/>
+      </p:nvGrpSpPr>
+      <p:grpSpPr>
+        <a:xfrm>
+          <a:off x="0" y="0"/>
+          <a:ext cx="0" cy="0"/>
+          <a:chOff x="0" y="0"/>
+          <a:chExt cx="0" cy="0"/>
+        </a:xfrm>
+      </p:grpSpPr>
+      <p:sp>
+        <p:nvSpPr>
+          <p:cNvPr id="5" name="Content Placeholder 4">
+            <a:extLst>
+              <a:ext uri="{FF2B5EF4-FFF2-40B4-BE49-F238E27FC236}">
+                <a16:creationId xmlns:a16="http://schemas.microsoft.com/office/drawing/2014/main" id="{82AD3B8F-023F-4D30-80AA-BE5F44F41593}"/>
+              </a:ext>
+            </a:extLst>
+          </p:cNvPr>
+          <p:cNvSpPr>
+            <a:spLocks noGrp="1"/>
+          </p:cNvSpPr>
+          <p:nvPr>
+            <p:ph sz="quarter" idx="10"/>
+          </p:nvPr>
+        </p:nvSpPr>
+        <p:spPr/>
+        <p:txBody>
+          <a:bodyPr/>
+          <a:lstStyle/>
+          <a:p>
+            <a:pPr marL="0" indent="0">
+              <a:buNone/>
+            </a:pPr>
+            <a:r>
+              <a:rPr lang="en-US" dirty="0">
+                <a:latin typeface="+mn-lt"/>
+                <a:cs typeface="Times New Roman" panose="02020603050405020304" pitchFamily="18" charset="0"/>
+              </a:rPr>
+              <a:t>2.2. </a:t>
+            </a:r>
+            <a:r>
+              <a:rPr lang="en-US" dirty="0" err="1">
+                <a:latin typeface="+mn-lt"/>
+                <a:cs typeface="Times New Roman" panose="02020603050405020304" pitchFamily="18" charset="0"/>
+              </a:rPr>
+              <a:t>Thiết</a:t>
+            </a:r>
+            <a:r>
+              <a:rPr lang="en-US" dirty="0">
+                <a:latin typeface="+mn-lt"/>
+                <a:cs typeface="Times New Roman" panose="02020603050405020304" pitchFamily="18" charset="0"/>
+              </a:rPr>
+              <a:t> </a:t>
+            </a:r>
+            <a:r>
+              <a:rPr lang="en-US" dirty="0" err="1">
+                <a:latin typeface="+mn-lt"/>
+                <a:cs typeface="Times New Roman" panose="02020603050405020304" pitchFamily="18" charset="0"/>
+              </a:rPr>
+              <a:t>kế</a:t>
+            </a:r>
+            <a:r>
+              <a:rPr lang="en-US" dirty="0">
+                <a:latin typeface="+mn-lt"/>
+                <a:cs typeface="Times New Roman" panose="02020603050405020304" pitchFamily="18" charset="0"/>
+              </a:rPr>
+              <a:t> </a:t>
+            </a:r>
+            <a:r>
+              <a:rPr lang="en-US" err="1">
+                <a:latin typeface="+mn-lt"/>
+                <a:cs typeface="Times New Roman" panose="02020603050405020304" pitchFamily="18" charset="0"/>
+              </a:rPr>
+              <a:t>phần</a:t>
+            </a:r>
+            <a:r>
+              <a:rPr lang="en-US">
+                <a:latin typeface="+mn-lt"/>
+                <a:cs typeface="Times New Roman" panose="02020603050405020304" pitchFamily="18" charset="0"/>
+              </a:rPr>
+              <a:t> cứng</a:t>
+            </a:r>
+          </a:p>
+          <a:p>
+            <a:pPr marL="0" indent="0">
+              <a:buNone/>
+            </a:pPr>
+            <a:endParaRPr lang="en-US" dirty="0">
+              <a:latin typeface="+mn-lt"/>
+              <a:cs typeface="Times New Roman" panose="02020603050405020304" pitchFamily="18" charset="0"/>
+            </a:endParaRPr>
+          </a:p>
+        </p:txBody>
+      </p:sp>
+      <p:sp>
+        <p:nvSpPr>
+          <p:cNvPr id="4" name="Title 3">
+            <a:extLst>
+              <a:ext uri="{FF2B5EF4-FFF2-40B4-BE49-F238E27FC236}">
+                <a16:creationId xmlns:a16="http://schemas.microsoft.com/office/drawing/2014/main" id="{52E18D06-2298-4C20-BF3D-F4536777C955}"/>
+              </a:ext>
+            </a:extLst>
+          </p:cNvPr>
+          <p:cNvSpPr>
+            <a:spLocks noGrp="1"/>
+          </p:cNvSpPr>
+          <p:nvPr>
+            <p:ph type="title"/>
+          </p:nvPr>
+        </p:nvSpPr>
+        <p:spPr/>
+        <p:txBody>
+          <a:bodyPr/>
+          <a:lstStyle/>
+          <a:p>
+            <a:r>
+              <a:rPr lang="en-US">
+                <a:latin typeface="+mn-lt"/>
+                <a:cs typeface="Times New Roman" panose="02020603050405020304" pitchFamily="18" charset="0"/>
+              </a:rPr>
+              <a:t>2. Phân tích và thiết kế</a:t>
+            </a:r>
+          </a:p>
+        </p:txBody>
+      </p:sp>
+      <p:sp>
+        <p:nvSpPr>
+          <p:cNvPr id="7" name="Text Placeholder 2">
+            <a:extLst>
+              <a:ext uri="{FF2B5EF4-FFF2-40B4-BE49-F238E27FC236}">
+                <a16:creationId xmlns:a16="http://schemas.microsoft.com/office/drawing/2014/main" id="{AA2C9F94-EF4C-44BA-A4B1-AAFA5A68DD4E}"/>
+              </a:ext>
+            </a:extLst>
+          </p:cNvPr>
+          <p:cNvSpPr txBox="1">
+            <a:spLocks/>
+          </p:cNvSpPr>
+          <p:nvPr/>
+        </p:nvSpPr>
+        <p:spPr>
+          <a:xfrm>
+            <a:off x="11240542" y="5960933"/>
+            <a:ext cx="612722" cy="436098"/>
+          </a:xfrm>
+          <a:prstGeom prst="rect">
+            <a:avLst/>
+          </a:prstGeom>
+        </p:spPr>
+        <p:txBody>
+          <a:bodyPr/>
+          <a:lstStyle>
+            <a:lvl1pPr marL="228600" indent="-228600" algn="l" defTabSz="914400" rtl="0" eaLnBrk="1" latinLnBrk="0" hangingPunct="1">
+              <a:lnSpc>
+                <a:spcPct val="90000"/>
+              </a:lnSpc>
+              <a:spcBef>
+                <a:spcPts val="1000"/>
+              </a:spcBef>
+              <a:buFont typeface="Arial" panose="020B0604020202020204" pitchFamily="34" charset="0"/>
+              <a:buChar char="•"/>
+              <a:defRPr sz="2800" kern="1200">
+                <a:solidFill>
+                  <a:schemeClr val="tx1"/>
+                </a:solidFill>
+                <a:latin typeface="Lato" panose="020F0502020204030203" pitchFamily="34" charset="0"/>
+                <a:ea typeface="Lato" panose="020F0502020204030203" pitchFamily="34" charset="0"/>
+                <a:cs typeface="Lato" panose="020F0502020204030203" pitchFamily="34" charset="0"/>
+              </a:defRPr>
+            </a:lvl1pPr>
+            <a:lvl2pPr marL="685800" indent="-228600" algn="l" defTabSz="914400" rtl="0" eaLnBrk="1" latinLnBrk="0" hangingPunct="1">
+              <a:lnSpc>
+                <a:spcPct val="90000"/>
+              </a:lnSpc>
+              <a:spcBef>
+                <a:spcPts val="500"/>
+              </a:spcBef>
+              <a:buFont typeface="Arial" panose="020B0604020202020204" pitchFamily="34" charset="0"/>
+              <a:buChar char="•"/>
+              <a:defRPr sz="2400" kern="1200">
+                <a:solidFill>
+                  <a:schemeClr val="tx1"/>
+                </a:solidFill>
+                <a:latin typeface="Lato" panose="020F0502020204030203" pitchFamily="34" charset="0"/>
+                <a:ea typeface="Lato" panose="020F0502020204030203" pitchFamily="34" charset="0"/>
+                <a:cs typeface="Lato" panose="020F0502020204030203" pitchFamily="34" charset="0"/>
+              </a:defRPr>
+            </a:lvl2pPr>
+            <a:lvl3pPr marL="1143000" indent="-228600" algn="l" defTabSz="914400" rtl="0" eaLnBrk="1" latinLnBrk="0" hangingPunct="1">
+              <a:lnSpc>
+                <a:spcPct val="90000"/>
+              </a:lnSpc>
+              <a:spcBef>
+                <a:spcPts val="500"/>
+              </a:spcBef>
+              <a:buFont typeface="Arial" panose="020B0604020202020204" pitchFamily="34" charset="0"/>
+              <a:buChar char="•"/>
+              <a:defRPr sz="2000" kern="1200">
+                <a:solidFill>
+                  <a:schemeClr val="tx1"/>
+                </a:solidFill>
+                <a:latin typeface="Lato" panose="020F0502020204030203" pitchFamily="34" charset="0"/>
+                <a:ea typeface="Lato" panose="020F0502020204030203" pitchFamily="34" charset="0"/>
+                <a:cs typeface="Lato" panose="020F0502020204030203" pitchFamily="34" charset="0"/>
+              </a:defRPr>
+            </a:lvl3pPr>
+            <a:lvl4pPr marL="1600200" indent="-228600" algn="l" defTabSz="914400" rtl="0" eaLnBrk="1" latinLnBrk="0" hangingPunct="1">
+              <a:lnSpc>
+                <a:spcPct val="90000"/>
+              </a:lnSpc>
+              <a:spcBef>
+                <a:spcPts val="500"/>
+              </a:spcBef>
+              <a:buFont typeface="Arial" panose="020B0604020202020204" pitchFamily="34" charset="0"/>
+              <a:buChar char="•"/>
+              <a:defRPr sz="1800" kern="1200">
+                <a:solidFill>
+                  <a:schemeClr val="tx1"/>
+                </a:solidFill>
+                <a:latin typeface="Lato" panose="020F0502020204030203" pitchFamily="34" charset="0"/>
+                <a:ea typeface="Lato" panose="020F0502020204030203" pitchFamily="34" charset="0"/>
+                <a:cs typeface="Lato" panose="020F0502020204030203" pitchFamily="34" charset="0"/>
+              </a:defRPr>
+            </a:lvl4pPr>
+            <a:lvl5pPr marL="2057400" indent="-228600" algn="l" defTabSz="914400" rtl="0" eaLnBrk="1" latinLnBrk="0" hangingPunct="1">
+              <a:lnSpc>
+                <a:spcPct val="90000"/>
+              </a:lnSpc>
+              <a:spcBef>
+                <a:spcPts val="500"/>
+              </a:spcBef>
+              <a:buFont typeface="Arial" panose="020B0604020202020204" pitchFamily="34" charset="0"/>
+              <a:buChar char="•"/>
+              <a:defRPr sz="1800" kern="1200">
+                <a:solidFill>
+                  <a:schemeClr val="tx1"/>
+                </a:solidFill>
+                <a:latin typeface="Lato" panose="020F0502020204030203" pitchFamily="34" charset="0"/>
+                <a:ea typeface="Lato" panose="020F0502020204030203" pitchFamily="34" charset="0"/>
+                <a:cs typeface="Lato" panose="020F0502020204030203" pitchFamily="34" charset="0"/>
+              </a:defRPr>
+            </a:lvl5pPr>
+            <a:lvl6pPr marL="2514600" indent="-228600" algn="l" defTabSz="914400" rtl="0" eaLnBrk="1" latinLnBrk="0" hangingPunct="1">
+              <a:lnSpc>
+                <a:spcPct val="90000"/>
+              </a:lnSpc>
+              <a:spcBef>
+                <a:spcPts val="500"/>
+              </a:spcBef>
+              <a:buFont typeface="Arial" panose="020B0604020202020204" pitchFamily="34" charset="0"/>
+              <a:buChar char="•"/>
+              <a:defRPr sz="1800" kern="1200">
+                <a:solidFill>
+                  <a:schemeClr val="tx1"/>
+                </a:solidFill>
+                <a:latin typeface="+mn-lt"/>
+                <a:ea typeface="+mn-ea"/>
+                <a:cs typeface="+mn-cs"/>
+              </a:defRPr>
+            </a:lvl6pPr>
+            <a:lvl7pPr marL="2971800" indent="-228600" algn="l" defTabSz="914400" rtl="0" eaLnBrk="1" latinLnBrk="0" hangingPunct="1">
+              <a:lnSpc>
+                <a:spcPct val="90000"/>
+              </a:lnSpc>
+              <a:spcBef>
+                <a:spcPts val="500"/>
+              </a:spcBef>
+              <a:buFont typeface="Arial" panose="020B0604020202020204" pitchFamily="34" charset="0"/>
+              <a:buChar char="•"/>
+              <a:defRPr sz="1800" kern="1200">
+                <a:solidFill>
+                  <a:schemeClr val="tx1"/>
+                </a:solidFill>
+                <a:latin typeface="+mn-lt"/>
+                <a:ea typeface="+mn-ea"/>
+                <a:cs typeface="+mn-cs"/>
+              </a:defRPr>
+            </a:lvl7pPr>
+            <a:lvl8pPr marL="3429000" indent="-228600" algn="l" defTabSz="914400" rtl="0" eaLnBrk="1" latinLnBrk="0" hangingPunct="1">
+              <a:lnSpc>
+                <a:spcPct val="90000"/>
+              </a:lnSpc>
+              <a:spcBef>
+                <a:spcPts val="500"/>
+              </a:spcBef>
+              <a:buFont typeface="Arial" panose="020B0604020202020204" pitchFamily="34" charset="0"/>
+              <a:buChar char="•"/>
+              <a:defRPr sz="1800" kern="1200">
+                <a:solidFill>
+                  <a:schemeClr val="tx1"/>
+                </a:solidFill>
+                <a:latin typeface="+mn-lt"/>
+                <a:ea typeface="+mn-ea"/>
+                <a:cs typeface="+mn-cs"/>
+              </a:defRPr>
+            </a:lvl8pPr>
+            <a:lvl9pPr marL="3886200" indent="-228600" algn="l" defTabSz="914400" rtl="0" eaLnBrk="1" latinLnBrk="0" hangingPunct="1">
+              <a:lnSpc>
+                <a:spcPct val="90000"/>
+              </a:lnSpc>
+              <a:spcBef>
+                <a:spcPts val="500"/>
+              </a:spcBef>
+              <a:buFont typeface="Arial" panose="020B0604020202020204" pitchFamily="34" charset="0"/>
+              <a:buChar char="•"/>
+              <a:defRPr sz="1800" kern="1200">
+                <a:solidFill>
+                  <a:schemeClr val="tx1"/>
+                </a:solidFill>
+                <a:latin typeface="+mn-lt"/>
+                <a:ea typeface="+mn-ea"/>
+                <a:cs typeface="+mn-cs"/>
+              </a:defRPr>
+            </a:lvl9pPr>
+          </a:lstStyle>
+          <a:p>
+            <a:pPr marL="0" indent="0" algn="ctr">
+              <a:buFont typeface="Arial" panose="020B0604020202020204" pitchFamily="34" charset="0"/>
+              <a:buNone/>
+            </a:pPr>
+            <a:r>
+              <a:rPr lang="en-US" dirty="0">
+                <a:latin typeface="Times New Roman" panose="02020603050405020304" pitchFamily="18" charset="0"/>
+                <a:cs typeface="Times New Roman" panose="02020603050405020304" pitchFamily="18" charset="0"/>
+              </a:rPr>
+              <a:t>8</a:t>
+            </a:r>
+            <a:endParaRPr lang="vi-VN" dirty="0">
+              <a:latin typeface="Times New Roman" panose="02020603050405020304" pitchFamily="18" charset="0"/>
+              <a:cs typeface="Times New Roman" panose="02020603050405020304" pitchFamily="18" charset="0"/>
+            </a:endParaRPr>
+          </a:p>
+        </p:txBody>
+      </p:sp>
+      <p:pic>
+        <p:nvPicPr>
+          <p:cNvPr id="8" name="Picture 7">
+            <a:extLst>
+              <a:ext uri="{FF2B5EF4-FFF2-40B4-BE49-F238E27FC236}">
+                <a16:creationId xmlns:a16="http://schemas.microsoft.com/office/drawing/2014/main" id="{D6529674-E94A-4B06-901F-AE99895EA208}"/>
+              </a:ext>
+            </a:extLst>
+          </p:cNvPr>
+          <p:cNvPicPr>
+            <a:picLocks noChangeAspect="1"/>
+          </p:cNvPicPr>
+          <p:nvPr/>
+        </p:nvPicPr>
+        <p:blipFill>
+          <a:blip r:embed="rId3"/>
+          <a:stretch>
+            <a:fillRect/>
+          </a:stretch>
+        </p:blipFill>
+        <p:spPr>
+          <a:xfrm>
+            <a:off x="1698253" y="1478280"/>
+            <a:ext cx="8795494" cy="4700703"/>
+          </a:xfrm>
+          <a:prstGeom prst="rect">
+            <a:avLst/>
+          </a:prstGeom>
+        </p:spPr>
+      </p:pic>
+    </p:spTree>
+    <p:extLst>
+      <p:ext uri="{BB962C8B-B14F-4D97-AF65-F5344CB8AC3E}">
+        <p14:creationId xmlns:p14="http://schemas.microsoft.com/office/powerpoint/2010/main" val="1397932194"/>
+      </p:ext>
+    </p:extLst>
+  </p:cSld>
+  <p:clrMapOvr>
+    <a:masterClrMapping/>
+  </p:clrMapOvr>
+</p:sld>
+</file>
+
 <file path=ppt/slides/slide12.xml><?xml version="1.0" encoding="utf-8"?>
 <p:sld xmlns:a="http://schemas.openxmlformats.org/drawingml/2006/main" xmlns:r="http://schemas.openxmlformats.org/officeDocument/2006/relationships" xmlns:p="http://schemas.openxmlformats.org/presentationml/2006/main">
   <p:cSld>
@@ -5628,17 +5287,13 @@
             </a:r>
           </a:p>
           <a:p>
-            <a:pPr>
-              <a:buFont typeface="Courier New" panose="02070309020205020404" pitchFamily="49" charset="0"/>
-              <a:buChar char="o"/>
+            <a:pPr marL="0" indent="0">
+              <a:buNone/>
             </a:pPr>
-            <a:r>
-              <a:rPr lang="en-US" dirty="0">
-                <a:latin typeface="+mn-lt"/>
-                <a:cs typeface="Times New Roman" panose="02020603050405020304" pitchFamily="18" charset="0"/>
-              </a:rPr>
-              <a:t> LED</a:t>
-            </a:r>
+            <a:endParaRPr lang="en-US" dirty="0">
+              <a:latin typeface="+mn-lt"/>
+              <a:cs typeface="Times New Roman" panose="02020603050405020304" pitchFamily="18" charset="0"/>
+            </a:endParaRPr>
           </a:p>
           <a:p>
             <a:endParaRPr lang="en-US" dirty="0">
@@ -6198,25 +5853,18 @@
               <a:t> </a:t>
             </a:r>
             <a:r>
-              <a:rPr lang="en-US" dirty="0" err="1">
+              <a:rPr lang="en-US" err="1">
                 <a:latin typeface="+mn-lt"/>
                 <a:cs typeface="Times New Roman" panose="02020603050405020304" pitchFamily="18" charset="0"/>
               </a:rPr>
               <a:t>xuống</a:t>
             </a:r>
             <a:r>
-              <a:rPr lang="en-US" dirty="0">
-                <a:latin typeface="+mn-lt"/>
-                <a:cs typeface="Times New Roman" panose="02020603050405020304" pitchFamily="18" charset="0"/>
-              </a:rPr>
-              <a:t> </a:t>
-            </a:r>
-            <a:r>
-              <a:rPr lang="en-US" dirty="0" err="1">
-                <a:latin typeface="+mn-lt"/>
-                <a:cs typeface="Times New Roman" panose="02020603050405020304" pitchFamily="18" charset="0"/>
-              </a:rPr>
-              <a:t>đăt</a:t>
+              <a:rPr lang="en-US">
+                <a:latin typeface="+mn-lt"/>
+                <a:cs typeface="Times New Roman" panose="02020603050405020304" pitchFamily="18" charset="0"/>
+              </a:rPr>
+              <a:t> đất</a:t>
             </a:r>
             <a:endParaRPr lang="en-US" dirty="0">
               <a:latin typeface="+mn-lt"/>
@@ -9359,60 +9007,31 @@
               <a:t> </a:t>
             </a:r>
             <a:r>
-              <a:rPr lang="en-US" dirty="0" err="1">
+              <a:rPr lang="en-US" err="1">
                 <a:latin typeface="+mn-lt"/>
                 <a:cs typeface="Times New Roman" panose="02020603050405020304" pitchFamily="18" charset="0"/>
               </a:rPr>
               <a:t>Triac</a:t>
             </a:r>
             <a:r>
-              <a:rPr lang="en-US" dirty="0">
-                <a:latin typeface="+mn-lt"/>
-                <a:cs typeface="Times New Roman" panose="02020603050405020304" pitchFamily="18" charset="0"/>
-              </a:rPr>
-              <a:t> </a:t>
-            </a:r>
-            <a:r>
-              <a:rPr lang="en-US" dirty="0" err="1">
-                <a:latin typeface="+mn-lt"/>
-                <a:cs typeface="Times New Roman" panose="02020603050405020304" pitchFamily="18" charset="0"/>
-              </a:rPr>
-              <a:t>và</a:t>
-            </a:r>
-            <a:r>
-              <a:rPr lang="en-US" dirty="0">
-                <a:latin typeface="+mn-lt"/>
-                <a:cs typeface="Times New Roman" panose="02020603050405020304" pitchFamily="18" charset="0"/>
-              </a:rPr>
-              <a:t> </a:t>
-            </a:r>
-            <a:r>
-              <a:rPr lang="en-US" dirty="0" err="1">
-                <a:latin typeface="+mn-lt"/>
-                <a:cs typeface="Times New Roman" panose="02020603050405020304" pitchFamily="18" charset="0"/>
-              </a:rPr>
-              <a:t>thực</a:t>
-            </a:r>
-            <a:r>
-              <a:rPr lang="en-US" dirty="0">
-                <a:latin typeface="+mn-lt"/>
-                <a:cs typeface="Times New Roman" panose="02020603050405020304" pitchFamily="18" charset="0"/>
-              </a:rPr>
-              <a:t> </a:t>
-            </a:r>
-            <a:r>
-              <a:rPr lang="en-US" dirty="0" err="1">
-                <a:latin typeface="+mn-lt"/>
-                <a:cs typeface="Times New Roman" panose="02020603050405020304" pitchFamily="18" charset="0"/>
-              </a:rPr>
-              <a:t>thi</a:t>
-            </a:r>
-            <a:r>
-              <a:rPr lang="en-US" dirty="0">
-                <a:latin typeface="+mn-lt"/>
-                <a:cs typeface="Times New Roman" panose="02020603050405020304" pitchFamily="18" charset="0"/>
-              </a:rPr>
-              <a:t> </a:t>
+              <a:rPr lang="en-US">
+                <a:latin typeface="+mn-lt"/>
+                <a:cs typeface="Times New Roman" panose="02020603050405020304" pitchFamily="18" charset="0"/>
+              </a:rPr>
+              <a:t> </a:t>
+            </a:r>
+          </a:p>
+          <a:p>
+            <a:pPr lvl="1">
+              <a:buFont typeface="Courier New" panose="02070309020205020404" pitchFamily="49" charset="0"/>
+              <a:buChar char="o"/>
+            </a:pPr>
+            <a:r>
+              <a:rPr lang="en-US">
+                <a:latin typeface="+mn-lt"/>
+                <a:cs typeface="Times New Roman" panose="02020603050405020304" pitchFamily="18" charset="0"/>
+              </a:rPr>
+              <a:t> Thực hiện </a:t>
             </a:r>
             <a:r>
               <a:rPr lang="en-US" dirty="0" err="1">
@@ -9944,42 +9563,6 @@
           </a:p>
         </p:txBody>
       </p:sp>
-      <p:pic>
-        <p:nvPicPr>
-          <p:cNvPr id="3" name="Picture 2" descr="Diagram&#10;&#10;Description automatically generated">
-            <a:extLst>
-              <a:ext uri="{FF2B5EF4-FFF2-40B4-BE49-F238E27FC236}">
-                <a16:creationId xmlns:a16="http://schemas.microsoft.com/office/drawing/2014/main" id="{C6DF8470-2175-49E9-B77D-C2F822FA1519}"/>
-              </a:ext>
-            </a:extLst>
-          </p:cNvPr>
-          <p:cNvPicPr>
-            <a:picLocks noChangeAspect="1"/>
-          </p:cNvPicPr>
-          <p:nvPr/>
-        </p:nvPicPr>
-        <p:blipFill>
-          <a:blip r:embed="rId3">
-            <a:extLst>
-              <a:ext uri="{28A0092B-C50C-407E-A947-70E740481C1C}">
-                <a14:useLocalDpi xmlns:a14="http://schemas.microsoft.com/office/drawing/2010/main" val="0"/>
-              </a:ext>
-            </a:extLst>
-          </a:blip>
-          <a:stretch>
-            <a:fillRect/>
-          </a:stretch>
-        </p:blipFill>
-        <p:spPr>
-          <a:xfrm>
-            <a:off x="2771336" y="969851"/>
-            <a:ext cx="6850966" cy="5191531"/>
-          </a:xfrm>
-          <a:prstGeom prst="rect">
-            <a:avLst/>
-          </a:prstGeom>
-        </p:spPr>
-      </p:pic>
       <p:sp>
         <p:nvSpPr>
           <p:cNvPr id="7" name="Text Placeholder 2">
@@ -10188,6 +9771,36 @@
           </a:p>
         </p:txBody>
       </p:sp>
+      <p:pic>
+        <p:nvPicPr>
+          <p:cNvPr id="8" name="Picture 7">
+            <a:extLst>
+              <a:ext uri="{FF2B5EF4-FFF2-40B4-BE49-F238E27FC236}">
+                <a16:creationId xmlns:a16="http://schemas.microsoft.com/office/drawing/2014/main" id="{B94E1DB8-E79A-463D-A9FE-78888FA3CB96}"/>
+              </a:ext>
+            </a:extLst>
+          </p:cNvPr>
+          <p:cNvPicPr>
+            <a:picLocks noChangeAspect="1"/>
+          </p:cNvPicPr>
+          <p:nvPr/>
+        </p:nvPicPr>
+        <p:blipFill>
+          <a:blip r:embed="rId3"/>
+          <a:stretch>
+            <a:fillRect/>
+          </a:stretch>
+        </p:blipFill>
+        <p:spPr>
+          <a:xfrm>
+            <a:off x="1798320" y="853440"/>
+            <a:ext cx="8739502" cy="5332577"/>
+          </a:xfrm>
+          <a:prstGeom prst="rect">
+            <a:avLst/>
+          </a:prstGeom>
+        </p:spPr>
+      </p:pic>
     </p:spTree>
     <p:extLst>
       <p:ext uri="{BB962C8B-B14F-4D97-AF65-F5344CB8AC3E}">
@@ -10908,11 +10521,25 @@
               <a:t> </a:t>
             </a:r>
             <a:r>
+              <a:rPr lang="en-US" sz="2800" err="1">
+                <a:latin typeface="+mn-lt"/>
+                <a:cs typeface="Times New Roman" panose="02020603050405020304" pitchFamily="18" charset="0"/>
+              </a:rPr>
+              <a:t>Nhận</a:t>
+            </a:r>
+            <a:r>
+              <a:rPr lang="en-US" sz="2800">
+                <a:latin typeface="+mn-lt"/>
+                <a:cs typeface="Times New Roman" panose="02020603050405020304" pitchFamily="18" charset="0"/>
+              </a:rPr>
+              <a:t> bản tin và </a:t>
+            </a:r>
+            <a:r>
               <a:rPr lang="en-US" sz="2800" dirty="0" err="1">
                 <a:latin typeface="+mn-lt"/>
                 <a:cs typeface="Times New Roman" panose="02020603050405020304" pitchFamily="18" charset="0"/>
               </a:rPr>
-              <a:t>Nhận</a:t>
+              <a:t>hiển</a:t>
             </a:r>
             <a:r>
               <a:rPr lang="en-US" sz="2800" dirty="0">
@@ -10926,7 +10553,7 @@
                 <a:latin typeface="+mn-lt"/>
                 <a:cs typeface="Times New Roman" panose="02020603050405020304" pitchFamily="18" charset="0"/>
               </a:rPr>
-              <a:t>và</a:t>
+              <a:t>thị</a:t>
             </a:r>
             <a:r>
               <a:rPr lang="en-US" sz="2800" dirty="0">
@@ -10940,7 +10567,7 @@
                 <a:latin typeface="+mn-lt"/>
                 <a:cs typeface="Times New Roman" panose="02020603050405020304" pitchFamily="18" charset="0"/>
               </a:rPr>
-              <a:t>hiển</a:t>
+              <a:t>trạng</a:t>
             </a:r>
             <a:r>
               <a:rPr lang="en-US" sz="2800" dirty="0">
@@ -10954,7 +10581,7 @@
                 <a:latin typeface="+mn-lt"/>
                 <a:cs typeface="Times New Roman" panose="02020603050405020304" pitchFamily="18" charset="0"/>
               </a:rPr>
-              <a:t>thị</a:t>
+              <a:t>thái</a:t>
             </a:r>
             <a:r>
               <a:rPr lang="en-US" sz="2800" dirty="0">
@@ -10968,7 +10595,7 @@
                 <a:latin typeface="+mn-lt"/>
                 <a:cs typeface="Times New Roman" panose="02020603050405020304" pitchFamily="18" charset="0"/>
               </a:rPr>
-              <a:t>trạng</a:t>
+              <a:t>đóng</a:t>
             </a:r>
             <a:r>
               <a:rPr lang="en-US" sz="2800" dirty="0">
@@ -10978,81 +10605,18 @@
               <a:t> </a:t>
             </a:r>
             <a:r>
-              <a:rPr lang="en-US" sz="2800" dirty="0" err="1">
-                <a:latin typeface="+mn-lt"/>
-                <a:cs typeface="Times New Roman" panose="02020603050405020304" pitchFamily="18" charset="0"/>
-              </a:rPr>
-              <a:t>thái</a:t>
-            </a:r>
-            <a:r>
-              <a:rPr lang="en-US" sz="2800" dirty="0">
-                <a:latin typeface="+mn-lt"/>
-                <a:cs typeface="Times New Roman" panose="02020603050405020304" pitchFamily="18" charset="0"/>
-              </a:rPr>
-              <a:t> </a:t>
-            </a:r>
-            <a:r>
-              <a:rPr lang="en-US" sz="2800" dirty="0" err="1">
-                <a:latin typeface="+mn-lt"/>
-                <a:cs typeface="Times New Roman" panose="02020603050405020304" pitchFamily="18" charset="0"/>
-              </a:rPr>
-              <a:t>đóng</a:t>
-            </a:r>
-            <a:r>
-              <a:rPr lang="en-US" sz="2800" dirty="0">
-                <a:latin typeface="+mn-lt"/>
-                <a:cs typeface="Times New Roman" panose="02020603050405020304" pitchFamily="18" charset="0"/>
-              </a:rPr>
-              <a:t> </a:t>
-            </a:r>
-            <a:r>
-              <a:rPr lang="en-US" sz="2800" dirty="0" err="1">
+              <a:rPr lang="en-US" sz="2800" err="1">
                 <a:latin typeface="+mn-lt"/>
                 <a:cs typeface="Times New Roman" panose="02020603050405020304" pitchFamily="18" charset="0"/>
               </a:rPr>
               <a:t>cắt</a:t>
             </a:r>
             <a:r>
-              <a:rPr lang="en-US" sz="2800" dirty="0">
-                <a:latin typeface="+mn-lt"/>
-                <a:cs typeface="Times New Roman" panose="02020603050405020304" pitchFamily="18" charset="0"/>
-              </a:rPr>
-              <a:t> </a:t>
-            </a:r>
-            <a:r>
-              <a:rPr lang="en-US" sz="2800" dirty="0" err="1">
-                <a:latin typeface="+mn-lt"/>
-                <a:cs typeface="Times New Roman" panose="02020603050405020304" pitchFamily="18" charset="0"/>
-              </a:rPr>
-              <a:t>của</a:t>
-            </a:r>
-            <a:r>
-              <a:rPr lang="en-US" sz="2800" dirty="0">
-                <a:latin typeface="+mn-lt"/>
-                <a:cs typeface="Times New Roman" panose="02020603050405020304" pitchFamily="18" charset="0"/>
-              </a:rPr>
-              <a:t> </a:t>
-            </a:r>
-            <a:r>
-              <a:rPr lang="en-US" sz="2800" dirty="0" err="1">
-                <a:latin typeface="+mn-lt"/>
-                <a:cs typeface="Times New Roman" panose="02020603050405020304" pitchFamily="18" charset="0"/>
-              </a:rPr>
-              <a:t>các</a:t>
-            </a:r>
-            <a:r>
-              <a:rPr lang="en-US" sz="2800" dirty="0">
-                <a:latin typeface="+mn-lt"/>
-                <a:cs typeface="Times New Roman" panose="02020603050405020304" pitchFamily="18" charset="0"/>
-              </a:rPr>
-              <a:t> </a:t>
-            </a:r>
-            <a:r>
-              <a:rPr lang="en-US" sz="2800" dirty="0" err="1">
-                <a:latin typeface="+mn-lt"/>
-                <a:cs typeface="Times New Roman" panose="02020603050405020304" pitchFamily="18" charset="0"/>
-              </a:rPr>
-              <a:t>triac</a:t>
+              <a:rPr lang="en-US" sz="2800">
+                <a:latin typeface="+mn-lt"/>
+                <a:cs typeface="Times New Roman" panose="02020603050405020304" pitchFamily="18" charset="0"/>
+              </a:rPr>
+              <a:t> của 4 kênh</a:t>
             </a:r>
             <a:endParaRPr lang="en-US" sz="2800" dirty="0">
               <a:latin typeface="+mn-lt"/>
@@ -12658,32 +12222,18 @@
               <a:t> </a:t>
             </a:r>
             <a:r>
-              <a:rPr lang="en-US" sz="3600" dirty="0" err="1">
+              <a:rPr lang="en-US" sz="3600" err="1">
                 <a:latin typeface="+mn-lt"/>
                 <a:cs typeface="Times New Roman" panose="02020603050405020304" pitchFamily="18" charset="0"/>
               </a:rPr>
               <a:t>điều</a:t>
             </a:r>
             <a:r>
-              <a:rPr lang="en-US" sz="3600" dirty="0">
-                <a:latin typeface="+mn-lt"/>
-                <a:cs typeface="Times New Roman" panose="02020603050405020304" pitchFamily="18" charset="0"/>
-              </a:rPr>
-              <a:t> </a:t>
-            </a:r>
-            <a:r>
-              <a:rPr lang="en-US" sz="3600" dirty="0" err="1">
-                <a:latin typeface="+mn-lt"/>
-                <a:cs typeface="Times New Roman" panose="02020603050405020304" pitchFamily="18" charset="0"/>
-              </a:rPr>
-              <a:t>khiền</a:t>
-            </a:r>
-            <a:r>
-              <a:rPr lang="en-US" sz="3600" dirty="0">
-                <a:latin typeface="+mn-lt"/>
-                <a:cs typeface="Times New Roman" panose="02020603050405020304" pitchFamily="18" charset="0"/>
-              </a:rPr>
-              <a:t> </a:t>
+              <a:rPr lang="en-US" sz="3600">
+                <a:latin typeface="+mn-lt"/>
+                <a:cs typeface="Times New Roman" panose="02020603050405020304" pitchFamily="18" charset="0"/>
+              </a:rPr>
+              <a:t> khiển </a:t>
             </a:r>
             <a:r>
               <a:rPr lang="en-US" sz="3600" dirty="0" err="1">
@@ -22621,7 +22171,7 @@
         </p:nvSpPr>
         <p:spPr>
           <a:xfrm>
-            <a:off x="2897436" y="1905918"/>
+            <a:off x="2897436" y="2041121"/>
             <a:ext cx="8295696" cy="3624550"/>
           </a:xfrm>
           <a:prstGeom prst="rect">
@@ -22654,234 +22204,14 @@
               <a:buAutoNum type="arabicPeriod"/>
             </a:pPr>
             <a:r>
-              <a:rPr lang="en-US" sz="2800" b="0" dirty="0" err="1">
+              <a:rPr lang="en-US" sz="2800" b="0">
                 <a:solidFill>
                   <a:schemeClr val="tx1"/>
                 </a:solidFill>
                 <a:latin typeface="+mn-lt"/>
                 <a:cs typeface="Times New Roman" panose="02020603050405020304" pitchFamily="18" charset="0"/>
               </a:rPr>
-              <a:t>Lý</a:t>
-            </a:r>
-            <a:r>
-              <a:rPr lang="en-US" sz="2800" b="0" dirty="0">
-                <a:solidFill>
-                  <a:schemeClr val="tx1"/>
-                </a:solidFill>
-                <a:latin typeface="+mn-lt"/>
-                <a:cs typeface="Times New Roman" panose="02020603050405020304" pitchFamily="18" charset="0"/>
-              </a:rPr>
-              <a:t> do </a:t>
-            </a:r>
-            <a:r>
-              <a:rPr lang="en-US" sz="2800" b="0" dirty="0" err="1">
-                <a:solidFill>
-                  <a:schemeClr val="tx1"/>
-                </a:solidFill>
-                <a:latin typeface="+mn-lt"/>
-                <a:cs typeface="Times New Roman" panose="02020603050405020304" pitchFamily="18" charset="0"/>
-              </a:rPr>
-              <a:t>chọn</a:t>
-            </a:r>
-            <a:r>
-              <a:rPr lang="en-US" sz="2800" b="0" dirty="0">
-                <a:solidFill>
-                  <a:schemeClr val="tx1"/>
-                </a:solidFill>
-                <a:latin typeface="+mn-lt"/>
-                <a:cs typeface="Times New Roman" panose="02020603050405020304" pitchFamily="18" charset="0"/>
-              </a:rPr>
-              <a:t> </a:t>
-            </a:r>
-            <a:r>
-              <a:rPr lang="en-US" sz="2800" b="0" dirty="0" err="1">
-                <a:solidFill>
-                  <a:schemeClr val="tx1"/>
-                </a:solidFill>
-                <a:latin typeface="+mn-lt"/>
-                <a:cs typeface="Times New Roman" panose="02020603050405020304" pitchFamily="18" charset="0"/>
-              </a:rPr>
-              <a:t>đề</a:t>
-            </a:r>
-            <a:r>
-              <a:rPr lang="en-US" sz="2800" b="0" dirty="0">
-                <a:solidFill>
-                  <a:schemeClr val="tx1"/>
-                </a:solidFill>
-                <a:latin typeface="+mn-lt"/>
-                <a:cs typeface="Times New Roman" panose="02020603050405020304" pitchFamily="18" charset="0"/>
-              </a:rPr>
-              <a:t> </a:t>
-            </a:r>
-            <a:r>
-              <a:rPr lang="en-US" sz="2800" b="0" dirty="0" err="1">
-                <a:solidFill>
-                  <a:schemeClr val="tx1"/>
-                </a:solidFill>
-                <a:latin typeface="+mn-lt"/>
-                <a:cs typeface="Times New Roman" panose="02020603050405020304" pitchFamily="18" charset="0"/>
-              </a:rPr>
-              <a:t>tài</a:t>
-            </a:r>
-            <a:r>
-              <a:rPr lang="en-US" sz="2800" b="0" dirty="0">
-                <a:solidFill>
-                  <a:schemeClr val="tx1"/>
-                </a:solidFill>
-                <a:latin typeface="+mn-lt"/>
-                <a:cs typeface="Times New Roman" panose="02020603050405020304" pitchFamily="18" charset="0"/>
-              </a:rPr>
-              <a:t>, </a:t>
-            </a:r>
-            <a:r>
-              <a:rPr lang="en-US" sz="2800" b="0" dirty="0" err="1">
-                <a:solidFill>
-                  <a:schemeClr val="tx1"/>
-                </a:solidFill>
-                <a:latin typeface="+mn-lt"/>
-                <a:cs typeface="Times New Roman" panose="02020603050405020304" pitchFamily="18" charset="0"/>
-              </a:rPr>
-              <a:t>mục</a:t>
-            </a:r>
-            <a:r>
-              <a:rPr lang="en-US" sz="2800" b="0" dirty="0">
-                <a:solidFill>
-                  <a:schemeClr val="tx1"/>
-                </a:solidFill>
-                <a:latin typeface="+mn-lt"/>
-                <a:cs typeface="Times New Roman" panose="02020603050405020304" pitchFamily="18" charset="0"/>
-              </a:rPr>
-              <a:t> </a:t>
-            </a:r>
-            <a:r>
-              <a:rPr lang="en-US" sz="2800" b="0" dirty="0" err="1">
-                <a:solidFill>
-                  <a:schemeClr val="tx1"/>
-                </a:solidFill>
-                <a:latin typeface="+mn-lt"/>
-                <a:cs typeface="Times New Roman" panose="02020603050405020304" pitchFamily="18" charset="0"/>
-              </a:rPr>
-              <a:t>đích</a:t>
-            </a:r>
-            <a:r>
-              <a:rPr lang="en-US" sz="2800" b="0" dirty="0">
-                <a:solidFill>
-                  <a:schemeClr val="tx1"/>
-                </a:solidFill>
-                <a:latin typeface="+mn-lt"/>
-                <a:cs typeface="Times New Roman" panose="02020603050405020304" pitchFamily="18" charset="0"/>
-              </a:rPr>
-              <a:t> </a:t>
-            </a:r>
-            <a:r>
-              <a:rPr lang="en-US" sz="2800" b="0" dirty="0" err="1">
-                <a:solidFill>
-                  <a:schemeClr val="tx1"/>
-                </a:solidFill>
-                <a:latin typeface="+mn-lt"/>
-                <a:cs typeface="Times New Roman" panose="02020603050405020304" pitchFamily="18" charset="0"/>
-              </a:rPr>
-              <a:t>và</a:t>
-            </a:r>
-            <a:r>
-              <a:rPr lang="en-US" sz="2800" b="0" dirty="0">
-                <a:solidFill>
-                  <a:schemeClr val="tx1"/>
-                </a:solidFill>
-                <a:latin typeface="+mn-lt"/>
-                <a:cs typeface="Times New Roman" panose="02020603050405020304" pitchFamily="18" charset="0"/>
-              </a:rPr>
-              <a:t> </a:t>
-            </a:r>
-            <a:r>
-              <a:rPr lang="en-US" sz="2800" b="0" dirty="0" err="1">
-                <a:solidFill>
-                  <a:schemeClr val="tx1"/>
-                </a:solidFill>
-                <a:latin typeface="+mn-lt"/>
-                <a:cs typeface="Times New Roman" panose="02020603050405020304" pitchFamily="18" charset="0"/>
-              </a:rPr>
-              <a:t>yêu</a:t>
-            </a:r>
-            <a:r>
-              <a:rPr lang="en-US" sz="2800" b="0" dirty="0">
-                <a:solidFill>
-                  <a:schemeClr val="tx1"/>
-                </a:solidFill>
-                <a:latin typeface="+mn-lt"/>
-                <a:cs typeface="Times New Roman" panose="02020603050405020304" pitchFamily="18" charset="0"/>
-              </a:rPr>
-              <a:t> </a:t>
-            </a:r>
-            <a:r>
-              <a:rPr lang="en-US" sz="2800" b="0" dirty="0" err="1">
-                <a:solidFill>
-                  <a:schemeClr val="tx1"/>
-                </a:solidFill>
-                <a:latin typeface="+mn-lt"/>
-                <a:cs typeface="Times New Roman" panose="02020603050405020304" pitchFamily="18" charset="0"/>
-              </a:rPr>
-              <a:t>cầu</a:t>
-            </a:r>
-            <a:r>
-              <a:rPr lang="en-US" sz="2800" b="0" dirty="0">
-                <a:solidFill>
-                  <a:schemeClr val="tx1"/>
-                </a:solidFill>
-                <a:latin typeface="+mn-lt"/>
-                <a:cs typeface="Times New Roman" panose="02020603050405020304" pitchFamily="18" charset="0"/>
-              </a:rPr>
-              <a:t> </a:t>
-            </a:r>
-            <a:r>
-              <a:rPr lang="en-US" sz="2800" b="0" dirty="0" err="1">
-                <a:solidFill>
-                  <a:schemeClr val="tx1"/>
-                </a:solidFill>
-                <a:latin typeface="+mn-lt"/>
-                <a:cs typeface="Times New Roman" panose="02020603050405020304" pitchFamily="18" charset="0"/>
-              </a:rPr>
-              <a:t>của</a:t>
-            </a:r>
-            <a:r>
-              <a:rPr lang="en-US" sz="2800" b="0" dirty="0">
-                <a:solidFill>
-                  <a:schemeClr val="tx1"/>
-                </a:solidFill>
-                <a:latin typeface="+mn-lt"/>
-                <a:cs typeface="Times New Roman" panose="02020603050405020304" pitchFamily="18" charset="0"/>
-              </a:rPr>
-              <a:t> </a:t>
-            </a:r>
-            <a:r>
-              <a:rPr lang="en-US" sz="2800" b="0" dirty="0" err="1">
-                <a:solidFill>
-                  <a:schemeClr val="tx1"/>
-                </a:solidFill>
-                <a:latin typeface="+mn-lt"/>
-                <a:cs typeface="Times New Roman" panose="02020603050405020304" pitchFamily="18" charset="0"/>
-              </a:rPr>
-              <a:t>đồ</a:t>
-            </a:r>
-            <a:r>
-              <a:rPr lang="en-US" sz="2800" b="0" dirty="0">
-                <a:solidFill>
-                  <a:schemeClr val="tx1"/>
-                </a:solidFill>
-                <a:latin typeface="+mn-lt"/>
-                <a:cs typeface="Times New Roman" panose="02020603050405020304" pitchFamily="18" charset="0"/>
-              </a:rPr>
-              <a:t> </a:t>
-            </a:r>
-            <a:r>
-              <a:rPr lang="en-US" sz="2800" b="0" dirty="0" err="1">
-                <a:solidFill>
-                  <a:schemeClr val="tx1"/>
-                </a:solidFill>
-                <a:latin typeface="+mn-lt"/>
-                <a:cs typeface="Times New Roman" panose="02020603050405020304" pitchFamily="18" charset="0"/>
-              </a:rPr>
-              <a:t>án</a:t>
+              <a:t>Đặt vấn đề</a:t>
             </a:r>
             <a:endParaRPr lang="en-US" sz="2800" b="0" dirty="0">
               <a:solidFill>
@@ -23001,105 +22331,13 @@
               <a:rPr lang="en-US" sz="100" b="0" dirty="0">
                 <a:cs typeface="Times New Roman" panose="02020603050405020304" pitchFamily="18" charset="0"/>
               </a:rPr>
-              <a:t>1. </a:t>
-            </a:r>
-          </a:p>
-          <a:p>
-            <a:pPr marL="971550" lvl="1" indent="-514350">
-              <a:buAutoNum type="arabicPeriod"/>
-            </a:pPr>
-            <a:endParaRPr lang="en-US" sz="100" dirty="0">
-              <a:cs typeface="Times New Roman" panose="02020603050405020304" pitchFamily="18" charset="0"/>
-            </a:endParaRPr>
-          </a:p>
-          <a:p>
-            <a:pPr marL="971550" lvl="1" indent="-514350">
-              <a:buAutoNum type="arabicPeriod"/>
-            </a:pPr>
-            <a:endParaRPr lang="en-US" sz="100" b="0" dirty="0">
-              <a:cs typeface="Times New Roman" panose="02020603050405020304" pitchFamily="18" charset="0"/>
-            </a:endParaRPr>
-          </a:p>
-          <a:p>
-            <a:r>
-              <a:rPr lang="en-US" sz="2800" b="0" dirty="0">
-                <a:solidFill>
-                  <a:schemeClr val="tx1"/>
-                </a:solidFill>
-                <a:latin typeface="+mn-lt"/>
-                <a:cs typeface="Times New Roman" panose="02020603050405020304" pitchFamily="18" charset="0"/>
-              </a:rPr>
-              <a:t>	2.1. </a:t>
-            </a:r>
-            <a:r>
-              <a:rPr lang="en-US" sz="2800" b="0" dirty="0" err="1">
-                <a:solidFill>
-                  <a:schemeClr val="tx1"/>
-                </a:solidFill>
-                <a:latin typeface="+mn-lt"/>
-                <a:cs typeface="Times New Roman" panose="02020603050405020304" pitchFamily="18" charset="0"/>
-              </a:rPr>
-              <a:t>Công</a:t>
-            </a:r>
-            <a:r>
-              <a:rPr lang="en-US" sz="2800" b="0" dirty="0">
-                <a:solidFill>
-                  <a:schemeClr val="tx1"/>
-                </a:solidFill>
-                <a:latin typeface="+mn-lt"/>
-                <a:cs typeface="Times New Roman" panose="02020603050405020304" pitchFamily="18" charset="0"/>
-              </a:rPr>
-              <a:t> </a:t>
-            </a:r>
-            <a:r>
-              <a:rPr lang="en-US" sz="2800" b="0" dirty="0" err="1">
-                <a:solidFill>
-                  <a:schemeClr val="tx1"/>
-                </a:solidFill>
-                <a:latin typeface="+mn-lt"/>
-                <a:cs typeface="Times New Roman" panose="02020603050405020304" pitchFamily="18" charset="0"/>
-              </a:rPr>
-              <a:t>cụ</a:t>
-            </a:r>
-            <a:r>
-              <a:rPr lang="en-US" sz="2800" b="0" dirty="0">
-                <a:solidFill>
-                  <a:schemeClr val="tx1"/>
-                </a:solidFill>
-                <a:latin typeface="+mn-lt"/>
-                <a:cs typeface="Times New Roman" panose="02020603050405020304" pitchFamily="18" charset="0"/>
-              </a:rPr>
-              <a:t> </a:t>
-            </a:r>
-            <a:r>
-              <a:rPr lang="en-US" sz="2800" b="0" dirty="0" err="1">
-                <a:solidFill>
-                  <a:schemeClr val="tx1"/>
-                </a:solidFill>
-                <a:latin typeface="+mn-lt"/>
-                <a:cs typeface="Times New Roman" panose="02020603050405020304" pitchFamily="18" charset="0"/>
-              </a:rPr>
-              <a:t>sử</a:t>
-            </a:r>
-            <a:r>
-              <a:rPr lang="en-US" sz="2800" b="0" dirty="0">
-                <a:solidFill>
-                  <a:schemeClr val="tx1"/>
-                </a:solidFill>
-                <a:latin typeface="+mn-lt"/>
-                <a:cs typeface="Times New Roman" panose="02020603050405020304" pitchFamily="18" charset="0"/>
-              </a:rPr>
-              <a:t> </a:t>
-            </a:r>
-            <a:r>
-              <a:rPr lang="en-US" sz="2800" b="0" dirty="0" err="1">
-                <a:solidFill>
-                  <a:schemeClr val="tx1"/>
-                </a:solidFill>
-                <a:latin typeface="+mn-lt"/>
-                <a:cs typeface="Times New Roman" panose="02020603050405020304" pitchFamily="18" charset="0"/>
-              </a:rPr>
-              <a:t>dụng</a:t>
+              <a:t>1</a:t>
+            </a:r>
+            <a:r>
+              <a:rPr lang="en-US" sz="100" b="0">
+                <a:cs typeface="Times New Roman" panose="02020603050405020304" pitchFamily="18" charset="0"/>
+              </a:rPr>
+              <a:t>. </a:t>
             </a:r>
             <a:endParaRPr lang="en-US" sz="2800" b="0" dirty="0">
               <a:solidFill>
@@ -23111,14 +22349,14 @@
           </a:p>
           <a:p>
             <a:r>
-              <a:rPr lang="en-US" sz="2800" b="0" dirty="0">
+              <a:rPr lang="en-US" sz="2800" b="0">
                 <a:solidFill>
                   <a:schemeClr val="tx1"/>
                 </a:solidFill>
                 <a:latin typeface="+mn-lt"/>
                 <a:cs typeface="Times New Roman" panose="02020603050405020304" pitchFamily="18" charset="0"/>
               </a:rPr>
-              <a:t>	2.2. </a:t>
+              <a:t>	2.1. </a:t>
             </a:r>
             <a:r>
               <a:rPr lang="en-US" sz="2800" b="0" dirty="0" err="1">
@@ -23200,14 +22438,14 @@
           </a:p>
           <a:p>
             <a:r>
-              <a:rPr lang="en-US" sz="2800" b="0" dirty="0">
+              <a:rPr lang="en-US" sz="2800" b="0">
                 <a:solidFill>
                   <a:schemeClr val="tx1"/>
                 </a:solidFill>
                 <a:latin typeface="+mn-lt"/>
                 <a:cs typeface="Times New Roman" panose="02020603050405020304" pitchFamily="18" charset="0"/>
               </a:rPr>
-              <a:t>	2.3. </a:t>
+              <a:t>	2.2. </a:t>
             </a:r>
             <a:r>
               <a:rPr lang="en-US" sz="2800" b="0" dirty="0" err="1">
@@ -23329,14 +22567,14 @@
           </a:p>
           <a:p>
             <a:r>
-              <a:rPr lang="en-US" sz="2800" b="0" dirty="0">
+              <a:rPr lang="en-US" sz="2800" b="0">
                 <a:solidFill>
                   <a:schemeClr val="tx1"/>
                 </a:solidFill>
                 <a:latin typeface="+mn-lt"/>
                 <a:cs typeface="Times New Roman" panose="02020603050405020304" pitchFamily="18" charset="0"/>
               </a:rPr>
-              <a:t>	2.4. </a:t>
+              <a:t>	2.3. </a:t>
             </a:r>
             <a:r>
               <a:rPr lang="en-US" sz="2800" b="0" dirty="0" err="1">
@@ -23812,7 +23050,7 @@
         <p:spPr>
           <a:xfrm>
             <a:off x="338736" y="1058844"/>
-            <a:ext cx="5757264" cy="4909124"/>
+            <a:ext cx="6244946" cy="4909124"/>
           </a:xfrm>
         </p:spPr>
         <p:txBody>
@@ -23820,55 +23058,55 @@
           <a:lstStyle/>
           <a:p>
             <a:r>
-              <a:rPr lang="en-US" sz="2000" dirty="0" err="1">
+              <a:rPr lang="en-US" sz="2400" dirty="0" err="1">
                 <a:latin typeface="+mn-lt"/>
                 <a:cs typeface="Times New Roman" panose="02020603050405020304" pitchFamily="18" charset="0"/>
               </a:rPr>
               <a:t>Lý</a:t>
             </a:r>
             <a:r>
-              <a:rPr lang="en-US" sz="2000" dirty="0">
+              <a:rPr lang="en-US" sz="2400" dirty="0">
                 <a:latin typeface="+mn-lt"/>
                 <a:cs typeface="Times New Roman" panose="02020603050405020304" pitchFamily="18" charset="0"/>
               </a:rPr>
               <a:t> do </a:t>
             </a:r>
             <a:r>
-              <a:rPr lang="en-US" sz="2000" dirty="0" err="1">
+              <a:rPr lang="en-US" sz="2400" dirty="0" err="1">
                 <a:latin typeface="+mn-lt"/>
                 <a:cs typeface="Times New Roman" panose="02020603050405020304" pitchFamily="18" charset="0"/>
               </a:rPr>
               <a:t>chọn</a:t>
             </a:r>
             <a:r>
-              <a:rPr lang="en-US" sz="2000" dirty="0">
-                <a:latin typeface="+mn-lt"/>
-                <a:cs typeface="Times New Roman" panose="02020603050405020304" pitchFamily="18" charset="0"/>
-              </a:rPr>
-              <a:t> </a:t>
-            </a:r>
-            <a:r>
-              <a:rPr lang="en-US" sz="2000" dirty="0" err="1">
+              <a:rPr lang="en-US" sz="2400" dirty="0">
+                <a:latin typeface="+mn-lt"/>
+                <a:cs typeface="Times New Roman" panose="02020603050405020304" pitchFamily="18" charset="0"/>
+              </a:rPr>
+              <a:t> </a:t>
+            </a:r>
+            <a:r>
+              <a:rPr lang="en-US" sz="2400" dirty="0" err="1">
                 <a:latin typeface="+mn-lt"/>
                 <a:cs typeface="Times New Roman" panose="02020603050405020304" pitchFamily="18" charset="0"/>
               </a:rPr>
               <a:t>đề</a:t>
             </a:r>
             <a:r>
-              <a:rPr lang="en-US" sz="2000" dirty="0">
-                <a:latin typeface="+mn-lt"/>
-                <a:cs typeface="Times New Roman" panose="02020603050405020304" pitchFamily="18" charset="0"/>
-              </a:rPr>
-              <a:t> </a:t>
-            </a:r>
-            <a:r>
-              <a:rPr lang="en-US" sz="2000" dirty="0" err="1">
+              <a:rPr lang="en-US" sz="2400" dirty="0">
+                <a:latin typeface="+mn-lt"/>
+                <a:cs typeface="Times New Roman" panose="02020603050405020304" pitchFamily="18" charset="0"/>
+              </a:rPr>
+              <a:t> </a:t>
+            </a:r>
+            <a:r>
+              <a:rPr lang="en-US" sz="2400" dirty="0" err="1">
                 <a:latin typeface="+mn-lt"/>
                 <a:cs typeface="Times New Roman" panose="02020603050405020304" pitchFamily="18" charset="0"/>
               </a:rPr>
               <a:t>tài</a:t>
             </a:r>
-            <a:endParaRPr lang="en-US" sz="2000" dirty="0">
+            <a:endParaRPr lang="en-US" sz="2400" dirty="0">
               <a:latin typeface="+mn-lt"/>
               <a:cs typeface="Times New Roman" panose="02020603050405020304" pitchFamily="18" charset="0"/>
             </a:endParaRPr>
@@ -23879,13 +23117,13 @@
               <a:buChar char="o"/>
             </a:pPr>
             <a:r>
-              <a:rPr lang="en-US" sz="2000">
+              <a:rPr lang="en-US">
                 <a:latin typeface="+mn-lt"/>
                 <a:cs typeface="Times New Roman" panose="02020603050405020304" pitchFamily="18" charset="0"/>
               </a:rPr>
               <a:t>Nhu cầu điều khiển từ xa các thiết bị điện</a:t>
             </a:r>
-            <a:endParaRPr lang="en-US" sz="2000" dirty="0">
+            <a:endParaRPr lang="en-US" dirty="0">
               <a:latin typeface="+mn-lt"/>
               <a:cs typeface="Times New Roman" panose="02020603050405020304" pitchFamily="18" charset="0"/>
             </a:endParaRPr>
@@ -23896,42 +23134,42 @@
               <a:buChar char="o"/>
             </a:pPr>
             <a:r>
-              <a:rPr lang="en-US" sz="2000">
+              <a:rPr lang="en-US">
                 <a:latin typeface="+mn-lt"/>
                 <a:cs typeface="Times New Roman" panose="02020603050405020304" pitchFamily="18" charset="0"/>
               </a:rPr>
               <a:t>Công nghệ </a:t>
             </a:r>
             <a:r>
-              <a:rPr lang="en-US" sz="2000" dirty="0">
+              <a:rPr lang="en-US" dirty="0">
                 <a:latin typeface="+mn-lt"/>
                 <a:cs typeface="Times New Roman" panose="02020603050405020304" pitchFamily="18" charset="0"/>
               </a:rPr>
               <a:t>Internet </a:t>
             </a:r>
             <a:r>
-              <a:rPr lang="en-US" sz="2000" dirty="0" err="1">
+              <a:rPr lang="en-US" dirty="0" err="1">
                 <a:latin typeface="+mn-lt"/>
                 <a:cs typeface="Times New Roman" panose="02020603050405020304" pitchFamily="18" charset="0"/>
               </a:rPr>
               <a:t>vạn</a:t>
             </a:r>
             <a:r>
-              <a:rPr lang="en-US" sz="2000" dirty="0">
-                <a:latin typeface="+mn-lt"/>
-                <a:cs typeface="Times New Roman" panose="02020603050405020304" pitchFamily="18" charset="0"/>
-              </a:rPr>
-              <a:t> </a:t>
-            </a:r>
-            <a:r>
-              <a:rPr lang="en-US" sz="2000" dirty="0" err="1">
+              <a:rPr lang="en-US" dirty="0">
+                <a:latin typeface="+mn-lt"/>
+                <a:cs typeface="Times New Roman" panose="02020603050405020304" pitchFamily="18" charset="0"/>
+              </a:rPr>
+              <a:t> </a:t>
+            </a:r>
+            <a:r>
+              <a:rPr lang="en-US" dirty="0" err="1">
                 <a:latin typeface="+mn-lt"/>
                 <a:cs typeface="Times New Roman" panose="02020603050405020304" pitchFamily="18" charset="0"/>
               </a:rPr>
               <a:t>vật</a:t>
             </a:r>
             <a:r>
-              <a:rPr lang="en-US" sz="2000" dirty="0">
+              <a:rPr lang="en-US" dirty="0">
                 <a:latin typeface="+mn-lt"/>
                 <a:cs typeface="Times New Roman" panose="02020603050405020304" pitchFamily="18" charset="0"/>
               </a:rPr>
@@ -23940,55 +23178,13 @@
           </a:p>
           <a:p>
             <a:r>
-              <a:rPr lang="en-US" sz="2000" dirty="0" err="1">
-                <a:latin typeface="+mn-lt"/>
-                <a:cs typeface="Times New Roman" panose="02020603050405020304" pitchFamily="18" charset="0"/>
-              </a:rPr>
-              <a:t>Mục</a:t>
-            </a:r>
-            <a:r>
-              <a:rPr lang="en-US" sz="2000" dirty="0">
-                <a:latin typeface="+mn-lt"/>
-                <a:cs typeface="Times New Roman" panose="02020603050405020304" pitchFamily="18" charset="0"/>
-              </a:rPr>
-              <a:t> </a:t>
-            </a:r>
-            <a:r>
-              <a:rPr lang="en-US" sz="2000" dirty="0" err="1">
-                <a:latin typeface="+mn-lt"/>
-                <a:cs typeface="Times New Roman" panose="02020603050405020304" pitchFamily="18" charset="0"/>
-              </a:rPr>
-              <a:t>đích</a:t>
-            </a:r>
-            <a:r>
-              <a:rPr lang="en-US" sz="2000" dirty="0">
-                <a:latin typeface="+mn-lt"/>
-                <a:cs typeface="Times New Roman" panose="02020603050405020304" pitchFamily="18" charset="0"/>
-              </a:rPr>
-              <a:t> </a:t>
-            </a:r>
-            <a:r>
-              <a:rPr lang="en-US" sz="2000" dirty="0" err="1">
-                <a:latin typeface="+mn-lt"/>
-                <a:cs typeface="Times New Roman" panose="02020603050405020304" pitchFamily="18" charset="0"/>
-              </a:rPr>
-              <a:t>xây</a:t>
-            </a:r>
-            <a:r>
-              <a:rPr lang="en-US" sz="2000" dirty="0">
-                <a:latin typeface="+mn-lt"/>
-                <a:cs typeface="Times New Roman" panose="02020603050405020304" pitchFamily="18" charset="0"/>
-              </a:rPr>
-              <a:t> </a:t>
-            </a:r>
-            <a:r>
-              <a:rPr lang="en-US" sz="2000" dirty="0" err="1">
-                <a:latin typeface="+mn-lt"/>
-                <a:cs typeface="Times New Roman" panose="02020603050405020304" pitchFamily="18" charset="0"/>
-              </a:rPr>
-              <a:t>dựng</a:t>
-            </a:r>
-            <a:endParaRPr lang="en-US" sz="2000" dirty="0">
+              <a:rPr lang="en-US" sz="2400">
+                <a:latin typeface="+mn-lt"/>
+                <a:cs typeface="Times New Roman" panose="02020603050405020304" pitchFamily="18" charset="0"/>
+              </a:rPr>
+              <a:t>Chức năng</a:t>
+            </a:r>
+            <a:endParaRPr lang="en-US" sz="2400" dirty="0">
               <a:latin typeface="+mn-lt"/>
               <a:cs typeface="Times New Roman" panose="02020603050405020304" pitchFamily="18" charset="0"/>
             </a:endParaRPr>
@@ -23999,111 +23195,94 @@
               <a:buChar char="o"/>
             </a:pPr>
             <a:r>
-              <a:rPr lang="en-US" sz="2000" dirty="0" err="1">
-                <a:latin typeface="+mn-lt"/>
-                <a:cs typeface="Times New Roman" panose="02020603050405020304" pitchFamily="18" charset="0"/>
-              </a:rPr>
-              <a:t>Thiết</a:t>
-            </a:r>
-            <a:r>
-              <a:rPr lang="en-US" sz="2000" dirty="0">
-                <a:latin typeface="+mn-lt"/>
-                <a:cs typeface="Times New Roman" panose="02020603050405020304" pitchFamily="18" charset="0"/>
-              </a:rPr>
-              <a:t> </a:t>
-            </a:r>
-            <a:r>
-              <a:rPr lang="en-US" sz="2000" err="1">
-                <a:latin typeface="+mn-lt"/>
-                <a:cs typeface="Times New Roman" panose="02020603050405020304" pitchFamily="18" charset="0"/>
-              </a:rPr>
-              <a:t>kế</a:t>
-            </a:r>
-            <a:r>
-              <a:rPr lang="en-US" sz="2000">
-                <a:latin typeface="+mn-lt"/>
-                <a:cs typeface="Times New Roman" panose="02020603050405020304" pitchFamily="18" charset="0"/>
-              </a:rPr>
-              <a:t> bộ điều </a:t>
-            </a:r>
-            <a:r>
-              <a:rPr lang="en-US" sz="2000" dirty="0" err="1">
-                <a:latin typeface="+mn-lt"/>
-                <a:cs typeface="Times New Roman" panose="02020603050405020304" pitchFamily="18" charset="0"/>
-              </a:rPr>
-              <a:t>khiển</a:t>
-            </a:r>
-            <a:r>
-              <a:rPr lang="en-US" sz="2000" dirty="0">
-                <a:latin typeface="+mn-lt"/>
-                <a:cs typeface="Times New Roman" panose="02020603050405020304" pitchFamily="18" charset="0"/>
-              </a:rPr>
-              <a:t> </a:t>
-            </a:r>
-            <a:r>
-              <a:rPr lang="en-US" sz="2000" dirty="0" err="1">
-                <a:latin typeface="+mn-lt"/>
-                <a:cs typeface="Times New Roman" panose="02020603050405020304" pitchFamily="18" charset="0"/>
-              </a:rPr>
-              <a:t>đóng</a:t>
-            </a:r>
-            <a:r>
-              <a:rPr lang="en-US" sz="2000" dirty="0">
-                <a:latin typeface="+mn-lt"/>
-                <a:cs typeface="Times New Roman" panose="02020603050405020304" pitchFamily="18" charset="0"/>
-              </a:rPr>
-              <a:t> </a:t>
-            </a:r>
-            <a:r>
-              <a:rPr lang="en-US" sz="2000" dirty="0" err="1">
+              <a:rPr lang="en-US">
+                <a:latin typeface="+mn-lt"/>
+                <a:cs typeface="Times New Roman" panose="02020603050405020304" pitchFamily="18" charset="0"/>
+              </a:rPr>
+              <a:t>Đóng cắt điện áp xoay chiều</a:t>
+            </a:r>
+          </a:p>
+          <a:p>
+            <a:pPr lvl="1">
+              <a:buFont typeface="Courier New" panose="02070309020205020404" pitchFamily="49" charset="0"/>
+              <a:buChar char="o"/>
+            </a:pPr>
+            <a:r>
+              <a:rPr lang="en-US">
+                <a:latin typeface="+mn-lt"/>
+                <a:cs typeface="Times New Roman" panose="02020603050405020304" pitchFamily="18" charset="0"/>
+              </a:rPr>
+              <a:t>4 kênh đóng cắt</a:t>
+            </a:r>
+          </a:p>
+          <a:p>
+            <a:pPr lvl="1">
+              <a:buFont typeface="Courier New" panose="02070309020205020404" pitchFamily="49" charset="0"/>
+              <a:buChar char="o"/>
+            </a:pPr>
+            <a:r>
+              <a:rPr lang="en-US">
+                <a:latin typeface="+mn-lt"/>
+                <a:cs typeface="Times New Roman" panose="02020603050405020304" pitchFamily="18" charset="0"/>
+              </a:rPr>
+              <a:t>Đóng </a:t>
+            </a:r>
+            <a:r>
+              <a:rPr lang="en-US" dirty="0" err="1">
                 <a:latin typeface="+mn-lt"/>
                 <a:cs typeface="Times New Roman" panose="02020603050405020304" pitchFamily="18" charset="0"/>
               </a:rPr>
               <a:t>cắt</a:t>
             </a:r>
             <a:r>
-              <a:rPr lang="en-US" sz="2000" dirty="0">
-                <a:latin typeface="+mn-lt"/>
-                <a:cs typeface="Times New Roman" panose="02020603050405020304" pitchFamily="18" charset="0"/>
-              </a:rPr>
-              <a:t> </a:t>
-            </a:r>
-            <a:r>
-              <a:rPr lang="en-US" sz="2000" dirty="0" err="1">
-                <a:latin typeface="+mn-lt"/>
-                <a:cs typeface="Times New Roman" panose="02020603050405020304" pitchFamily="18" charset="0"/>
-              </a:rPr>
-              <a:t>sử</a:t>
-            </a:r>
-            <a:r>
-              <a:rPr lang="en-US" sz="2000" dirty="0">
-                <a:latin typeface="+mn-lt"/>
-                <a:cs typeface="Times New Roman" panose="02020603050405020304" pitchFamily="18" charset="0"/>
-              </a:rPr>
-              <a:t> </a:t>
-            </a:r>
-            <a:r>
-              <a:rPr lang="en-US" sz="2000" dirty="0" err="1">
-                <a:latin typeface="+mn-lt"/>
-                <a:cs typeface="Times New Roman" panose="02020603050405020304" pitchFamily="18" charset="0"/>
-              </a:rPr>
-              <a:t>dụng</a:t>
-            </a:r>
-            <a:r>
-              <a:rPr lang="en-US" sz="2000" dirty="0">
-                <a:latin typeface="+mn-lt"/>
-                <a:cs typeface="Times New Roman" panose="02020603050405020304" pitchFamily="18" charset="0"/>
-              </a:rPr>
-              <a:t> </a:t>
-            </a:r>
-            <a:r>
-              <a:rPr lang="en-US" sz="2000" dirty="0" err="1">
-                <a:latin typeface="+mn-lt"/>
-                <a:cs typeface="Times New Roman" panose="02020603050405020304" pitchFamily="18" charset="0"/>
-              </a:rPr>
-              <a:t>WiFi</a:t>
-            </a:r>
-            <a:endParaRPr lang="en-US" sz="2000" dirty="0">
+              <a:rPr lang="en-US" dirty="0">
+                <a:latin typeface="+mn-lt"/>
+                <a:cs typeface="Times New Roman" panose="02020603050405020304" pitchFamily="18" charset="0"/>
+              </a:rPr>
+              <a:t> </a:t>
+            </a:r>
+            <a:r>
+              <a:rPr lang="en-US" dirty="0" err="1">
+                <a:latin typeface="+mn-lt"/>
+                <a:cs typeface="Times New Roman" panose="02020603050405020304" pitchFamily="18" charset="0"/>
+              </a:rPr>
+              <a:t>từ</a:t>
+            </a:r>
+            <a:r>
+              <a:rPr lang="en-US" dirty="0">
+                <a:latin typeface="+mn-lt"/>
+                <a:cs typeface="Times New Roman" panose="02020603050405020304" pitchFamily="18" charset="0"/>
+              </a:rPr>
+              <a:t> </a:t>
+            </a:r>
+            <a:r>
+              <a:rPr lang="en-US" err="1">
+                <a:latin typeface="+mn-lt"/>
+                <a:cs typeface="Times New Roman" panose="02020603050405020304" pitchFamily="18" charset="0"/>
+              </a:rPr>
+              <a:t>xa</a:t>
+            </a:r>
+            <a:r>
+              <a:rPr lang="en-US">
+                <a:latin typeface="+mn-lt"/>
+                <a:cs typeface="Times New Roman" panose="02020603050405020304" pitchFamily="18" charset="0"/>
+              </a:rPr>
+              <a:t> sử dụng WiFi</a:t>
+            </a:r>
+          </a:p>
+          <a:p>
+            <a:pPr lvl="1">
+              <a:buFont typeface="Courier New" panose="02070309020205020404" pitchFamily="49" charset="0"/>
+              <a:buChar char="o"/>
+            </a:pPr>
+            <a:r>
+              <a:rPr lang="en-US">
+                <a:latin typeface="+mn-lt"/>
+                <a:cs typeface="Times New Roman" panose="02020603050405020304" pitchFamily="18" charset="0"/>
+              </a:rPr>
+              <a:t>Hẹn giờ tắt thiết bị</a:t>
+            </a:r>
+            <a:endParaRPr lang="en-US" dirty="0">
               <a:latin typeface="+mn-lt"/>
               <a:cs typeface="Times New Roman" panose="02020603050405020304" pitchFamily="18" charset="0"/>
             </a:endParaRPr>
@@ -24114,556 +23293,188 @@
               <a:buChar char="o"/>
             </a:pPr>
             <a:r>
-              <a:rPr lang="en-US" sz="2000" dirty="0" err="1">
-                <a:latin typeface="+mn-lt"/>
-                <a:cs typeface="Times New Roman" panose="02020603050405020304" pitchFamily="18" charset="0"/>
-              </a:rPr>
-              <a:t>Thiết</a:t>
-            </a:r>
-            <a:r>
-              <a:rPr lang="en-US" sz="2000" dirty="0">
-                <a:latin typeface="+mn-lt"/>
-                <a:cs typeface="Times New Roman" panose="02020603050405020304" pitchFamily="18" charset="0"/>
-              </a:rPr>
-              <a:t> </a:t>
-            </a:r>
-            <a:r>
-              <a:rPr lang="en-US" sz="2000" dirty="0" err="1">
-                <a:latin typeface="+mn-lt"/>
-                <a:cs typeface="Times New Roman" panose="02020603050405020304" pitchFamily="18" charset="0"/>
-              </a:rPr>
-              <a:t>bị</a:t>
-            </a:r>
-            <a:r>
-              <a:rPr lang="en-US" sz="2000" dirty="0">
-                <a:latin typeface="+mn-lt"/>
-                <a:cs typeface="Times New Roman" panose="02020603050405020304" pitchFamily="18" charset="0"/>
-              </a:rPr>
-              <a:t> </a:t>
-            </a:r>
-            <a:r>
-              <a:rPr lang="en-US" sz="2000" dirty="0" err="1">
-                <a:latin typeface="+mn-lt"/>
-                <a:cs typeface="Times New Roman" panose="02020603050405020304" pitchFamily="18" charset="0"/>
-              </a:rPr>
-              <a:t>tự</a:t>
-            </a:r>
-            <a:r>
-              <a:rPr lang="en-US" sz="2000" dirty="0">
-                <a:latin typeface="+mn-lt"/>
-                <a:cs typeface="Times New Roman" panose="02020603050405020304" pitchFamily="18" charset="0"/>
-              </a:rPr>
-              <a:t> </a:t>
-            </a:r>
-            <a:r>
-              <a:rPr lang="en-US" sz="2000" dirty="0" err="1">
-                <a:latin typeface="+mn-lt"/>
-                <a:cs typeface="Times New Roman" panose="02020603050405020304" pitchFamily="18" charset="0"/>
-              </a:rPr>
-              <a:t>động</a:t>
-            </a:r>
-            <a:r>
-              <a:rPr lang="en-US" sz="2000" dirty="0">
-                <a:latin typeface="+mn-lt"/>
-                <a:cs typeface="Times New Roman" panose="02020603050405020304" pitchFamily="18" charset="0"/>
-              </a:rPr>
-              <a:t> </a:t>
-            </a:r>
-            <a:r>
-              <a:rPr lang="en-US" sz="2000" dirty="0" err="1">
-                <a:latin typeface="+mn-lt"/>
-                <a:cs typeface="Times New Roman" panose="02020603050405020304" pitchFamily="18" charset="0"/>
-              </a:rPr>
-              <a:t>đóng</a:t>
-            </a:r>
-            <a:r>
-              <a:rPr lang="en-US" sz="2000" dirty="0">
-                <a:latin typeface="+mn-lt"/>
-                <a:cs typeface="Times New Roman" panose="02020603050405020304" pitchFamily="18" charset="0"/>
-              </a:rPr>
-              <a:t> </a:t>
-            </a:r>
-            <a:r>
-              <a:rPr lang="en-US" sz="2000" dirty="0" err="1">
-                <a:latin typeface="+mn-lt"/>
-                <a:cs typeface="Times New Roman" panose="02020603050405020304" pitchFamily="18" charset="0"/>
-              </a:rPr>
-              <a:t>cắt</a:t>
-            </a:r>
-            <a:r>
-              <a:rPr lang="en-US" sz="2000" dirty="0">
-                <a:latin typeface="+mn-lt"/>
-                <a:cs typeface="Times New Roman" panose="02020603050405020304" pitchFamily="18" charset="0"/>
-              </a:rPr>
-              <a:t> </a:t>
-            </a:r>
-            <a:r>
-              <a:rPr lang="en-US" sz="2000" dirty="0" err="1">
-                <a:latin typeface="+mn-lt"/>
-                <a:cs typeface="Times New Roman" panose="02020603050405020304" pitchFamily="18" charset="0"/>
-              </a:rPr>
-              <a:t>theo</a:t>
-            </a:r>
-            <a:r>
-              <a:rPr lang="en-US" sz="2000" dirty="0">
-                <a:latin typeface="+mn-lt"/>
-                <a:cs typeface="Times New Roman" panose="02020603050405020304" pitchFamily="18" charset="0"/>
-              </a:rPr>
-              <a:t> </a:t>
-            </a:r>
-            <a:r>
-              <a:rPr lang="en-US" sz="2000" dirty="0" err="1">
-                <a:latin typeface="+mn-lt"/>
-                <a:cs typeface="Times New Roman" panose="02020603050405020304" pitchFamily="18" charset="0"/>
-              </a:rPr>
-              <a:t>thời</a:t>
-            </a:r>
-            <a:r>
-              <a:rPr lang="en-US" sz="2000" dirty="0">
-                <a:latin typeface="+mn-lt"/>
-                <a:cs typeface="Times New Roman" panose="02020603050405020304" pitchFamily="18" charset="0"/>
-              </a:rPr>
-              <a:t> </a:t>
-            </a:r>
-            <a:r>
-              <a:rPr lang="en-US" sz="2000" dirty="0" err="1">
-                <a:latin typeface="+mn-lt"/>
-                <a:cs typeface="Times New Roman" panose="02020603050405020304" pitchFamily="18" charset="0"/>
-              </a:rPr>
-              <a:t>gian</a:t>
-            </a:r>
-            <a:endParaRPr lang="en-US" sz="2000" dirty="0">
-              <a:latin typeface="+mn-lt"/>
-              <a:cs typeface="Times New Roman" panose="02020603050405020304" pitchFamily="18" charset="0"/>
-            </a:endParaRPr>
-          </a:p>
-          <a:p>
-            <a:r>
-              <a:rPr lang="en-US" sz="2000" dirty="0" err="1">
-                <a:latin typeface="+mn-lt"/>
-                <a:cs typeface="Times New Roman" panose="02020603050405020304" pitchFamily="18" charset="0"/>
-              </a:rPr>
-              <a:t>Yêu</a:t>
-            </a:r>
-            <a:r>
-              <a:rPr lang="en-US" sz="2000" dirty="0">
-                <a:latin typeface="+mn-lt"/>
-                <a:cs typeface="Times New Roman" panose="02020603050405020304" pitchFamily="18" charset="0"/>
-              </a:rPr>
-              <a:t> </a:t>
-            </a:r>
-            <a:r>
-              <a:rPr lang="en-US" sz="2000" dirty="0" err="1">
-                <a:latin typeface="+mn-lt"/>
-                <a:cs typeface="Times New Roman" panose="02020603050405020304" pitchFamily="18" charset="0"/>
-              </a:rPr>
-              <a:t>cầu</a:t>
-            </a:r>
-            <a:endParaRPr lang="en-US" sz="2000" dirty="0">
-              <a:latin typeface="+mn-lt"/>
-              <a:cs typeface="Times New Roman" panose="02020603050405020304" pitchFamily="18" charset="0"/>
-            </a:endParaRPr>
-          </a:p>
-          <a:p>
-            <a:pPr lvl="1">
-              <a:buFont typeface="Courier New" panose="02070309020205020404" pitchFamily="49" charset="0"/>
-              <a:buChar char="o"/>
-            </a:pPr>
-            <a:r>
-              <a:rPr lang="en-US" sz="2000" dirty="0" err="1">
-                <a:latin typeface="+mn-lt"/>
-                <a:cs typeface="Times New Roman" panose="02020603050405020304" pitchFamily="18" charset="0"/>
-              </a:rPr>
-              <a:t>Thiết</a:t>
-            </a:r>
-            <a:r>
-              <a:rPr lang="en-US" sz="2000" dirty="0">
-                <a:latin typeface="+mn-lt"/>
-                <a:cs typeface="Times New Roman" panose="02020603050405020304" pitchFamily="18" charset="0"/>
-              </a:rPr>
-              <a:t> </a:t>
-            </a:r>
-            <a:r>
-              <a:rPr lang="en-US" sz="2000" dirty="0" err="1">
-                <a:latin typeface="+mn-lt"/>
-                <a:cs typeface="Times New Roman" panose="02020603050405020304" pitchFamily="18" charset="0"/>
-              </a:rPr>
-              <a:t>kế</a:t>
-            </a:r>
-            <a:r>
-              <a:rPr lang="en-US" sz="2000" dirty="0">
-                <a:latin typeface="+mn-lt"/>
-                <a:cs typeface="Times New Roman" panose="02020603050405020304" pitchFamily="18" charset="0"/>
-              </a:rPr>
-              <a:t> </a:t>
-            </a:r>
-            <a:r>
-              <a:rPr lang="en-US" sz="2000" dirty="0" err="1">
-                <a:latin typeface="+mn-lt"/>
-                <a:cs typeface="Times New Roman" panose="02020603050405020304" pitchFamily="18" charset="0"/>
-              </a:rPr>
-              <a:t>thiết</a:t>
-            </a:r>
-            <a:r>
-              <a:rPr lang="en-US" sz="2000" dirty="0">
-                <a:latin typeface="+mn-lt"/>
-                <a:cs typeface="Times New Roman" panose="02020603050405020304" pitchFamily="18" charset="0"/>
-              </a:rPr>
-              <a:t> </a:t>
-            </a:r>
-            <a:r>
-              <a:rPr lang="en-US" sz="2000" dirty="0" err="1">
-                <a:latin typeface="+mn-lt"/>
-                <a:cs typeface="Times New Roman" panose="02020603050405020304" pitchFamily="18" charset="0"/>
-              </a:rPr>
-              <a:t>bị</a:t>
-            </a:r>
-            <a:r>
-              <a:rPr lang="en-US" sz="2000" dirty="0">
-                <a:latin typeface="+mn-lt"/>
-                <a:cs typeface="Times New Roman" panose="02020603050405020304" pitchFamily="18" charset="0"/>
-              </a:rPr>
-              <a:t> </a:t>
-            </a:r>
-            <a:r>
-              <a:rPr lang="en-US" sz="2000" dirty="0" err="1">
-                <a:latin typeface="+mn-lt"/>
-                <a:cs typeface="Times New Roman" panose="02020603050405020304" pitchFamily="18" charset="0"/>
-              </a:rPr>
-              <a:t>đóng</a:t>
-            </a:r>
-            <a:r>
-              <a:rPr lang="en-US" sz="2000" dirty="0">
-                <a:latin typeface="+mn-lt"/>
-                <a:cs typeface="Times New Roman" panose="02020603050405020304" pitchFamily="18" charset="0"/>
-              </a:rPr>
-              <a:t> </a:t>
-            </a:r>
-            <a:r>
-              <a:rPr lang="en-US" sz="2000" dirty="0" err="1">
-                <a:latin typeface="+mn-lt"/>
-                <a:cs typeface="Times New Roman" panose="02020603050405020304" pitchFamily="18" charset="0"/>
-              </a:rPr>
-              <a:t>cắt</a:t>
-            </a:r>
-            <a:r>
-              <a:rPr lang="en-US" sz="2000" dirty="0">
-                <a:latin typeface="+mn-lt"/>
-                <a:cs typeface="Times New Roman" panose="02020603050405020304" pitchFamily="18" charset="0"/>
-              </a:rPr>
-              <a:t> 4 </a:t>
-            </a:r>
-            <a:r>
-              <a:rPr lang="en-US" sz="2000" dirty="0" err="1">
-                <a:latin typeface="+mn-lt"/>
-                <a:cs typeface="Times New Roman" panose="02020603050405020304" pitchFamily="18" charset="0"/>
-              </a:rPr>
-              <a:t>kênh</a:t>
-            </a:r>
-            <a:r>
-              <a:rPr lang="en-US" sz="2000" dirty="0">
-                <a:latin typeface="+mn-lt"/>
-                <a:cs typeface="Times New Roman" panose="02020603050405020304" pitchFamily="18" charset="0"/>
-              </a:rPr>
-              <a:t> </a:t>
-            </a:r>
-          </a:p>
-          <a:p>
-            <a:pPr lvl="1">
-              <a:buFont typeface="Courier New" panose="02070309020205020404" pitchFamily="49" charset="0"/>
-              <a:buChar char="o"/>
-            </a:pPr>
-            <a:r>
-              <a:rPr lang="en-US" sz="2000" dirty="0" err="1">
-                <a:latin typeface="+mn-lt"/>
-                <a:cs typeface="Times New Roman" panose="02020603050405020304" pitchFamily="18" charset="0"/>
-              </a:rPr>
-              <a:t>Đóng</a:t>
-            </a:r>
-            <a:r>
-              <a:rPr lang="en-US" sz="2000" dirty="0">
-                <a:latin typeface="+mn-lt"/>
-                <a:cs typeface="Times New Roman" panose="02020603050405020304" pitchFamily="18" charset="0"/>
-              </a:rPr>
-              <a:t> </a:t>
-            </a:r>
-            <a:r>
-              <a:rPr lang="en-US" sz="2000" dirty="0" err="1">
-                <a:latin typeface="+mn-lt"/>
-                <a:cs typeface="Times New Roman" panose="02020603050405020304" pitchFamily="18" charset="0"/>
-              </a:rPr>
-              <a:t>cắt</a:t>
-            </a:r>
-            <a:r>
-              <a:rPr lang="en-US" sz="2000" dirty="0">
-                <a:latin typeface="+mn-lt"/>
-                <a:cs typeface="Times New Roman" panose="02020603050405020304" pitchFamily="18" charset="0"/>
-              </a:rPr>
-              <a:t> </a:t>
-            </a:r>
-            <a:r>
-              <a:rPr lang="en-US" sz="2000" dirty="0" err="1">
-                <a:latin typeface="+mn-lt"/>
-                <a:cs typeface="Times New Roman" panose="02020603050405020304" pitchFamily="18" charset="0"/>
-              </a:rPr>
-              <a:t>từ</a:t>
-            </a:r>
-            <a:r>
-              <a:rPr lang="en-US" sz="2000" dirty="0">
-                <a:latin typeface="+mn-lt"/>
-                <a:cs typeface="Times New Roman" panose="02020603050405020304" pitchFamily="18" charset="0"/>
-              </a:rPr>
-              <a:t> </a:t>
-            </a:r>
-            <a:r>
-              <a:rPr lang="en-US" sz="2000" dirty="0" err="1">
-                <a:latin typeface="+mn-lt"/>
-                <a:cs typeface="Times New Roman" panose="02020603050405020304" pitchFamily="18" charset="0"/>
-              </a:rPr>
-              <a:t>xa</a:t>
-            </a:r>
-            <a:r>
-              <a:rPr lang="en-US" sz="2000" dirty="0">
-                <a:latin typeface="+mn-lt"/>
-                <a:cs typeface="Times New Roman" panose="02020603050405020304" pitchFamily="18" charset="0"/>
-              </a:rPr>
-              <a:t> qua </a:t>
-            </a:r>
-            <a:r>
-              <a:rPr lang="en-US" sz="2000" dirty="0" err="1">
-                <a:latin typeface="+mn-lt"/>
-                <a:cs typeface="Times New Roman" panose="02020603050405020304" pitchFamily="18" charset="0"/>
-              </a:rPr>
-              <a:t>WiFi</a:t>
-            </a:r>
-            <a:endParaRPr lang="en-US" sz="2000" dirty="0">
-              <a:latin typeface="+mn-lt"/>
-              <a:cs typeface="Times New Roman" panose="02020603050405020304" pitchFamily="18" charset="0"/>
-            </a:endParaRPr>
-          </a:p>
-          <a:p>
-            <a:pPr lvl="1">
-              <a:buFont typeface="Courier New" panose="02070309020205020404" pitchFamily="49" charset="0"/>
-              <a:buChar char="o"/>
-            </a:pPr>
-            <a:r>
-              <a:rPr lang="en-US" sz="2000" dirty="0" err="1">
-                <a:latin typeface="+mn-lt"/>
-                <a:cs typeface="Times New Roman" panose="02020603050405020304" pitchFamily="18" charset="0"/>
-              </a:rPr>
-              <a:t>Thiết</a:t>
-            </a:r>
-            <a:r>
-              <a:rPr lang="en-US" sz="2000" dirty="0">
-                <a:latin typeface="+mn-lt"/>
-                <a:cs typeface="Times New Roman" panose="02020603050405020304" pitchFamily="18" charset="0"/>
-              </a:rPr>
-              <a:t> </a:t>
-            </a:r>
-            <a:r>
-              <a:rPr lang="en-US" sz="2000" dirty="0" err="1">
-                <a:latin typeface="+mn-lt"/>
-                <a:cs typeface="Times New Roman" panose="02020603050405020304" pitchFamily="18" charset="0"/>
-              </a:rPr>
-              <a:t>kế</a:t>
-            </a:r>
-            <a:r>
-              <a:rPr lang="en-US" sz="2000" dirty="0">
-                <a:latin typeface="+mn-lt"/>
-                <a:cs typeface="Times New Roman" panose="02020603050405020304" pitchFamily="18" charset="0"/>
-              </a:rPr>
-              <a:t> </a:t>
-            </a:r>
-            <a:r>
-              <a:rPr lang="en-US" sz="2000" dirty="0" err="1">
-                <a:latin typeface="+mn-lt"/>
-                <a:cs typeface="Times New Roman" panose="02020603050405020304" pitchFamily="18" charset="0"/>
-              </a:rPr>
-              <a:t>giao</a:t>
-            </a:r>
-            <a:r>
-              <a:rPr lang="en-US" sz="2000" dirty="0">
-                <a:latin typeface="+mn-lt"/>
-                <a:cs typeface="Times New Roman" panose="02020603050405020304" pitchFamily="18" charset="0"/>
-              </a:rPr>
-              <a:t> </a:t>
-            </a:r>
-            <a:r>
-              <a:rPr lang="en-US" sz="2000" dirty="0" err="1">
+              <a:rPr lang="en-US">
+                <a:latin typeface="+mn-lt"/>
+                <a:cs typeface="Times New Roman" panose="02020603050405020304" pitchFamily="18" charset="0"/>
+              </a:rPr>
+              <a:t>Giao </a:t>
+            </a:r>
+            <a:r>
+              <a:rPr lang="en-US" dirty="0" err="1">
                 <a:latin typeface="+mn-lt"/>
                 <a:cs typeface="Times New Roman" panose="02020603050405020304" pitchFamily="18" charset="0"/>
               </a:rPr>
               <a:t>diện</a:t>
             </a:r>
             <a:r>
-              <a:rPr lang="en-US" sz="2000" dirty="0">
-                <a:latin typeface="+mn-lt"/>
-                <a:cs typeface="Times New Roman" panose="02020603050405020304" pitchFamily="18" charset="0"/>
-              </a:rPr>
-              <a:t> </a:t>
-            </a:r>
-            <a:r>
-              <a:rPr lang="en-US" sz="2000" dirty="0" err="1">
+              <a:rPr lang="en-US" dirty="0">
+                <a:latin typeface="+mn-lt"/>
+                <a:cs typeface="Times New Roman" panose="02020603050405020304" pitchFamily="18" charset="0"/>
+              </a:rPr>
+              <a:t> </a:t>
+            </a:r>
+            <a:r>
+              <a:rPr lang="en-US" dirty="0" err="1">
                 <a:latin typeface="+mn-lt"/>
                 <a:cs typeface="Times New Roman" panose="02020603050405020304" pitchFamily="18" charset="0"/>
               </a:rPr>
               <a:t>điều</a:t>
             </a:r>
             <a:r>
-              <a:rPr lang="en-US" sz="2000" dirty="0">
-                <a:latin typeface="+mn-lt"/>
-                <a:cs typeface="Times New Roman" panose="02020603050405020304" pitchFamily="18" charset="0"/>
-              </a:rPr>
-              <a:t> </a:t>
-            </a:r>
-            <a:r>
-              <a:rPr lang="en-US" sz="2000" dirty="0" err="1">
+              <a:rPr lang="en-US" dirty="0">
+                <a:latin typeface="+mn-lt"/>
+                <a:cs typeface="Times New Roman" panose="02020603050405020304" pitchFamily="18" charset="0"/>
+              </a:rPr>
+              <a:t> </a:t>
+            </a:r>
+            <a:r>
+              <a:rPr lang="en-US" dirty="0" err="1">
                 <a:latin typeface="+mn-lt"/>
                 <a:cs typeface="Times New Roman" panose="02020603050405020304" pitchFamily="18" charset="0"/>
               </a:rPr>
               <a:t>khiển</a:t>
             </a:r>
             <a:r>
-              <a:rPr lang="en-US" sz="2000" dirty="0">
-                <a:latin typeface="+mn-lt"/>
-                <a:cs typeface="Times New Roman" panose="02020603050405020304" pitchFamily="18" charset="0"/>
-              </a:rPr>
-              <a:t> </a:t>
-            </a:r>
-            <a:r>
-              <a:rPr lang="en-US" sz="2000" dirty="0" err="1">
+              <a:rPr lang="en-US" dirty="0">
+                <a:latin typeface="+mn-lt"/>
+                <a:cs typeface="Times New Roman" panose="02020603050405020304" pitchFamily="18" charset="0"/>
+              </a:rPr>
+              <a:t> </a:t>
+            </a:r>
+            <a:r>
+              <a:rPr lang="en-US" dirty="0" err="1">
                 <a:latin typeface="+mn-lt"/>
                 <a:cs typeface="Times New Roman" panose="02020603050405020304" pitchFamily="18" charset="0"/>
               </a:rPr>
               <a:t>trên</a:t>
             </a:r>
             <a:r>
-              <a:rPr lang="en-US" sz="2000" dirty="0">
-                <a:latin typeface="+mn-lt"/>
-                <a:cs typeface="Times New Roman" panose="02020603050405020304" pitchFamily="18" charset="0"/>
-              </a:rPr>
-              <a:t> </a:t>
-            </a:r>
-            <a:r>
-              <a:rPr lang="en-US" sz="2000" dirty="0" err="1">
+              <a:rPr lang="en-US" dirty="0">
+                <a:latin typeface="+mn-lt"/>
+                <a:cs typeface="Times New Roman" panose="02020603050405020304" pitchFamily="18" charset="0"/>
+              </a:rPr>
+              <a:t> </a:t>
+            </a:r>
+            <a:r>
+              <a:rPr lang="en-US" dirty="0" err="1">
                 <a:latin typeface="+mn-lt"/>
                 <a:cs typeface="Times New Roman" panose="02020603050405020304" pitchFamily="18" charset="0"/>
               </a:rPr>
               <a:t>điện</a:t>
             </a:r>
             <a:r>
-              <a:rPr lang="en-US" sz="2000" dirty="0">
-                <a:latin typeface="+mn-lt"/>
-                <a:cs typeface="Times New Roman" panose="02020603050405020304" pitchFamily="18" charset="0"/>
-              </a:rPr>
-              <a:t> </a:t>
-            </a:r>
-            <a:r>
-              <a:rPr lang="en-US" sz="2000" dirty="0" err="1">
+              <a:rPr lang="en-US" dirty="0">
+                <a:latin typeface="+mn-lt"/>
+                <a:cs typeface="Times New Roman" panose="02020603050405020304" pitchFamily="18" charset="0"/>
+              </a:rPr>
+              <a:t> </a:t>
+            </a:r>
+            <a:r>
+              <a:rPr lang="en-US" dirty="0" err="1">
                 <a:latin typeface="+mn-lt"/>
                 <a:cs typeface="Times New Roman" panose="02020603050405020304" pitchFamily="18" charset="0"/>
               </a:rPr>
               <a:t>thoại</a:t>
             </a:r>
             <a:r>
-              <a:rPr lang="en-US" sz="2000" dirty="0">
-                <a:latin typeface="+mn-lt"/>
-                <a:cs typeface="Times New Roman" panose="02020603050405020304" pitchFamily="18" charset="0"/>
-              </a:rPr>
-              <a:t> </a:t>
-            </a:r>
-            <a:r>
-              <a:rPr lang="en-US" sz="2000" dirty="0" err="1">
+              <a:rPr lang="en-US" dirty="0">
+                <a:latin typeface="+mn-lt"/>
+                <a:cs typeface="Times New Roman" panose="02020603050405020304" pitchFamily="18" charset="0"/>
+              </a:rPr>
+              <a:t> </a:t>
+            </a:r>
+            <a:r>
+              <a:rPr lang="en-US" dirty="0" err="1">
                 <a:latin typeface="+mn-lt"/>
                 <a:cs typeface="Times New Roman" panose="02020603050405020304" pitchFamily="18" charset="0"/>
               </a:rPr>
               <a:t>thông</a:t>
             </a:r>
             <a:r>
-              <a:rPr lang="en-US" sz="2000" dirty="0">
-                <a:latin typeface="+mn-lt"/>
-                <a:cs typeface="Times New Roman" panose="02020603050405020304" pitchFamily="18" charset="0"/>
-              </a:rPr>
-              <a:t> </a:t>
-            </a:r>
-            <a:r>
-              <a:rPr lang="en-US" sz="2000" dirty="0" err="1">
+              <a:rPr lang="en-US" dirty="0">
+                <a:latin typeface="+mn-lt"/>
+                <a:cs typeface="Times New Roman" panose="02020603050405020304" pitchFamily="18" charset="0"/>
+              </a:rPr>
+              <a:t> </a:t>
+            </a:r>
+            <a:r>
+              <a:rPr lang="en-US" dirty="0" err="1">
                 <a:latin typeface="+mn-lt"/>
                 <a:cs typeface="Times New Roman" panose="02020603050405020304" pitchFamily="18" charset="0"/>
               </a:rPr>
               <a:t>minh</a:t>
             </a:r>
             <a:r>
-              <a:rPr lang="en-US" sz="2000" dirty="0">
-                <a:latin typeface="+mn-lt"/>
-                <a:cs typeface="Times New Roman" panose="02020603050405020304" pitchFamily="18" charset="0"/>
-              </a:rPr>
-              <a:t> </a:t>
-            </a:r>
-            <a:r>
-              <a:rPr lang="en-US" sz="2000" dirty="0" err="1">
+              <a:rPr lang="en-US" dirty="0">
+                <a:latin typeface="+mn-lt"/>
+                <a:cs typeface="Times New Roman" panose="02020603050405020304" pitchFamily="18" charset="0"/>
+              </a:rPr>
+              <a:t> </a:t>
+            </a:r>
+            <a:r>
+              <a:rPr lang="en-US" dirty="0" err="1">
                 <a:latin typeface="+mn-lt"/>
                 <a:cs typeface="Times New Roman" panose="02020603050405020304" pitchFamily="18" charset="0"/>
               </a:rPr>
               <a:t>và</a:t>
             </a:r>
             <a:r>
-              <a:rPr lang="en-US" sz="2000" dirty="0">
-                <a:latin typeface="+mn-lt"/>
-                <a:cs typeface="Times New Roman" panose="02020603050405020304" pitchFamily="18" charset="0"/>
-              </a:rPr>
-              <a:t> </a:t>
-            </a:r>
-            <a:r>
-              <a:rPr lang="en-US" sz="2000" dirty="0" err="1">
+              <a:rPr lang="en-US" dirty="0">
+                <a:latin typeface="+mn-lt"/>
+                <a:cs typeface="Times New Roman" panose="02020603050405020304" pitchFamily="18" charset="0"/>
+              </a:rPr>
+              <a:t> </a:t>
+            </a:r>
+            <a:r>
+              <a:rPr lang="en-US" dirty="0" err="1">
                 <a:latin typeface="+mn-lt"/>
                 <a:cs typeface="Times New Roman" panose="02020603050405020304" pitchFamily="18" charset="0"/>
               </a:rPr>
               <a:t>máy</a:t>
             </a:r>
             <a:r>
-              <a:rPr lang="en-US" sz="2000" dirty="0">
-                <a:latin typeface="+mn-lt"/>
-                <a:cs typeface="Times New Roman" panose="02020603050405020304" pitchFamily="18" charset="0"/>
-              </a:rPr>
-              <a:t> </a:t>
-            </a:r>
-            <a:r>
-              <a:rPr lang="en-US" sz="2000" dirty="0" err="1">
+              <a:rPr lang="en-US" dirty="0">
+                <a:latin typeface="+mn-lt"/>
+                <a:cs typeface="Times New Roman" panose="02020603050405020304" pitchFamily="18" charset="0"/>
+              </a:rPr>
+              <a:t> </a:t>
+            </a:r>
+            <a:r>
+              <a:rPr lang="en-US" dirty="0" err="1">
                 <a:latin typeface="+mn-lt"/>
                 <a:cs typeface="Times New Roman" panose="02020603050405020304" pitchFamily="18" charset="0"/>
               </a:rPr>
               <a:t>tính</a:t>
             </a:r>
             <a:r>
-              <a:rPr lang="en-US" sz="2000" dirty="0">
-                <a:latin typeface="+mn-lt"/>
-                <a:cs typeface="Times New Roman" panose="02020603050405020304" pitchFamily="18" charset="0"/>
-              </a:rPr>
-              <a:t> </a:t>
-            </a:r>
-            <a:r>
-              <a:rPr lang="en-US" sz="2000" dirty="0" err="1">
+              <a:rPr lang="en-US" dirty="0">
+                <a:latin typeface="+mn-lt"/>
+                <a:cs typeface="Times New Roman" panose="02020603050405020304" pitchFamily="18" charset="0"/>
+              </a:rPr>
+              <a:t> </a:t>
+            </a:r>
+            <a:r>
+              <a:rPr lang="en-US" dirty="0" err="1">
                 <a:latin typeface="+mn-lt"/>
                 <a:cs typeface="Times New Roman" panose="02020603050405020304" pitchFamily="18" charset="0"/>
               </a:rPr>
               <a:t>cá</a:t>
             </a:r>
             <a:r>
-              <a:rPr lang="en-US" sz="2000" dirty="0">
-                <a:latin typeface="+mn-lt"/>
-                <a:cs typeface="Times New Roman" panose="02020603050405020304" pitchFamily="18" charset="0"/>
-              </a:rPr>
-              <a:t> </a:t>
-            </a:r>
-            <a:r>
-              <a:rPr lang="en-US" sz="2000" dirty="0" err="1">
+              <a:rPr lang="en-US" dirty="0">
+                <a:latin typeface="+mn-lt"/>
+                <a:cs typeface="Times New Roman" panose="02020603050405020304" pitchFamily="18" charset="0"/>
+              </a:rPr>
+              <a:t> </a:t>
+            </a:r>
+            <a:r>
+              <a:rPr lang="en-US" dirty="0" err="1">
                 <a:latin typeface="+mn-lt"/>
                 <a:cs typeface="Times New Roman" panose="02020603050405020304" pitchFamily="18" charset="0"/>
               </a:rPr>
               <a:t>nhân</a:t>
             </a:r>
-            <a:endParaRPr lang="en-US" sz="2000" dirty="0">
+            <a:endParaRPr lang="en-US" dirty="0">
               <a:latin typeface="+mn-lt"/>
               <a:cs typeface="Times New Roman" panose="02020603050405020304" pitchFamily="18" charset="0"/>
             </a:endParaRPr>
@@ -24712,7 +23523,7 @@
                 <a:latin typeface="+mn-lt"/>
                 <a:cs typeface="Times New Roman" panose="02020603050405020304" pitchFamily="18" charset="0"/>
               </a:rPr>
-              <a:t>1. Lý do chọn đề tài, mục đích và yêu cầu của đồ án</a:t>
+              <a:t>1. Đặt vấn đề</a:t>
             </a:r>
           </a:p>
         </p:txBody>
@@ -24731,7 +23542,7 @@
           </p:cNvPicPr>
           <p:nvPr/>
         </p:nvPicPr>
-        <p:blipFill>
+        <p:blipFill rotWithShape="1">
           <a:blip r:embed="rId3">
             <a:extLst>
               <a:ext uri="{28A0092B-C50C-407E-A947-70E740481C1C}">
@@ -24739,15 +23550,13 @@
               </a:ext>
             </a:extLst>
           </a:blip>
-          <a:srcRect/>
-          <a:stretch>
-            <a:fillRect/>
-          </a:stretch>
+          <a:srcRect l="312" r="1"/>
+          <a:stretch/>
         </p:blipFill>
         <p:spPr bwMode="auto">
           <a:xfrm>
-            <a:off x="6724358" y="1058844"/>
-            <a:ext cx="4988230" cy="4988230"/>
+            <a:off x="6677075" y="1019291"/>
+            <a:ext cx="4869828" cy="4988230"/>
           </a:xfrm>
           <a:prstGeom prst="rect">
             <a:avLst/>
@@ -25018,7 +23827,12 @@
             <p:ph sz="quarter" idx="10"/>
           </p:nvPr>
         </p:nvSpPr>
-        <p:spPr/>
+        <p:spPr>
+          <a:xfrm>
+            <a:off x="338736" y="803742"/>
+            <a:ext cx="11514528" cy="4909124"/>
+          </a:xfrm>
+        </p:spPr>
         <p:txBody>
           <a:bodyPr/>
           <a:lstStyle/>
@@ -25332,10 +24146,10 @@
       </p:sp>
       <p:pic>
         <p:nvPicPr>
-          <p:cNvPr id="17" name="Picture 16">
+          <p:cNvPr id="6" name="Picture 5">
             <a:extLst>
               <a:ext uri="{FF2B5EF4-FFF2-40B4-BE49-F238E27FC236}">
-                <a16:creationId xmlns:a16="http://schemas.microsoft.com/office/drawing/2014/main" id="{B7817C18-37D0-4894-B002-F5155F946CED}"/>
+                <a16:creationId xmlns:a16="http://schemas.microsoft.com/office/drawing/2014/main" id="{A84DF01F-9F7B-411C-818D-A88D591CC506}"/>
               </a:ext>
             </a:extLst>
           </p:cNvPr>
@@ -25352,8 +24166,8 @@
         </p:blipFill>
         <p:spPr>
           <a:xfrm>
-            <a:off x="828675" y="1498868"/>
-            <a:ext cx="10534650" cy="4029075"/>
+            <a:off x="1995964" y="1313166"/>
+            <a:ext cx="8200072" cy="4832644"/>
           </a:xfrm>
           <a:prstGeom prst="rect">
             <a:avLst/>
@@ -25436,55 +24250,11 @@
           </a:p>
           <a:p>
             <a:r>
-              <a:rPr lang="en-US" dirty="0">
-                <a:latin typeface="+mn-lt"/>
-                <a:cs typeface="Times New Roman" panose="02020603050405020304" pitchFamily="18" charset="0"/>
-              </a:rPr>
-              <a:t>4 MiB </a:t>
-            </a:r>
-            <a:r>
-              <a:rPr lang="en-US" dirty="0" err="1">
-                <a:latin typeface="+mn-lt"/>
-                <a:cs typeface="Times New Roman" panose="02020603050405020304" pitchFamily="18" charset="0"/>
-              </a:rPr>
-              <a:t>bộ</a:t>
-            </a:r>
-            <a:r>
-              <a:rPr lang="en-US" dirty="0">
-                <a:latin typeface="+mn-lt"/>
-                <a:cs typeface="Times New Roman" panose="02020603050405020304" pitchFamily="18" charset="0"/>
-              </a:rPr>
-              <a:t> </a:t>
-            </a:r>
-            <a:r>
-              <a:rPr lang="en-US" dirty="0" err="1">
-                <a:latin typeface="+mn-lt"/>
-                <a:cs typeface="Times New Roman" panose="02020603050405020304" pitchFamily="18" charset="0"/>
-              </a:rPr>
-              <a:t>nhớ</a:t>
-            </a:r>
-            <a:r>
-              <a:rPr lang="en-US" dirty="0">
-                <a:latin typeface="+mn-lt"/>
-                <a:cs typeface="Times New Roman" panose="02020603050405020304" pitchFamily="18" charset="0"/>
-              </a:rPr>
-              <a:t> Flash, 64 KB SRAM</a:t>
-            </a:r>
-          </a:p>
-          <a:p>
-            <a:r>
-              <a:rPr lang="en-US" dirty="0" err="1">
-                <a:latin typeface="+mn-lt"/>
-                <a:cs typeface="Times New Roman" panose="02020603050405020304" pitchFamily="18" charset="0"/>
-              </a:rPr>
-              <a:t>Công</a:t>
-            </a:r>
-            <a:r>
-              <a:rPr lang="en-US" dirty="0">
-                <a:latin typeface="+mn-lt"/>
-                <a:cs typeface="Times New Roman" panose="02020603050405020304" pitchFamily="18" charset="0"/>
-              </a:rPr>
-              <a:t> </a:t>
+              <a:rPr lang="en-US">
+                <a:latin typeface="+mn-lt"/>
+                <a:cs typeface="Times New Roman" panose="02020603050405020304" pitchFamily="18" charset="0"/>
+              </a:rPr>
+              <a:t>Công </a:t>
             </a:r>
             <a:r>
               <a:rPr lang="en-US" dirty="0" err="1">
@@ -25542,51 +24312,7 @@
           </a:p>
           <a:p>
             <a:r>
-              <a:rPr lang="en-US" dirty="0" err="1">
-                <a:latin typeface="+mn-lt"/>
-                <a:cs typeface="Times New Roman" panose="02020603050405020304" pitchFamily="18" charset="0"/>
-              </a:rPr>
-              <a:t>Hỗ</a:t>
-            </a:r>
-            <a:r>
-              <a:rPr lang="en-US" dirty="0">
-                <a:latin typeface="+mn-lt"/>
-                <a:cs typeface="Times New Roman" panose="02020603050405020304" pitchFamily="18" charset="0"/>
-              </a:rPr>
-              <a:t> </a:t>
-            </a:r>
-            <a:r>
-              <a:rPr lang="en-US" dirty="0" err="1">
-                <a:latin typeface="+mn-lt"/>
-                <a:cs typeface="Times New Roman" panose="02020603050405020304" pitchFamily="18" charset="0"/>
-              </a:rPr>
-              <a:t>trợ</a:t>
-            </a:r>
-            <a:r>
-              <a:rPr lang="en-US" dirty="0">
-                <a:latin typeface="+mn-lt"/>
-                <a:cs typeface="Times New Roman" panose="02020603050405020304" pitchFamily="18" charset="0"/>
-              </a:rPr>
-              <a:t> </a:t>
-            </a:r>
-            <a:r>
-              <a:rPr lang="en-US" dirty="0" err="1">
-                <a:latin typeface="+mn-lt"/>
-                <a:cs typeface="Times New Roman" panose="02020603050405020304" pitchFamily="18" charset="0"/>
-              </a:rPr>
-              <a:t>ngoại</a:t>
-            </a:r>
-            <a:r>
-              <a:rPr lang="en-US" dirty="0">
-                <a:latin typeface="+mn-lt"/>
-                <a:cs typeface="Times New Roman" panose="02020603050405020304" pitchFamily="18" charset="0"/>
-              </a:rPr>
-              <a:t> vi UART, SPI, I2C, ADC, PWM</a:t>
-            </a:r>
-          </a:p>
-          <a:p>
-            <a:r>
-              <a:rPr lang="en-US" dirty="0">
+              <a:rPr lang="en-US">
                 <a:latin typeface="+mn-lt"/>
                 <a:cs typeface="Times New Roman" panose="02020603050405020304" pitchFamily="18" charset="0"/>
               </a:rPr>
@@ -25673,7 +24399,23 @@
                 <a:latin typeface="+mn-lt"/>
                 <a:cs typeface="Times New Roman" panose="02020603050405020304" pitchFamily="18" charset="0"/>
               </a:rPr>
-              <a:t> 2.4 GHz</a:t>
+              <a:t> </a:t>
+            </a:r>
+            <a:r>
+              <a:rPr lang="en-US">
+                <a:latin typeface="+mn-lt"/>
+                <a:cs typeface="Times New Roman" panose="02020603050405020304" pitchFamily="18" charset="0"/>
+              </a:rPr>
+              <a:t>2.4 GHz</a:t>
+            </a:r>
+          </a:p>
+          <a:p>
+            <a:r>
+              <a:rPr lang="en-US">
+                <a:latin typeface="+mn-lt"/>
+                <a:cs typeface="Times New Roman" panose="02020603050405020304" pitchFamily="18" charset="0"/>
+              </a:rPr>
+              <a:t>Có sẵn Ăng-ten ở trên mạch</a:t>
             </a:r>
             <a:endParaRPr lang="vi-VN" dirty="0">
               <a:latin typeface="+mn-lt"/>
@@ -25738,7 +24480,7 @@
         </p:blipFill>
         <p:spPr bwMode="auto">
           <a:xfrm>
-            <a:off x="6566657" y="1690809"/>
+            <a:off x="6769857" y="1690809"/>
             <a:ext cx="4096654" cy="3645193"/>
           </a:xfrm>
           <a:prstGeom prst="rect">
@@ -26848,36 +25590,6 @@
           </a:p>
         </p:txBody>
       </p:sp>
-      <p:pic>
-        <p:nvPicPr>
-          <p:cNvPr id="3" name="Picture 2">
-            <a:extLst>
-              <a:ext uri="{FF2B5EF4-FFF2-40B4-BE49-F238E27FC236}">
-                <a16:creationId xmlns:a16="http://schemas.microsoft.com/office/drawing/2014/main" id="{F3B3A992-C17B-4B6A-B318-89644D04B22B}"/>
-              </a:ext>
-            </a:extLst>
-          </p:cNvPr>
-          <p:cNvPicPr>
-            <a:picLocks noChangeAspect="1"/>
-          </p:cNvPicPr>
-          <p:nvPr/>
-        </p:nvPicPr>
-        <p:blipFill>
-          <a:blip r:embed="rId3"/>
-          <a:stretch>
-            <a:fillRect/>
-          </a:stretch>
-        </p:blipFill>
-        <p:spPr>
-          <a:xfrm>
-            <a:off x="4790213" y="1925511"/>
-            <a:ext cx="6859265" cy="3006978"/>
-          </a:xfrm>
-          <a:prstGeom prst="rect">
-            <a:avLst/>
-          </a:prstGeom>
-        </p:spPr>
-      </p:pic>
       <p:sp>
         <p:nvSpPr>
           <p:cNvPr id="7" name="Text Placeholder 2">
@@ -27086,6 +25798,36 @@
           </a:p>
         </p:txBody>
       </p:sp>
+      <p:pic>
+        <p:nvPicPr>
+          <p:cNvPr id="6" name="Picture 5">
+            <a:extLst>
+              <a:ext uri="{FF2B5EF4-FFF2-40B4-BE49-F238E27FC236}">
+                <a16:creationId xmlns:a16="http://schemas.microsoft.com/office/drawing/2014/main" id="{30E4D7E5-AD08-4597-A81B-D926BFDA100C}"/>
+              </a:ext>
+            </a:extLst>
+          </p:cNvPr>
+          <p:cNvPicPr>
+            <a:picLocks noChangeAspect="1"/>
+          </p:cNvPicPr>
+          <p:nvPr/>
+        </p:nvPicPr>
+        <p:blipFill>
+          <a:blip r:embed="rId3"/>
+          <a:stretch>
+            <a:fillRect/>
+          </a:stretch>
+        </p:blipFill>
+        <p:spPr>
+          <a:xfrm>
+            <a:off x="4657288" y="2075217"/>
+            <a:ext cx="7131012" cy="3236259"/>
+          </a:xfrm>
+          <a:prstGeom prst="rect">
+            <a:avLst/>
+          </a:prstGeom>
+        </p:spPr>
+      </p:pic>
     </p:spTree>
     <p:extLst>
       <p:ext uri="{BB962C8B-B14F-4D97-AF65-F5344CB8AC3E}">
